--- a/��Ŀ����ʵս/Lesson 7 �������(What to build).pptx
+++ b/��Ŀ����ʵս/Lesson 7 �������(What to build).pptx
@@ -2898,7 +2898,7 @@
 <dgm:dataModel xmlns:dgm="http://schemas.openxmlformats.org/drawingml/2006/diagram" xmlns:a="http://schemas.openxmlformats.org/drawingml/2006/main">
   <dgm:ptLst>
     <dgm:pt modelId="{6B7D9E6A-250E-4520-9CFF-E20B174B4309}" type="doc">
-      <dgm:prSet loTypeId="urn:microsoft.com/office/officeart/2005/8/layout/vProcess5" loCatId="process" qsTypeId="urn:microsoft.com/office/officeart/2005/8/quickstyle/simple5" qsCatId="simple" csTypeId="urn:microsoft.com/office/officeart/2005/8/colors/colorful1" csCatId="colorful" phldr="1"/>
+      <dgm:prSet loTypeId="urn:microsoft.com/office/officeart/2005/8/layout/vProcess5" loCatId="process" qsTypeId="urn:microsoft.com/office/officeart/2005/8/quickstyle/simple1" qsCatId="simple" csTypeId="urn:microsoft.com/office/officeart/2005/8/colors/colorful1" csCatId="colorful" phldr="1"/>
       <dgm:spPr/>
       <dgm:t>
         <a:bodyPr/>
@@ -3094,6 +3094,13 @@
         <dgm:presLayoutVars/>
       </dgm:prSet>
       <dgm:spPr/>
+      <dgm:t>
+        <a:bodyPr/>
+        <a:lstStyle/>
+        <a:p>
+          <a:endParaRPr lang="zh-CN" altLang="en-US"/>
+        </a:p>
+      </dgm:t>
     </dgm:pt>
     <dgm:pt modelId="{D26A7C8A-AFD0-40A9-8A8F-47E909AB433D}" type="pres">
       <dgm:prSet presAssocID="{6B7D9E6A-250E-4520-9CFF-E20B174B4309}" presName="FourNodes_1" presStyleLbl="node1" presStyleIdx="0" presStyleCnt="4" custScaleX="107686">
@@ -6830,71 +6837,35 @@
             <a:gd name="adj" fmla="val 10000"/>
           </a:avLst>
         </a:prstGeom>
-        <a:gradFill rotWithShape="0">
-          <a:gsLst>
-            <a:gs pos="0">
-              <a:schemeClr val="accent2">
-                <a:hueOff val="0"/>
-                <a:satOff val="0"/>
-                <a:lumOff val="0"/>
-                <a:alphaOff val="0"/>
-                <a:shade val="51000"/>
-                <a:satMod val="130000"/>
-              </a:schemeClr>
-            </a:gs>
-            <a:gs pos="80000">
-              <a:schemeClr val="accent2">
-                <a:hueOff val="0"/>
-                <a:satOff val="0"/>
-                <a:lumOff val="0"/>
-                <a:alphaOff val="0"/>
-                <a:shade val="93000"/>
-                <a:satMod val="130000"/>
-              </a:schemeClr>
-            </a:gs>
-            <a:gs pos="100000">
-              <a:schemeClr val="accent2">
-                <a:hueOff val="0"/>
-                <a:satOff val="0"/>
-                <a:lumOff val="0"/>
-                <a:alphaOff val="0"/>
-                <a:shade val="94000"/>
-                <a:satMod val="135000"/>
-              </a:schemeClr>
-            </a:gs>
-          </a:gsLst>
-          <a:lin ang="16200000" scaled="0"/>
-        </a:gradFill>
-        <a:ln>
-          <a:noFill/>
+        <a:solidFill>
+          <a:schemeClr val="accent2">
+            <a:hueOff val="0"/>
+            <a:satOff val="0"/>
+            <a:lumOff val="0"/>
+            <a:alphaOff val="0"/>
+          </a:schemeClr>
+        </a:solidFill>
+        <a:ln w="25400" cap="flat" cmpd="sng" algn="ctr">
+          <a:solidFill>
+            <a:schemeClr val="lt1">
+              <a:hueOff val="0"/>
+              <a:satOff val="0"/>
+              <a:lumOff val="0"/>
+              <a:alphaOff val="0"/>
+            </a:schemeClr>
+          </a:solidFill>
+          <a:prstDash val="solid"/>
         </a:ln>
-        <a:effectLst>
-          <a:outerShdw blurRad="40000" dist="23000" dir="5400000" rotWithShape="0">
-            <a:srgbClr val="000000">
-              <a:alpha val="35000"/>
-            </a:srgbClr>
-          </a:outerShdw>
-        </a:effectLst>
-        <a:scene3d>
-          <a:camera prst="orthographicFront">
-            <a:rot lat="0" lon="0" rev="0"/>
-          </a:camera>
-          <a:lightRig rig="threePt" dir="t">
-            <a:rot lat="0" lon="0" rev="1200000"/>
-          </a:lightRig>
-        </a:scene3d>
-        <a:sp3d>
-          <a:bevelT w="63500" h="25400"/>
-        </a:sp3d>
+        <a:effectLst/>
       </dsp:spPr>
       <dsp:style>
-        <a:lnRef idx="0">
+        <a:lnRef idx="2">
           <a:scrgbClr r="0" g="0" b="0"/>
         </a:lnRef>
-        <a:fillRef idx="3">
+        <a:fillRef idx="1">
           <a:scrgbClr r="0" g="0" b="0"/>
         </a:fillRef>
-        <a:effectRef idx="3">
+        <a:effectRef idx="0">
           <a:scrgbClr r="0" g="0" b="0"/>
         </a:effectRef>
         <a:fontRef idx="minor">
@@ -6949,71 +6920,35 @@
             <a:gd name="adj" fmla="val 10000"/>
           </a:avLst>
         </a:prstGeom>
-        <a:gradFill rotWithShape="0">
-          <a:gsLst>
-            <a:gs pos="0">
-              <a:schemeClr val="accent3">
-                <a:hueOff val="0"/>
-                <a:satOff val="0"/>
-                <a:lumOff val="0"/>
-                <a:alphaOff val="0"/>
-                <a:shade val="51000"/>
-                <a:satMod val="130000"/>
-              </a:schemeClr>
-            </a:gs>
-            <a:gs pos="80000">
-              <a:schemeClr val="accent3">
-                <a:hueOff val="0"/>
-                <a:satOff val="0"/>
-                <a:lumOff val="0"/>
-                <a:alphaOff val="0"/>
-                <a:shade val="93000"/>
-                <a:satMod val="130000"/>
-              </a:schemeClr>
-            </a:gs>
-            <a:gs pos="100000">
-              <a:schemeClr val="accent3">
-                <a:hueOff val="0"/>
-                <a:satOff val="0"/>
-                <a:lumOff val="0"/>
-                <a:alphaOff val="0"/>
-                <a:shade val="94000"/>
-                <a:satMod val="135000"/>
-              </a:schemeClr>
-            </a:gs>
-          </a:gsLst>
-          <a:lin ang="16200000" scaled="0"/>
-        </a:gradFill>
-        <a:ln>
-          <a:noFill/>
+        <a:solidFill>
+          <a:schemeClr val="accent3">
+            <a:hueOff val="0"/>
+            <a:satOff val="0"/>
+            <a:lumOff val="0"/>
+            <a:alphaOff val="0"/>
+          </a:schemeClr>
+        </a:solidFill>
+        <a:ln w="25400" cap="flat" cmpd="sng" algn="ctr">
+          <a:solidFill>
+            <a:schemeClr val="lt1">
+              <a:hueOff val="0"/>
+              <a:satOff val="0"/>
+              <a:lumOff val="0"/>
+              <a:alphaOff val="0"/>
+            </a:schemeClr>
+          </a:solidFill>
+          <a:prstDash val="solid"/>
         </a:ln>
-        <a:effectLst>
-          <a:outerShdw blurRad="40000" dist="23000" dir="5400000" rotWithShape="0">
-            <a:srgbClr val="000000">
-              <a:alpha val="35000"/>
-            </a:srgbClr>
-          </a:outerShdw>
-        </a:effectLst>
-        <a:scene3d>
-          <a:camera prst="orthographicFront">
-            <a:rot lat="0" lon="0" rev="0"/>
-          </a:camera>
-          <a:lightRig rig="threePt" dir="t">
-            <a:rot lat="0" lon="0" rev="1200000"/>
-          </a:lightRig>
-        </a:scene3d>
-        <a:sp3d>
-          <a:bevelT w="63500" h="25400"/>
-        </a:sp3d>
+        <a:effectLst/>
       </dsp:spPr>
       <dsp:style>
-        <a:lnRef idx="0">
+        <a:lnRef idx="2">
           <a:scrgbClr r="0" g="0" b="0"/>
         </a:lnRef>
-        <a:fillRef idx="3">
+        <a:fillRef idx="1">
           <a:scrgbClr r="0" g="0" b="0"/>
         </a:fillRef>
-        <a:effectRef idx="3">
+        <a:effectRef idx="0">
           <a:scrgbClr r="0" g="0" b="0"/>
         </a:effectRef>
         <a:fontRef idx="minor">
@@ -7068,71 +7003,35 @@
             <a:gd name="adj" fmla="val 10000"/>
           </a:avLst>
         </a:prstGeom>
-        <a:gradFill rotWithShape="0">
-          <a:gsLst>
-            <a:gs pos="0">
-              <a:schemeClr val="accent4">
-                <a:hueOff val="0"/>
-                <a:satOff val="0"/>
-                <a:lumOff val="0"/>
-                <a:alphaOff val="0"/>
-                <a:shade val="51000"/>
-                <a:satMod val="130000"/>
-              </a:schemeClr>
-            </a:gs>
-            <a:gs pos="80000">
-              <a:schemeClr val="accent4">
-                <a:hueOff val="0"/>
-                <a:satOff val="0"/>
-                <a:lumOff val="0"/>
-                <a:alphaOff val="0"/>
-                <a:shade val="93000"/>
-                <a:satMod val="130000"/>
-              </a:schemeClr>
-            </a:gs>
-            <a:gs pos="100000">
-              <a:schemeClr val="accent4">
-                <a:hueOff val="0"/>
-                <a:satOff val="0"/>
-                <a:lumOff val="0"/>
-                <a:alphaOff val="0"/>
-                <a:shade val="94000"/>
-                <a:satMod val="135000"/>
-              </a:schemeClr>
-            </a:gs>
-          </a:gsLst>
-          <a:lin ang="16200000" scaled="0"/>
-        </a:gradFill>
-        <a:ln>
-          <a:noFill/>
+        <a:solidFill>
+          <a:schemeClr val="accent4">
+            <a:hueOff val="0"/>
+            <a:satOff val="0"/>
+            <a:lumOff val="0"/>
+            <a:alphaOff val="0"/>
+          </a:schemeClr>
+        </a:solidFill>
+        <a:ln w="25400" cap="flat" cmpd="sng" algn="ctr">
+          <a:solidFill>
+            <a:schemeClr val="lt1">
+              <a:hueOff val="0"/>
+              <a:satOff val="0"/>
+              <a:lumOff val="0"/>
+              <a:alphaOff val="0"/>
+            </a:schemeClr>
+          </a:solidFill>
+          <a:prstDash val="solid"/>
         </a:ln>
-        <a:effectLst>
-          <a:outerShdw blurRad="40000" dist="23000" dir="5400000" rotWithShape="0">
-            <a:srgbClr val="000000">
-              <a:alpha val="35000"/>
-            </a:srgbClr>
-          </a:outerShdw>
-        </a:effectLst>
-        <a:scene3d>
-          <a:camera prst="orthographicFront">
-            <a:rot lat="0" lon="0" rev="0"/>
-          </a:camera>
-          <a:lightRig rig="threePt" dir="t">
-            <a:rot lat="0" lon="0" rev="1200000"/>
-          </a:lightRig>
-        </a:scene3d>
-        <a:sp3d>
-          <a:bevelT w="63500" h="25400"/>
-        </a:sp3d>
+        <a:effectLst/>
       </dsp:spPr>
       <dsp:style>
-        <a:lnRef idx="0">
+        <a:lnRef idx="2">
           <a:scrgbClr r="0" g="0" b="0"/>
         </a:lnRef>
-        <a:fillRef idx="3">
+        <a:fillRef idx="1">
           <a:scrgbClr r="0" g="0" b="0"/>
         </a:fillRef>
-        <a:effectRef idx="3">
+        <a:effectRef idx="0">
           <a:scrgbClr r="0" g="0" b="0"/>
         </a:effectRef>
         <a:fontRef idx="minor">
@@ -7187,71 +7086,35 @@
             <a:gd name="adj" fmla="val 10000"/>
           </a:avLst>
         </a:prstGeom>
-        <a:gradFill rotWithShape="0">
-          <a:gsLst>
-            <a:gs pos="0">
-              <a:schemeClr val="accent5">
-                <a:hueOff val="0"/>
-                <a:satOff val="0"/>
-                <a:lumOff val="0"/>
-                <a:alphaOff val="0"/>
-                <a:shade val="51000"/>
-                <a:satMod val="130000"/>
-              </a:schemeClr>
-            </a:gs>
-            <a:gs pos="80000">
-              <a:schemeClr val="accent5">
-                <a:hueOff val="0"/>
-                <a:satOff val="0"/>
-                <a:lumOff val="0"/>
-                <a:alphaOff val="0"/>
-                <a:shade val="93000"/>
-                <a:satMod val="130000"/>
-              </a:schemeClr>
-            </a:gs>
-            <a:gs pos="100000">
-              <a:schemeClr val="accent5">
-                <a:hueOff val="0"/>
-                <a:satOff val="0"/>
-                <a:lumOff val="0"/>
-                <a:alphaOff val="0"/>
-                <a:shade val="94000"/>
-                <a:satMod val="135000"/>
-              </a:schemeClr>
-            </a:gs>
-          </a:gsLst>
-          <a:lin ang="16200000" scaled="0"/>
-        </a:gradFill>
-        <a:ln>
-          <a:noFill/>
+        <a:solidFill>
+          <a:schemeClr val="accent5">
+            <a:hueOff val="0"/>
+            <a:satOff val="0"/>
+            <a:lumOff val="0"/>
+            <a:alphaOff val="0"/>
+          </a:schemeClr>
+        </a:solidFill>
+        <a:ln w="25400" cap="flat" cmpd="sng" algn="ctr">
+          <a:solidFill>
+            <a:schemeClr val="lt1">
+              <a:hueOff val="0"/>
+              <a:satOff val="0"/>
+              <a:lumOff val="0"/>
+              <a:alphaOff val="0"/>
+            </a:schemeClr>
+          </a:solidFill>
+          <a:prstDash val="solid"/>
         </a:ln>
-        <a:effectLst>
-          <a:outerShdw blurRad="40000" dist="23000" dir="5400000" rotWithShape="0">
-            <a:srgbClr val="000000">
-              <a:alpha val="35000"/>
-            </a:srgbClr>
-          </a:outerShdw>
-        </a:effectLst>
-        <a:scene3d>
-          <a:camera prst="orthographicFront">
-            <a:rot lat="0" lon="0" rev="0"/>
-          </a:camera>
-          <a:lightRig rig="threePt" dir="t">
-            <a:rot lat="0" lon="0" rev="1200000"/>
-          </a:lightRig>
-        </a:scene3d>
-        <a:sp3d>
-          <a:bevelT w="63500" h="25400"/>
-        </a:sp3d>
+        <a:effectLst/>
       </dsp:spPr>
       <dsp:style>
-        <a:lnRef idx="0">
+        <a:lnRef idx="2">
           <a:scrgbClr r="0" g="0" b="0"/>
         </a:lnRef>
-        <a:fillRef idx="3">
+        <a:fillRef idx="1">
           <a:scrgbClr r="0" g="0" b="0"/>
         </a:fillRef>
-        <a:effectRef idx="3">
+        <a:effectRef idx="0">
           <a:scrgbClr r="0" g="0" b="0"/>
         </a:effectRef>
         <a:fontRef idx="minor">
@@ -7317,7 +7180,7 @@
             <a:alphaOff val="0"/>
           </a:schemeClr>
         </a:solidFill>
-        <a:ln w="9525" cap="flat" cmpd="sng" algn="ctr">
+        <a:ln w="25400" cap="flat" cmpd="sng" algn="ctr">
           <a:solidFill>
             <a:schemeClr val="accent2">
               <a:tint val="40000"/>
@@ -7330,22 +7193,16 @@
           </a:solidFill>
           <a:prstDash val="solid"/>
         </a:ln>
-        <a:effectLst>
-          <a:outerShdw blurRad="40000" dist="23000" dir="5400000" rotWithShape="0">
-            <a:srgbClr val="000000">
-              <a:alpha val="35000"/>
-            </a:srgbClr>
-          </a:outerShdw>
-        </a:effectLst>
+        <a:effectLst/>
       </dsp:spPr>
       <dsp:style>
-        <a:lnRef idx="1">
+        <a:lnRef idx="2">
           <a:scrgbClr r="0" g="0" b="0"/>
         </a:lnRef>
         <a:fillRef idx="1">
           <a:scrgbClr r="0" g="0" b="0"/>
         </a:fillRef>
-        <a:effectRef idx="2">
+        <a:effectRef idx="0">
           <a:scrgbClr r="0" g="0" b="0"/>
         </a:effectRef>
         <a:fontRef idx="minor"/>
@@ -7401,7 +7258,7 @@
             <a:alphaOff val="0"/>
           </a:schemeClr>
         </a:solidFill>
-        <a:ln w="9525" cap="flat" cmpd="sng" algn="ctr">
+        <a:ln w="25400" cap="flat" cmpd="sng" algn="ctr">
           <a:solidFill>
             <a:schemeClr val="accent3">
               <a:tint val="40000"/>
@@ -7414,22 +7271,16 @@
           </a:solidFill>
           <a:prstDash val="solid"/>
         </a:ln>
-        <a:effectLst>
-          <a:outerShdw blurRad="40000" dist="23000" dir="5400000" rotWithShape="0">
-            <a:srgbClr val="000000">
-              <a:alpha val="35000"/>
-            </a:srgbClr>
-          </a:outerShdw>
-        </a:effectLst>
+        <a:effectLst/>
       </dsp:spPr>
       <dsp:style>
-        <a:lnRef idx="1">
+        <a:lnRef idx="2">
           <a:scrgbClr r="0" g="0" b="0"/>
         </a:lnRef>
         <a:fillRef idx="1">
           <a:scrgbClr r="0" g="0" b="0"/>
         </a:fillRef>
-        <a:effectRef idx="2">
+        <a:effectRef idx="0">
           <a:scrgbClr r="0" g="0" b="0"/>
         </a:effectRef>
         <a:fontRef idx="minor"/>
@@ -7485,7 +7336,7 @@
             <a:alphaOff val="0"/>
           </a:schemeClr>
         </a:solidFill>
-        <a:ln w="9525" cap="flat" cmpd="sng" algn="ctr">
+        <a:ln w="25400" cap="flat" cmpd="sng" algn="ctr">
           <a:solidFill>
             <a:schemeClr val="accent4">
               <a:tint val="40000"/>
@@ -7498,22 +7349,16 @@
           </a:solidFill>
           <a:prstDash val="solid"/>
         </a:ln>
-        <a:effectLst>
-          <a:outerShdw blurRad="40000" dist="23000" dir="5400000" rotWithShape="0">
-            <a:srgbClr val="000000">
-              <a:alpha val="35000"/>
-            </a:srgbClr>
-          </a:outerShdw>
-        </a:effectLst>
+        <a:effectLst/>
       </dsp:spPr>
       <dsp:style>
-        <a:lnRef idx="1">
+        <a:lnRef idx="2">
           <a:scrgbClr r="0" g="0" b="0"/>
         </a:lnRef>
         <a:fillRef idx="1">
           <a:scrgbClr r="0" g="0" b="0"/>
         </a:fillRef>
-        <a:effectRef idx="2">
+        <a:effectRef idx="0">
           <a:scrgbClr r="0" g="0" b="0"/>
         </a:effectRef>
         <a:fontRef idx="minor"/>
@@ -7555,6 +7400,426 @@
       <dsp:cNvGrpSpPr/>
     </dsp:nvGrpSpPr>
     <dsp:grpSpPr/>
+    <dsp:sp modelId="{453571DB-A32D-4993-90DD-862E74477494}">
+      <dsp:nvSpPr>
+        <dsp:cNvPr id="0" name=""/>
+        <dsp:cNvSpPr/>
+      </dsp:nvSpPr>
+      <dsp:spPr>
+        <a:xfrm>
+          <a:off x="-3354458" y="-515913"/>
+          <a:ext cx="3999931" cy="3999931"/>
+        </a:xfrm>
+        <a:prstGeom prst="blockArc">
+          <a:avLst>
+            <a:gd name="adj1" fmla="val 18900000"/>
+            <a:gd name="adj2" fmla="val 2700000"/>
+            <a:gd name="adj3" fmla="val 540"/>
+          </a:avLst>
+        </a:prstGeom>
+        <a:noFill/>
+        <a:ln w="25400" cap="flat" cmpd="sng" algn="ctr">
+          <a:solidFill>
+            <a:schemeClr val="accent2">
+              <a:hueOff val="0"/>
+              <a:satOff val="0"/>
+              <a:lumOff val="0"/>
+              <a:alphaOff val="0"/>
+            </a:schemeClr>
+          </a:solidFill>
+          <a:prstDash val="solid"/>
+        </a:ln>
+        <a:effectLst/>
+      </dsp:spPr>
+      <dsp:style>
+        <a:lnRef idx="2">
+          <a:scrgbClr r="0" g="0" b="0"/>
+        </a:lnRef>
+        <a:fillRef idx="0">
+          <a:scrgbClr r="0" g="0" b="0"/>
+        </a:fillRef>
+        <a:effectRef idx="0">
+          <a:scrgbClr r="0" g="0" b="0"/>
+        </a:effectRef>
+        <a:fontRef idx="minor"/>
+      </dsp:style>
+    </dsp:sp>
+    <dsp:sp modelId="{C1EB1EE0-F691-42F9-AFDE-9C6D365E36CA}">
+      <dsp:nvSpPr>
+        <dsp:cNvPr id="0" name=""/>
+        <dsp:cNvSpPr/>
+      </dsp:nvSpPr>
+      <dsp:spPr>
+        <a:xfrm>
+          <a:off x="415054" y="296810"/>
+          <a:ext cx="2102843" cy="593620"/>
+        </a:xfrm>
+        <a:prstGeom prst="rect">
+          <a:avLst/>
+        </a:prstGeom>
+        <a:solidFill>
+          <a:schemeClr val="accent2">
+            <a:hueOff val="0"/>
+            <a:satOff val="0"/>
+            <a:lumOff val="0"/>
+            <a:alphaOff val="0"/>
+          </a:schemeClr>
+        </a:solidFill>
+        <a:ln w="25400" cap="flat" cmpd="sng" algn="ctr">
+          <a:solidFill>
+            <a:schemeClr val="lt1">
+              <a:hueOff val="0"/>
+              <a:satOff val="0"/>
+              <a:lumOff val="0"/>
+              <a:alphaOff val="0"/>
+            </a:schemeClr>
+          </a:solidFill>
+          <a:prstDash val="solid"/>
+        </a:ln>
+        <a:effectLst/>
+      </dsp:spPr>
+      <dsp:style>
+        <a:lnRef idx="2">
+          <a:scrgbClr r="0" g="0" b="0"/>
+        </a:lnRef>
+        <a:fillRef idx="1">
+          <a:scrgbClr r="0" g="0" b="0"/>
+        </a:fillRef>
+        <a:effectRef idx="0">
+          <a:scrgbClr r="0" g="0" b="0"/>
+        </a:effectRef>
+        <a:fontRef idx="minor">
+          <a:schemeClr val="lt1"/>
+        </a:fontRef>
+      </dsp:style>
+      <dsp:txBody>
+        <a:bodyPr spcFirstLastPara="0" vert="horz" wrap="square" lIns="471187" tIns="66040" rIns="66040" bIns="66040" numCol="1" spcCol="1270" anchor="ctr" anchorCtr="0">
+          <a:noAutofit/>
+        </a:bodyPr>
+        <a:lstStyle/>
+        <a:p>
+          <a:pPr lvl="0" algn="l" defTabSz="1155700">
+            <a:lnSpc>
+              <a:spcPct val="90000"/>
+            </a:lnSpc>
+            <a:spcBef>
+              <a:spcPct val="0"/>
+            </a:spcBef>
+            <a:spcAft>
+              <a:spcPct val="35000"/>
+            </a:spcAft>
+          </a:pPr>
+          <a:r>
+            <a:rPr lang="zh-CN" altLang="en-US" sz="2600" kern="1200" dirty="0" smtClean="0"/>
+            <a:t>网络容量</a:t>
+          </a:r>
+          <a:endParaRPr lang="zh-CN" altLang="en-US" sz="2600" kern="1200" dirty="0"/>
+        </a:p>
+      </dsp:txBody>
+      <dsp:txXfrm>
+        <a:off x="415054" y="296810"/>
+        <a:ext cx="2102843" cy="593620"/>
+      </dsp:txXfrm>
+    </dsp:sp>
+    <dsp:sp modelId="{ACFD7701-1C57-4250-8528-B0EC795706D2}">
+      <dsp:nvSpPr>
+        <dsp:cNvPr id="0" name=""/>
+        <dsp:cNvSpPr/>
+      </dsp:nvSpPr>
+      <dsp:spPr>
+        <a:xfrm>
+          <a:off x="44041" y="222607"/>
+          <a:ext cx="742026" cy="742026"/>
+        </a:xfrm>
+        <a:prstGeom prst="ellipse">
+          <a:avLst/>
+        </a:prstGeom>
+        <a:solidFill>
+          <a:schemeClr val="lt1">
+            <a:hueOff val="0"/>
+            <a:satOff val="0"/>
+            <a:lumOff val="0"/>
+            <a:alphaOff val="0"/>
+          </a:schemeClr>
+        </a:solidFill>
+        <a:ln w="25400" cap="flat" cmpd="sng" algn="ctr">
+          <a:solidFill>
+            <a:schemeClr val="accent2">
+              <a:hueOff val="0"/>
+              <a:satOff val="0"/>
+              <a:lumOff val="0"/>
+              <a:alphaOff val="0"/>
+            </a:schemeClr>
+          </a:solidFill>
+          <a:prstDash val="solid"/>
+        </a:ln>
+        <a:effectLst/>
+      </dsp:spPr>
+      <dsp:style>
+        <a:lnRef idx="2">
+          <a:scrgbClr r="0" g="0" b="0"/>
+        </a:lnRef>
+        <a:fillRef idx="1">
+          <a:scrgbClr r="0" g="0" b="0"/>
+        </a:fillRef>
+        <a:effectRef idx="0">
+          <a:scrgbClr r="0" g="0" b="0"/>
+        </a:effectRef>
+        <a:fontRef idx="minor"/>
+      </dsp:style>
+    </dsp:sp>
+    <dsp:sp modelId="{A0037C1F-36F2-4A06-BADB-FCA889F98579}">
+      <dsp:nvSpPr>
+        <dsp:cNvPr id="0" name=""/>
+        <dsp:cNvSpPr/>
+      </dsp:nvSpPr>
+      <dsp:spPr>
+        <a:xfrm>
+          <a:off x="630835" y="1187241"/>
+          <a:ext cx="1887062" cy="593620"/>
+        </a:xfrm>
+        <a:prstGeom prst="rect">
+          <a:avLst/>
+        </a:prstGeom>
+        <a:solidFill>
+          <a:schemeClr val="accent3">
+            <a:hueOff val="0"/>
+            <a:satOff val="0"/>
+            <a:lumOff val="0"/>
+            <a:alphaOff val="0"/>
+          </a:schemeClr>
+        </a:solidFill>
+        <a:ln w="25400" cap="flat" cmpd="sng" algn="ctr">
+          <a:solidFill>
+            <a:schemeClr val="lt1">
+              <a:hueOff val="0"/>
+              <a:satOff val="0"/>
+              <a:lumOff val="0"/>
+              <a:alphaOff val="0"/>
+            </a:schemeClr>
+          </a:solidFill>
+          <a:prstDash val="solid"/>
+        </a:ln>
+        <a:effectLst/>
+      </dsp:spPr>
+      <dsp:style>
+        <a:lnRef idx="2">
+          <a:scrgbClr r="0" g="0" b="0"/>
+        </a:lnRef>
+        <a:fillRef idx="1">
+          <a:scrgbClr r="0" g="0" b="0"/>
+        </a:fillRef>
+        <a:effectRef idx="0">
+          <a:scrgbClr r="0" g="0" b="0"/>
+        </a:effectRef>
+        <a:fontRef idx="minor">
+          <a:schemeClr val="lt1"/>
+        </a:fontRef>
+      </dsp:style>
+      <dsp:txBody>
+        <a:bodyPr spcFirstLastPara="0" vert="horz" wrap="square" lIns="471187" tIns="66040" rIns="66040" bIns="66040" numCol="1" spcCol="1270" anchor="ctr" anchorCtr="0">
+          <a:noAutofit/>
+        </a:bodyPr>
+        <a:lstStyle/>
+        <a:p>
+          <a:pPr lvl="0" algn="l" defTabSz="1155700">
+            <a:lnSpc>
+              <a:spcPct val="90000"/>
+            </a:lnSpc>
+            <a:spcBef>
+              <a:spcPct val="0"/>
+            </a:spcBef>
+            <a:spcAft>
+              <a:spcPct val="35000"/>
+            </a:spcAft>
+          </a:pPr>
+          <a:r>
+            <a:rPr lang="zh-CN" altLang="en-US" sz="2600" kern="1200" dirty="0" smtClean="0"/>
+            <a:t>磁盘容量</a:t>
+          </a:r>
+          <a:endParaRPr lang="zh-CN" altLang="en-US" sz="2600" kern="1200" dirty="0"/>
+        </a:p>
+      </dsp:txBody>
+      <dsp:txXfrm>
+        <a:off x="630835" y="1187241"/>
+        <a:ext cx="1887062" cy="593620"/>
+      </dsp:txXfrm>
+    </dsp:sp>
+    <dsp:sp modelId="{5EE824BD-EA0E-43B5-82C1-CA5ED163BD93}">
+      <dsp:nvSpPr>
+        <dsp:cNvPr id="0" name=""/>
+        <dsp:cNvSpPr/>
+      </dsp:nvSpPr>
+      <dsp:spPr>
+        <a:xfrm>
+          <a:off x="259822" y="1113039"/>
+          <a:ext cx="742026" cy="742026"/>
+        </a:xfrm>
+        <a:prstGeom prst="ellipse">
+          <a:avLst/>
+        </a:prstGeom>
+        <a:solidFill>
+          <a:schemeClr val="lt1">
+            <a:hueOff val="0"/>
+            <a:satOff val="0"/>
+            <a:lumOff val="0"/>
+            <a:alphaOff val="0"/>
+          </a:schemeClr>
+        </a:solidFill>
+        <a:ln w="25400" cap="flat" cmpd="sng" algn="ctr">
+          <a:solidFill>
+            <a:schemeClr val="accent3">
+              <a:hueOff val="0"/>
+              <a:satOff val="0"/>
+              <a:lumOff val="0"/>
+              <a:alphaOff val="0"/>
+            </a:schemeClr>
+          </a:solidFill>
+          <a:prstDash val="solid"/>
+        </a:ln>
+        <a:effectLst/>
+      </dsp:spPr>
+      <dsp:style>
+        <a:lnRef idx="2">
+          <a:scrgbClr r="0" g="0" b="0"/>
+        </a:lnRef>
+        <a:fillRef idx="1">
+          <a:scrgbClr r="0" g="0" b="0"/>
+        </a:fillRef>
+        <a:effectRef idx="0">
+          <a:scrgbClr r="0" g="0" b="0"/>
+        </a:effectRef>
+        <a:fontRef idx="minor"/>
+      </dsp:style>
+    </dsp:sp>
+    <dsp:sp modelId="{8C2F9CA2-B188-4864-9B48-1E13A9566146}">
+      <dsp:nvSpPr>
+        <dsp:cNvPr id="0" name=""/>
+        <dsp:cNvSpPr/>
+      </dsp:nvSpPr>
+      <dsp:spPr>
+        <a:xfrm>
+          <a:off x="415054" y="2077672"/>
+          <a:ext cx="2102843" cy="593620"/>
+        </a:xfrm>
+        <a:prstGeom prst="rect">
+          <a:avLst/>
+        </a:prstGeom>
+        <a:solidFill>
+          <a:schemeClr val="accent4">
+            <a:hueOff val="0"/>
+            <a:satOff val="0"/>
+            <a:lumOff val="0"/>
+            <a:alphaOff val="0"/>
+          </a:schemeClr>
+        </a:solidFill>
+        <a:ln w="25400" cap="flat" cmpd="sng" algn="ctr">
+          <a:solidFill>
+            <a:schemeClr val="lt1">
+              <a:hueOff val="0"/>
+              <a:satOff val="0"/>
+              <a:lumOff val="0"/>
+              <a:alphaOff val="0"/>
+            </a:schemeClr>
+          </a:solidFill>
+          <a:prstDash val="solid"/>
+        </a:ln>
+        <a:effectLst/>
+      </dsp:spPr>
+      <dsp:style>
+        <a:lnRef idx="2">
+          <a:scrgbClr r="0" g="0" b="0"/>
+        </a:lnRef>
+        <a:fillRef idx="1">
+          <a:scrgbClr r="0" g="0" b="0"/>
+        </a:fillRef>
+        <a:effectRef idx="0">
+          <a:scrgbClr r="0" g="0" b="0"/>
+        </a:effectRef>
+        <a:fontRef idx="minor">
+          <a:schemeClr val="lt1"/>
+        </a:fontRef>
+      </dsp:style>
+      <dsp:txBody>
+        <a:bodyPr spcFirstLastPara="0" vert="horz" wrap="square" lIns="471187" tIns="66040" rIns="66040" bIns="66040" numCol="1" spcCol="1270" anchor="ctr" anchorCtr="0">
+          <a:noAutofit/>
+        </a:bodyPr>
+        <a:lstStyle/>
+        <a:p>
+          <a:pPr lvl="0" algn="l" defTabSz="1155700">
+            <a:lnSpc>
+              <a:spcPct val="90000"/>
+            </a:lnSpc>
+            <a:spcBef>
+              <a:spcPct val="0"/>
+            </a:spcBef>
+            <a:spcAft>
+              <a:spcPct val="35000"/>
+            </a:spcAft>
+          </a:pPr>
+          <a:r>
+            <a:rPr lang="en-US" altLang="zh-CN" sz="2600" kern="1200" dirty="0" smtClean="0"/>
+            <a:t>IO</a:t>
+          </a:r>
+          <a:r>
+            <a:rPr lang="zh-CN" altLang="en-US" sz="2600" kern="1200" dirty="0" smtClean="0"/>
+            <a:t>容量</a:t>
+          </a:r>
+          <a:endParaRPr lang="zh-CN" altLang="en-US" sz="2600" kern="1200" dirty="0"/>
+        </a:p>
+      </dsp:txBody>
+      <dsp:txXfrm>
+        <a:off x="415054" y="2077672"/>
+        <a:ext cx="2102843" cy="593620"/>
+      </dsp:txXfrm>
+    </dsp:sp>
+    <dsp:sp modelId="{FEBB8245-22EE-4AA0-A599-E881D7C1B409}">
+      <dsp:nvSpPr>
+        <dsp:cNvPr id="0" name=""/>
+        <dsp:cNvSpPr/>
+      </dsp:nvSpPr>
+      <dsp:spPr>
+        <a:xfrm>
+          <a:off x="44041" y="2003470"/>
+          <a:ext cx="742026" cy="742026"/>
+        </a:xfrm>
+        <a:prstGeom prst="ellipse">
+          <a:avLst/>
+        </a:prstGeom>
+        <a:solidFill>
+          <a:schemeClr val="lt1">
+            <a:hueOff val="0"/>
+            <a:satOff val="0"/>
+            <a:lumOff val="0"/>
+            <a:alphaOff val="0"/>
+          </a:schemeClr>
+        </a:solidFill>
+        <a:ln w="25400" cap="flat" cmpd="sng" algn="ctr">
+          <a:solidFill>
+            <a:schemeClr val="accent4">
+              <a:hueOff val="0"/>
+              <a:satOff val="0"/>
+              <a:lumOff val="0"/>
+              <a:alphaOff val="0"/>
+            </a:schemeClr>
+          </a:solidFill>
+          <a:prstDash val="solid"/>
+        </a:ln>
+        <a:effectLst/>
+      </dsp:spPr>
+      <dsp:style>
+        <a:lnRef idx="2">
+          <a:scrgbClr r="0" g="0" b="0"/>
+        </a:lnRef>
+        <a:fillRef idx="1">
+          <a:scrgbClr r="0" g="0" b="0"/>
+        </a:fillRef>
+        <a:effectRef idx="0">
+          <a:scrgbClr r="0" g="0" b="0"/>
+        </a:effectRef>
+        <a:fontRef idx="minor"/>
+      </dsp:style>
+    </dsp:sp>
   </dsp:spTree>
 </dsp:drawing>
 </file>
@@ -7567,6 +7832,4023 @@
       <dsp:cNvGrpSpPr/>
     </dsp:nvGrpSpPr>
     <dsp:grpSpPr/>
+    <dsp:sp modelId="{C023C3DE-672C-4213-8FC7-F87C003C3515}">
+      <dsp:nvSpPr>
+        <dsp:cNvPr id="0" name=""/>
+        <dsp:cNvSpPr/>
+      </dsp:nvSpPr>
+      <dsp:spPr>
+        <a:xfrm>
+          <a:off x="6212079" y="974816"/>
+          <a:ext cx="120435" cy="939397"/>
+        </a:xfrm>
+        <a:custGeom>
+          <a:avLst/>
+          <a:gdLst/>
+          <a:ahLst/>
+          <a:cxnLst/>
+          <a:rect l="0" t="0" r="0" b="0"/>
+          <a:pathLst>
+            <a:path>
+              <a:moveTo>
+                <a:pt x="0" y="0"/>
+              </a:moveTo>
+              <a:lnTo>
+                <a:pt x="0" y="939397"/>
+              </a:lnTo>
+              <a:lnTo>
+                <a:pt x="120435" y="939397"/>
+              </a:lnTo>
+            </a:path>
+          </a:pathLst>
+        </a:custGeom>
+        <a:noFill/>
+        <a:ln w="25400" cap="flat" cmpd="sng" algn="ctr">
+          <a:solidFill>
+            <a:schemeClr val="accent3">
+              <a:hueOff val="0"/>
+              <a:satOff val="0"/>
+              <a:lumOff val="0"/>
+              <a:alphaOff val="0"/>
+            </a:schemeClr>
+          </a:solidFill>
+          <a:prstDash val="solid"/>
+        </a:ln>
+        <a:effectLst/>
+      </dsp:spPr>
+      <dsp:style>
+        <a:lnRef idx="2">
+          <a:scrgbClr r="0" g="0" b="0"/>
+        </a:lnRef>
+        <a:fillRef idx="0">
+          <a:scrgbClr r="0" g="0" b="0"/>
+        </a:fillRef>
+        <a:effectRef idx="0">
+          <a:scrgbClr r="0" g="0" b="0"/>
+        </a:effectRef>
+        <a:fontRef idx="minor"/>
+      </dsp:style>
+    </dsp:sp>
+    <dsp:sp modelId="{7028DE84-0DC9-4952-A967-6A954424D739}">
+      <dsp:nvSpPr>
+        <dsp:cNvPr id="0" name=""/>
+        <dsp:cNvSpPr/>
+      </dsp:nvSpPr>
+      <dsp:spPr>
+        <a:xfrm>
+          <a:off x="6212079" y="974816"/>
+          <a:ext cx="120435" cy="369335"/>
+        </a:xfrm>
+        <a:custGeom>
+          <a:avLst/>
+          <a:gdLst/>
+          <a:ahLst/>
+          <a:cxnLst/>
+          <a:rect l="0" t="0" r="0" b="0"/>
+          <a:pathLst>
+            <a:path>
+              <a:moveTo>
+                <a:pt x="0" y="0"/>
+              </a:moveTo>
+              <a:lnTo>
+                <a:pt x="0" y="369335"/>
+              </a:lnTo>
+              <a:lnTo>
+                <a:pt x="120435" y="369335"/>
+              </a:lnTo>
+            </a:path>
+          </a:pathLst>
+        </a:custGeom>
+        <a:noFill/>
+        <a:ln w="25400" cap="flat" cmpd="sng" algn="ctr">
+          <a:solidFill>
+            <a:schemeClr val="accent3">
+              <a:hueOff val="0"/>
+              <a:satOff val="0"/>
+              <a:lumOff val="0"/>
+              <a:alphaOff val="0"/>
+            </a:schemeClr>
+          </a:solidFill>
+          <a:prstDash val="solid"/>
+        </a:ln>
+        <a:effectLst/>
+      </dsp:spPr>
+      <dsp:style>
+        <a:lnRef idx="2">
+          <a:scrgbClr r="0" g="0" b="0"/>
+        </a:lnRef>
+        <a:fillRef idx="0">
+          <a:scrgbClr r="0" g="0" b="0"/>
+        </a:fillRef>
+        <a:effectRef idx="0">
+          <a:scrgbClr r="0" g="0" b="0"/>
+        </a:effectRef>
+        <a:fontRef idx="minor"/>
+      </dsp:style>
+    </dsp:sp>
+    <dsp:sp modelId="{DF1704B2-E2C0-401F-9001-A75F055037CE}">
+      <dsp:nvSpPr>
+        <dsp:cNvPr id="0" name=""/>
+        <dsp:cNvSpPr/>
+      </dsp:nvSpPr>
+      <dsp:spPr>
+        <a:xfrm>
+          <a:off x="4004092" y="404754"/>
+          <a:ext cx="2529148" cy="168609"/>
+        </a:xfrm>
+        <a:custGeom>
+          <a:avLst/>
+          <a:gdLst/>
+          <a:ahLst/>
+          <a:cxnLst/>
+          <a:rect l="0" t="0" r="0" b="0"/>
+          <a:pathLst>
+            <a:path>
+              <a:moveTo>
+                <a:pt x="0" y="0"/>
+              </a:moveTo>
+              <a:lnTo>
+                <a:pt x="0" y="84304"/>
+              </a:lnTo>
+              <a:lnTo>
+                <a:pt x="2529148" y="84304"/>
+              </a:lnTo>
+              <a:lnTo>
+                <a:pt x="2529148" y="168609"/>
+              </a:lnTo>
+            </a:path>
+          </a:pathLst>
+        </a:custGeom>
+        <a:noFill/>
+        <a:ln w="25400" cap="flat" cmpd="sng" algn="ctr">
+          <a:solidFill>
+            <a:schemeClr val="accent2">
+              <a:hueOff val="0"/>
+              <a:satOff val="0"/>
+              <a:lumOff val="0"/>
+              <a:alphaOff val="0"/>
+            </a:schemeClr>
+          </a:solidFill>
+          <a:prstDash val="solid"/>
+        </a:ln>
+        <a:effectLst/>
+      </dsp:spPr>
+      <dsp:style>
+        <a:lnRef idx="2">
+          <a:scrgbClr r="0" g="0" b="0"/>
+        </a:lnRef>
+        <a:fillRef idx="0">
+          <a:scrgbClr r="0" g="0" b="0"/>
+        </a:fillRef>
+        <a:effectRef idx="0">
+          <a:scrgbClr r="0" g="0" b="0"/>
+        </a:effectRef>
+        <a:fontRef idx="minor"/>
+      </dsp:style>
+    </dsp:sp>
+    <dsp:sp modelId="{BBCF56AD-90EE-4A89-B653-729A431D1656}">
+      <dsp:nvSpPr>
+        <dsp:cNvPr id="0" name=""/>
+        <dsp:cNvSpPr/>
+      </dsp:nvSpPr>
+      <dsp:spPr>
+        <a:xfrm>
+          <a:off x="5240565" y="974816"/>
+          <a:ext cx="120435" cy="3789707"/>
+        </a:xfrm>
+        <a:custGeom>
+          <a:avLst/>
+          <a:gdLst/>
+          <a:ahLst/>
+          <a:cxnLst/>
+          <a:rect l="0" t="0" r="0" b="0"/>
+          <a:pathLst>
+            <a:path>
+              <a:moveTo>
+                <a:pt x="0" y="0"/>
+              </a:moveTo>
+              <a:lnTo>
+                <a:pt x="0" y="3789707"/>
+              </a:lnTo>
+              <a:lnTo>
+                <a:pt x="120435" y="3789707"/>
+              </a:lnTo>
+            </a:path>
+          </a:pathLst>
+        </a:custGeom>
+        <a:noFill/>
+        <a:ln w="25400" cap="flat" cmpd="sng" algn="ctr">
+          <a:solidFill>
+            <a:schemeClr val="accent3">
+              <a:hueOff val="0"/>
+              <a:satOff val="0"/>
+              <a:lumOff val="0"/>
+              <a:alphaOff val="0"/>
+            </a:schemeClr>
+          </a:solidFill>
+          <a:prstDash val="solid"/>
+        </a:ln>
+        <a:effectLst/>
+      </dsp:spPr>
+      <dsp:style>
+        <a:lnRef idx="2">
+          <a:scrgbClr r="0" g="0" b="0"/>
+        </a:lnRef>
+        <a:fillRef idx="0">
+          <a:scrgbClr r="0" g="0" b="0"/>
+        </a:fillRef>
+        <a:effectRef idx="0">
+          <a:scrgbClr r="0" g="0" b="0"/>
+        </a:effectRef>
+        <a:fontRef idx="minor"/>
+      </dsp:style>
+    </dsp:sp>
+    <dsp:sp modelId="{7F91EB07-563D-4649-B913-D14052B00C00}">
+      <dsp:nvSpPr>
+        <dsp:cNvPr id="0" name=""/>
+        <dsp:cNvSpPr/>
+      </dsp:nvSpPr>
+      <dsp:spPr>
+        <a:xfrm>
+          <a:off x="5240565" y="974816"/>
+          <a:ext cx="120435" cy="3219645"/>
+        </a:xfrm>
+        <a:custGeom>
+          <a:avLst/>
+          <a:gdLst/>
+          <a:ahLst/>
+          <a:cxnLst/>
+          <a:rect l="0" t="0" r="0" b="0"/>
+          <a:pathLst>
+            <a:path>
+              <a:moveTo>
+                <a:pt x="0" y="0"/>
+              </a:moveTo>
+              <a:lnTo>
+                <a:pt x="0" y="3219645"/>
+              </a:lnTo>
+              <a:lnTo>
+                <a:pt x="120435" y="3219645"/>
+              </a:lnTo>
+            </a:path>
+          </a:pathLst>
+        </a:custGeom>
+        <a:noFill/>
+        <a:ln w="25400" cap="flat" cmpd="sng" algn="ctr">
+          <a:solidFill>
+            <a:schemeClr val="accent3">
+              <a:hueOff val="0"/>
+              <a:satOff val="0"/>
+              <a:lumOff val="0"/>
+              <a:alphaOff val="0"/>
+            </a:schemeClr>
+          </a:solidFill>
+          <a:prstDash val="solid"/>
+        </a:ln>
+        <a:effectLst/>
+      </dsp:spPr>
+      <dsp:style>
+        <a:lnRef idx="2">
+          <a:scrgbClr r="0" g="0" b="0"/>
+        </a:lnRef>
+        <a:fillRef idx="0">
+          <a:scrgbClr r="0" g="0" b="0"/>
+        </a:fillRef>
+        <a:effectRef idx="0">
+          <a:scrgbClr r="0" g="0" b="0"/>
+        </a:effectRef>
+        <a:fontRef idx="minor"/>
+      </dsp:style>
+    </dsp:sp>
+    <dsp:sp modelId="{C70D85FA-54C1-4800-B831-2EF9A73351EE}">
+      <dsp:nvSpPr>
+        <dsp:cNvPr id="0" name=""/>
+        <dsp:cNvSpPr/>
+      </dsp:nvSpPr>
+      <dsp:spPr>
+        <a:xfrm>
+          <a:off x="5240565" y="974816"/>
+          <a:ext cx="120435" cy="2649583"/>
+        </a:xfrm>
+        <a:custGeom>
+          <a:avLst/>
+          <a:gdLst/>
+          <a:ahLst/>
+          <a:cxnLst/>
+          <a:rect l="0" t="0" r="0" b="0"/>
+          <a:pathLst>
+            <a:path>
+              <a:moveTo>
+                <a:pt x="0" y="0"/>
+              </a:moveTo>
+              <a:lnTo>
+                <a:pt x="0" y="2649583"/>
+              </a:lnTo>
+              <a:lnTo>
+                <a:pt x="120435" y="2649583"/>
+              </a:lnTo>
+            </a:path>
+          </a:pathLst>
+        </a:custGeom>
+        <a:noFill/>
+        <a:ln w="25400" cap="flat" cmpd="sng" algn="ctr">
+          <a:solidFill>
+            <a:schemeClr val="accent3">
+              <a:hueOff val="0"/>
+              <a:satOff val="0"/>
+              <a:lumOff val="0"/>
+              <a:alphaOff val="0"/>
+            </a:schemeClr>
+          </a:solidFill>
+          <a:prstDash val="solid"/>
+        </a:ln>
+        <a:effectLst/>
+      </dsp:spPr>
+      <dsp:style>
+        <a:lnRef idx="2">
+          <a:scrgbClr r="0" g="0" b="0"/>
+        </a:lnRef>
+        <a:fillRef idx="0">
+          <a:scrgbClr r="0" g="0" b="0"/>
+        </a:fillRef>
+        <a:effectRef idx="0">
+          <a:scrgbClr r="0" g="0" b="0"/>
+        </a:effectRef>
+        <a:fontRef idx="minor"/>
+      </dsp:style>
+    </dsp:sp>
+    <dsp:sp modelId="{11E4A574-32A4-49CA-9DB6-8BD223C8FEA4}">
+      <dsp:nvSpPr>
+        <dsp:cNvPr id="0" name=""/>
+        <dsp:cNvSpPr/>
+      </dsp:nvSpPr>
+      <dsp:spPr>
+        <a:xfrm>
+          <a:off x="5240565" y="974816"/>
+          <a:ext cx="120435" cy="2079521"/>
+        </a:xfrm>
+        <a:custGeom>
+          <a:avLst/>
+          <a:gdLst/>
+          <a:ahLst/>
+          <a:cxnLst/>
+          <a:rect l="0" t="0" r="0" b="0"/>
+          <a:pathLst>
+            <a:path>
+              <a:moveTo>
+                <a:pt x="0" y="0"/>
+              </a:moveTo>
+              <a:lnTo>
+                <a:pt x="0" y="2079521"/>
+              </a:lnTo>
+              <a:lnTo>
+                <a:pt x="120435" y="2079521"/>
+              </a:lnTo>
+            </a:path>
+          </a:pathLst>
+        </a:custGeom>
+        <a:noFill/>
+        <a:ln w="25400" cap="flat" cmpd="sng" algn="ctr">
+          <a:solidFill>
+            <a:schemeClr val="accent3">
+              <a:hueOff val="0"/>
+              <a:satOff val="0"/>
+              <a:lumOff val="0"/>
+              <a:alphaOff val="0"/>
+            </a:schemeClr>
+          </a:solidFill>
+          <a:prstDash val="solid"/>
+        </a:ln>
+        <a:effectLst/>
+      </dsp:spPr>
+      <dsp:style>
+        <a:lnRef idx="2">
+          <a:scrgbClr r="0" g="0" b="0"/>
+        </a:lnRef>
+        <a:fillRef idx="0">
+          <a:scrgbClr r="0" g="0" b="0"/>
+        </a:fillRef>
+        <a:effectRef idx="0">
+          <a:scrgbClr r="0" g="0" b="0"/>
+        </a:effectRef>
+        <a:fontRef idx="minor"/>
+      </dsp:style>
+    </dsp:sp>
+    <dsp:sp modelId="{8E0818DA-1412-4507-BC16-0920DD6807AF}">
+      <dsp:nvSpPr>
+        <dsp:cNvPr id="0" name=""/>
+        <dsp:cNvSpPr/>
+      </dsp:nvSpPr>
+      <dsp:spPr>
+        <a:xfrm>
+          <a:off x="5240565" y="974816"/>
+          <a:ext cx="120435" cy="1509459"/>
+        </a:xfrm>
+        <a:custGeom>
+          <a:avLst/>
+          <a:gdLst/>
+          <a:ahLst/>
+          <a:cxnLst/>
+          <a:rect l="0" t="0" r="0" b="0"/>
+          <a:pathLst>
+            <a:path>
+              <a:moveTo>
+                <a:pt x="0" y="0"/>
+              </a:moveTo>
+              <a:lnTo>
+                <a:pt x="0" y="1509459"/>
+              </a:lnTo>
+              <a:lnTo>
+                <a:pt x="120435" y="1509459"/>
+              </a:lnTo>
+            </a:path>
+          </a:pathLst>
+        </a:custGeom>
+        <a:noFill/>
+        <a:ln w="25400" cap="flat" cmpd="sng" algn="ctr">
+          <a:solidFill>
+            <a:schemeClr val="accent3">
+              <a:hueOff val="0"/>
+              <a:satOff val="0"/>
+              <a:lumOff val="0"/>
+              <a:alphaOff val="0"/>
+            </a:schemeClr>
+          </a:solidFill>
+          <a:prstDash val="solid"/>
+        </a:ln>
+        <a:effectLst/>
+      </dsp:spPr>
+      <dsp:style>
+        <a:lnRef idx="2">
+          <a:scrgbClr r="0" g="0" b="0"/>
+        </a:lnRef>
+        <a:fillRef idx="0">
+          <a:scrgbClr r="0" g="0" b="0"/>
+        </a:fillRef>
+        <a:effectRef idx="0">
+          <a:scrgbClr r="0" g="0" b="0"/>
+        </a:effectRef>
+        <a:fontRef idx="minor"/>
+      </dsp:style>
+    </dsp:sp>
+    <dsp:sp modelId="{72056B6D-494F-4AD8-8AE8-B7D9228A3C12}">
+      <dsp:nvSpPr>
+        <dsp:cNvPr id="0" name=""/>
+        <dsp:cNvSpPr/>
+      </dsp:nvSpPr>
+      <dsp:spPr>
+        <a:xfrm>
+          <a:off x="5240565" y="974816"/>
+          <a:ext cx="120435" cy="939397"/>
+        </a:xfrm>
+        <a:custGeom>
+          <a:avLst/>
+          <a:gdLst/>
+          <a:ahLst/>
+          <a:cxnLst/>
+          <a:rect l="0" t="0" r="0" b="0"/>
+          <a:pathLst>
+            <a:path>
+              <a:moveTo>
+                <a:pt x="0" y="0"/>
+              </a:moveTo>
+              <a:lnTo>
+                <a:pt x="0" y="939397"/>
+              </a:lnTo>
+              <a:lnTo>
+                <a:pt x="120435" y="939397"/>
+              </a:lnTo>
+            </a:path>
+          </a:pathLst>
+        </a:custGeom>
+        <a:noFill/>
+        <a:ln w="25400" cap="flat" cmpd="sng" algn="ctr">
+          <a:solidFill>
+            <a:schemeClr val="accent3">
+              <a:hueOff val="0"/>
+              <a:satOff val="0"/>
+              <a:lumOff val="0"/>
+              <a:alphaOff val="0"/>
+            </a:schemeClr>
+          </a:solidFill>
+          <a:prstDash val="solid"/>
+        </a:ln>
+        <a:effectLst/>
+      </dsp:spPr>
+      <dsp:style>
+        <a:lnRef idx="2">
+          <a:scrgbClr r="0" g="0" b="0"/>
+        </a:lnRef>
+        <a:fillRef idx="0">
+          <a:scrgbClr r="0" g="0" b="0"/>
+        </a:fillRef>
+        <a:effectRef idx="0">
+          <a:scrgbClr r="0" g="0" b="0"/>
+        </a:effectRef>
+        <a:fontRef idx="minor"/>
+      </dsp:style>
+    </dsp:sp>
+    <dsp:sp modelId="{A6176E2F-8E3E-492C-947C-14F86178076A}">
+      <dsp:nvSpPr>
+        <dsp:cNvPr id="0" name=""/>
+        <dsp:cNvSpPr/>
+      </dsp:nvSpPr>
+      <dsp:spPr>
+        <a:xfrm>
+          <a:off x="5240565" y="974816"/>
+          <a:ext cx="120435" cy="369335"/>
+        </a:xfrm>
+        <a:custGeom>
+          <a:avLst/>
+          <a:gdLst/>
+          <a:ahLst/>
+          <a:cxnLst/>
+          <a:rect l="0" t="0" r="0" b="0"/>
+          <a:pathLst>
+            <a:path>
+              <a:moveTo>
+                <a:pt x="0" y="0"/>
+              </a:moveTo>
+              <a:lnTo>
+                <a:pt x="0" y="369335"/>
+              </a:lnTo>
+              <a:lnTo>
+                <a:pt x="120435" y="369335"/>
+              </a:lnTo>
+            </a:path>
+          </a:pathLst>
+        </a:custGeom>
+        <a:noFill/>
+        <a:ln w="25400" cap="flat" cmpd="sng" algn="ctr">
+          <a:solidFill>
+            <a:schemeClr val="accent3">
+              <a:hueOff val="0"/>
+              <a:satOff val="0"/>
+              <a:lumOff val="0"/>
+              <a:alphaOff val="0"/>
+            </a:schemeClr>
+          </a:solidFill>
+          <a:prstDash val="solid"/>
+        </a:ln>
+        <a:effectLst/>
+      </dsp:spPr>
+      <dsp:style>
+        <a:lnRef idx="2">
+          <a:scrgbClr r="0" g="0" b="0"/>
+        </a:lnRef>
+        <a:fillRef idx="0">
+          <a:scrgbClr r="0" g="0" b="0"/>
+        </a:fillRef>
+        <a:effectRef idx="0">
+          <a:scrgbClr r="0" g="0" b="0"/>
+        </a:effectRef>
+        <a:fontRef idx="minor"/>
+      </dsp:style>
+    </dsp:sp>
+    <dsp:sp modelId="{58314DAF-18AE-4A37-A1A6-B83C42608498}">
+      <dsp:nvSpPr>
+        <dsp:cNvPr id="0" name=""/>
+        <dsp:cNvSpPr/>
+      </dsp:nvSpPr>
+      <dsp:spPr>
+        <a:xfrm>
+          <a:off x="4004092" y="404754"/>
+          <a:ext cx="1557634" cy="168609"/>
+        </a:xfrm>
+        <a:custGeom>
+          <a:avLst/>
+          <a:gdLst/>
+          <a:ahLst/>
+          <a:cxnLst/>
+          <a:rect l="0" t="0" r="0" b="0"/>
+          <a:pathLst>
+            <a:path>
+              <a:moveTo>
+                <a:pt x="0" y="0"/>
+              </a:moveTo>
+              <a:lnTo>
+                <a:pt x="0" y="84304"/>
+              </a:lnTo>
+              <a:lnTo>
+                <a:pt x="1557634" y="84304"/>
+              </a:lnTo>
+              <a:lnTo>
+                <a:pt x="1557634" y="168609"/>
+              </a:lnTo>
+            </a:path>
+          </a:pathLst>
+        </a:custGeom>
+        <a:noFill/>
+        <a:ln w="25400" cap="flat" cmpd="sng" algn="ctr">
+          <a:solidFill>
+            <a:schemeClr val="accent2">
+              <a:hueOff val="0"/>
+              <a:satOff val="0"/>
+              <a:lumOff val="0"/>
+              <a:alphaOff val="0"/>
+            </a:schemeClr>
+          </a:solidFill>
+          <a:prstDash val="solid"/>
+        </a:ln>
+        <a:effectLst/>
+      </dsp:spPr>
+      <dsp:style>
+        <a:lnRef idx="2">
+          <a:scrgbClr r="0" g="0" b="0"/>
+        </a:lnRef>
+        <a:fillRef idx="0">
+          <a:scrgbClr r="0" g="0" b="0"/>
+        </a:fillRef>
+        <a:effectRef idx="0">
+          <a:scrgbClr r="0" g="0" b="0"/>
+        </a:effectRef>
+        <a:fontRef idx="minor"/>
+      </dsp:style>
+    </dsp:sp>
+    <dsp:sp modelId="{243F4382-3E7B-4BDF-A4C7-BD407DC40415}">
+      <dsp:nvSpPr>
+        <dsp:cNvPr id="0" name=""/>
+        <dsp:cNvSpPr/>
+      </dsp:nvSpPr>
+      <dsp:spPr>
+        <a:xfrm>
+          <a:off x="4269051" y="1544878"/>
+          <a:ext cx="120435" cy="939397"/>
+        </a:xfrm>
+        <a:custGeom>
+          <a:avLst/>
+          <a:gdLst/>
+          <a:ahLst/>
+          <a:cxnLst/>
+          <a:rect l="0" t="0" r="0" b="0"/>
+          <a:pathLst>
+            <a:path>
+              <a:moveTo>
+                <a:pt x="0" y="0"/>
+              </a:moveTo>
+              <a:lnTo>
+                <a:pt x="0" y="939397"/>
+              </a:lnTo>
+              <a:lnTo>
+                <a:pt x="120435" y="939397"/>
+              </a:lnTo>
+            </a:path>
+          </a:pathLst>
+        </a:custGeom>
+        <a:noFill/>
+        <a:ln w="25400" cap="flat" cmpd="sng" algn="ctr">
+          <a:solidFill>
+            <a:schemeClr val="accent4">
+              <a:hueOff val="0"/>
+              <a:satOff val="0"/>
+              <a:lumOff val="0"/>
+              <a:alphaOff val="0"/>
+            </a:schemeClr>
+          </a:solidFill>
+          <a:prstDash val="solid"/>
+        </a:ln>
+        <a:effectLst/>
+      </dsp:spPr>
+      <dsp:style>
+        <a:lnRef idx="2">
+          <a:scrgbClr r="0" g="0" b="0"/>
+        </a:lnRef>
+        <a:fillRef idx="0">
+          <a:scrgbClr r="0" g="0" b="0"/>
+        </a:fillRef>
+        <a:effectRef idx="0">
+          <a:scrgbClr r="0" g="0" b="0"/>
+        </a:effectRef>
+        <a:fontRef idx="minor"/>
+      </dsp:style>
+    </dsp:sp>
+    <dsp:sp modelId="{9A04D36F-B237-4330-93A9-D04731DF67CE}">
+      <dsp:nvSpPr>
+        <dsp:cNvPr id="0" name=""/>
+        <dsp:cNvSpPr/>
+      </dsp:nvSpPr>
+      <dsp:spPr>
+        <a:xfrm>
+          <a:off x="4269051" y="1544878"/>
+          <a:ext cx="120435" cy="369335"/>
+        </a:xfrm>
+        <a:custGeom>
+          <a:avLst/>
+          <a:gdLst/>
+          <a:ahLst/>
+          <a:cxnLst/>
+          <a:rect l="0" t="0" r="0" b="0"/>
+          <a:pathLst>
+            <a:path>
+              <a:moveTo>
+                <a:pt x="0" y="0"/>
+              </a:moveTo>
+              <a:lnTo>
+                <a:pt x="0" y="369335"/>
+              </a:lnTo>
+              <a:lnTo>
+                <a:pt x="120435" y="369335"/>
+              </a:lnTo>
+            </a:path>
+          </a:pathLst>
+        </a:custGeom>
+        <a:noFill/>
+        <a:ln w="25400" cap="flat" cmpd="sng" algn="ctr">
+          <a:solidFill>
+            <a:schemeClr val="accent4">
+              <a:hueOff val="0"/>
+              <a:satOff val="0"/>
+              <a:lumOff val="0"/>
+              <a:alphaOff val="0"/>
+            </a:schemeClr>
+          </a:solidFill>
+          <a:prstDash val="solid"/>
+        </a:ln>
+        <a:effectLst/>
+      </dsp:spPr>
+      <dsp:style>
+        <a:lnRef idx="2">
+          <a:scrgbClr r="0" g="0" b="0"/>
+        </a:lnRef>
+        <a:fillRef idx="0">
+          <a:scrgbClr r="0" g="0" b="0"/>
+        </a:fillRef>
+        <a:effectRef idx="0">
+          <a:scrgbClr r="0" g="0" b="0"/>
+        </a:effectRef>
+        <a:fontRef idx="minor"/>
+      </dsp:style>
+    </dsp:sp>
+    <dsp:sp modelId="{82791165-C174-48D4-8A2D-4E63C13DEE21}">
+      <dsp:nvSpPr>
+        <dsp:cNvPr id="0" name=""/>
+        <dsp:cNvSpPr/>
+      </dsp:nvSpPr>
+      <dsp:spPr>
+        <a:xfrm>
+          <a:off x="4544493" y="974816"/>
+          <a:ext cx="91440" cy="168609"/>
+        </a:xfrm>
+        <a:custGeom>
+          <a:avLst/>
+          <a:gdLst/>
+          <a:ahLst/>
+          <a:cxnLst/>
+          <a:rect l="0" t="0" r="0" b="0"/>
+          <a:pathLst>
+            <a:path>
+              <a:moveTo>
+                <a:pt x="45720" y="0"/>
+              </a:moveTo>
+              <a:lnTo>
+                <a:pt x="45720" y="168609"/>
+              </a:lnTo>
+            </a:path>
+          </a:pathLst>
+        </a:custGeom>
+        <a:noFill/>
+        <a:ln w="25400" cap="flat" cmpd="sng" algn="ctr">
+          <a:solidFill>
+            <a:schemeClr val="accent3">
+              <a:hueOff val="0"/>
+              <a:satOff val="0"/>
+              <a:lumOff val="0"/>
+              <a:alphaOff val="0"/>
+            </a:schemeClr>
+          </a:solidFill>
+          <a:prstDash val="solid"/>
+        </a:ln>
+        <a:effectLst/>
+      </dsp:spPr>
+      <dsp:style>
+        <a:lnRef idx="2">
+          <a:scrgbClr r="0" g="0" b="0"/>
+        </a:lnRef>
+        <a:fillRef idx="0">
+          <a:scrgbClr r="0" g="0" b="0"/>
+        </a:fillRef>
+        <a:effectRef idx="0">
+          <a:scrgbClr r="0" g="0" b="0"/>
+        </a:effectRef>
+        <a:fontRef idx="minor"/>
+      </dsp:style>
+    </dsp:sp>
+    <dsp:sp modelId="{42CD7D6B-8629-4091-B721-DFF72D191256}">
+      <dsp:nvSpPr>
+        <dsp:cNvPr id="0" name=""/>
+        <dsp:cNvSpPr/>
+      </dsp:nvSpPr>
+      <dsp:spPr>
+        <a:xfrm>
+          <a:off x="4004092" y="404754"/>
+          <a:ext cx="586120" cy="168609"/>
+        </a:xfrm>
+        <a:custGeom>
+          <a:avLst/>
+          <a:gdLst/>
+          <a:ahLst/>
+          <a:cxnLst/>
+          <a:rect l="0" t="0" r="0" b="0"/>
+          <a:pathLst>
+            <a:path>
+              <a:moveTo>
+                <a:pt x="0" y="0"/>
+              </a:moveTo>
+              <a:lnTo>
+                <a:pt x="0" y="84304"/>
+              </a:lnTo>
+              <a:lnTo>
+                <a:pt x="586120" y="84304"/>
+              </a:lnTo>
+              <a:lnTo>
+                <a:pt x="586120" y="168609"/>
+              </a:lnTo>
+            </a:path>
+          </a:pathLst>
+        </a:custGeom>
+        <a:noFill/>
+        <a:ln w="25400" cap="flat" cmpd="sng" algn="ctr">
+          <a:solidFill>
+            <a:schemeClr val="accent2">
+              <a:hueOff val="0"/>
+              <a:satOff val="0"/>
+              <a:lumOff val="0"/>
+              <a:alphaOff val="0"/>
+            </a:schemeClr>
+          </a:solidFill>
+          <a:prstDash val="solid"/>
+        </a:ln>
+        <a:effectLst/>
+      </dsp:spPr>
+      <dsp:style>
+        <a:lnRef idx="2">
+          <a:scrgbClr r="0" g="0" b="0"/>
+        </a:lnRef>
+        <a:fillRef idx="0">
+          <a:scrgbClr r="0" g="0" b="0"/>
+        </a:fillRef>
+        <a:effectRef idx="0">
+          <a:scrgbClr r="0" g="0" b="0"/>
+        </a:effectRef>
+        <a:fontRef idx="minor"/>
+      </dsp:style>
+    </dsp:sp>
+    <dsp:sp modelId="{0D9F5EAE-A3C6-467D-A743-ED9A8B4F7AE5}">
+      <dsp:nvSpPr>
+        <dsp:cNvPr id="0" name=""/>
+        <dsp:cNvSpPr/>
+      </dsp:nvSpPr>
+      <dsp:spPr>
+        <a:xfrm>
+          <a:off x="3096811" y="974816"/>
+          <a:ext cx="120435" cy="2079521"/>
+        </a:xfrm>
+        <a:custGeom>
+          <a:avLst/>
+          <a:gdLst/>
+          <a:ahLst/>
+          <a:cxnLst/>
+          <a:rect l="0" t="0" r="0" b="0"/>
+          <a:pathLst>
+            <a:path>
+              <a:moveTo>
+                <a:pt x="0" y="0"/>
+              </a:moveTo>
+              <a:lnTo>
+                <a:pt x="0" y="2079521"/>
+              </a:lnTo>
+              <a:lnTo>
+                <a:pt x="120435" y="2079521"/>
+              </a:lnTo>
+            </a:path>
+          </a:pathLst>
+        </a:custGeom>
+        <a:noFill/>
+        <a:ln w="25400" cap="flat" cmpd="sng" algn="ctr">
+          <a:solidFill>
+            <a:schemeClr val="accent3">
+              <a:hueOff val="0"/>
+              <a:satOff val="0"/>
+              <a:lumOff val="0"/>
+              <a:alphaOff val="0"/>
+            </a:schemeClr>
+          </a:solidFill>
+          <a:prstDash val="solid"/>
+        </a:ln>
+        <a:effectLst/>
+      </dsp:spPr>
+      <dsp:style>
+        <a:lnRef idx="2">
+          <a:scrgbClr r="0" g="0" b="0"/>
+        </a:lnRef>
+        <a:fillRef idx="0">
+          <a:scrgbClr r="0" g="0" b="0"/>
+        </a:fillRef>
+        <a:effectRef idx="0">
+          <a:scrgbClr r="0" g="0" b="0"/>
+        </a:effectRef>
+        <a:fontRef idx="minor"/>
+      </dsp:style>
+    </dsp:sp>
+    <dsp:sp modelId="{288DF353-EC20-489E-A947-26A35ECD0CF3}">
+      <dsp:nvSpPr>
+        <dsp:cNvPr id="0" name=""/>
+        <dsp:cNvSpPr/>
+      </dsp:nvSpPr>
+      <dsp:spPr>
+        <a:xfrm>
+          <a:off x="3096811" y="974816"/>
+          <a:ext cx="120435" cy="1509459"/>
+        </a:xfrm>
+        <a:custGeom>
+          <a:avLst/>
+          <a:gdLst/>
+          <a:ahLst/>
+          <a:cxnLst/>
+          <a:rect l="0" t="0" r="0" b="0"/>
+          <a:pathLst>
+            <a:path>
+              <a:moveTo>
+                <a:pt x="0" y="0"/>
+              </a:moveTo>
+              <a:lnTo>
+                <a:pt x="0" y="1509459"/>
+              </a:lnTo>
+              <a:lnTo>
+                <a:pt x="120435" y="1509459"/>
+              </a:lnTo>
+            </a:path>
+          </a:pathLst>
+        </a:custGeom>
+        <a:noFill/>
+        <a:ln w="25400" cap="flat" cmpd="sng" algn="ctr">
+          <a:solidFill>
+            <a:schemeClr val="accent3">
+              <a:hueOff val="0"/>
+              <a:satOff val="0"/>
+              <a:lumOff val="0"/>
+              <a:alphaOff val="0"/>
+            </a:schemeClr>
+          </a:solidFill>
+          <a:prstDash val="solid"/>
+        </a:ln>
+        <a:effectLst/>
+      </dsp:spPr>
+      <dsp:style>
+        <a:lnRef idx="2">
+          <a:scrgbClr r="0" g="0" b="0"/>
+        </a:lnRef>
+        <a:fillRef idx="0">
+          <a:scrgbClr r="0" g="0" b="0"/>
+        </a:fillRef>
+        <a:effectRef idx="0">
+          <a:scrgbClr r="0" g="0" b="0"/>
+        </a:effectRef>
+        <a:fontRef idx="minor"/>
+      </dsp:style>
+    </dsp:sp>
+    <dsp:sp modelId="{05D28E08-972C-4486-83CE-1B2C7D4A3CA3}">
+      <dsp:nvSpPr>
+        <dsp:cNvPr id="0" name=""/>
+        <dsp:cNvSpPr/>
+      </dsp:nvSpPr>
+      <dsp:spPr>
+        <a:xfrm>
+          <a:off x="3096811" y="974816"/>
+          <a:ext cx="120435" cy="939397"/>
+        </a:xfrm>
+        <a:custGeom>
+          <a:avLst/>
+          <a:gdLst/>
+          <a:ahLst/>
+          <a:cxnLst/>
+          <a:rect l="0" t="0" r="0" b="0"/>
+          <a:pathLst>
+            <a:path>
+              <a:moveTo>
+                <a:pt x="0" y="0"/>
+              </a:moveTo>
+              <a:lnTo>
+                <a:pt x="0" y="939397"/>
+              </a:lnTo>
+              <a:lnTo>
+                <a:pt x="120435" y="939397"/>
+              </a:lnTo>
+            </a:path>
+          </a:pathLst>
+        </a:custGeom>
+        <a:noFill/>
+        <a:ln w="25400" cap="flat" cmpd="sng" algn="ctr">
+          <a:solidFill>
+            <a:schemeClr val="accent3">
+              <a:hueOff val="0"/>
+              <a:satOff val="0"/>
+              <a:lumOff val="0"/>
+              <a:alphaOff val="0"/>
+            </a:schemeClr>
+          </a:solidFill>
+          <a:prstDash val="solid"/>
+        </a:ln>
+        <a:effectLst/>
+      </dsp:spPr>
+      <dsp:style>
+        <a:lnRef idx="2">
+          <a:scrgbClr r="0" g="0" b="0"/>
+        </a:lnRef>
+        <a:fillRef idx="0">
+          <a:scrgbClr r="0" g="0" b="0"/>
+        </a:fillRef>
+        <a:effectRef idx="0">
+          <a:scrgbClr r="0" g="0" b="0"/>
+        </a:effectRef>
+        <a:fontRef idx="minor"/>
+      </dsp:style>
+    </dsp:sp>
+    <dsp:sp modelId="{62A01C0A-6BDB-40F7-B4BC-52C0A4250372}">
+      <dsp:nvSpPr>
+        <dsp:cNvPr id="0" name=""/>
+        <dsp:cNvSpPr/>
+      </dsp:nvSpPr>
+      <dsp:spPr>
+        <a:xfrm>
+          <a:off x="3096811" y="974816"/>
+          <a:ext cx="120435" cy="369335"/>
+        </a:xfrm>
+        <a:custGeom>
+          <a:avLst/>
+          <a:gdLst/>
+          <a:ahLst/>
+          <a:cxnLst/>
+          <a:rect l="0" t="0" r="0" b="0"/>
+          <a:pathLst>
+            <a:path>
+              <a:moveTo>
+                <a:pt x="0" y="0"/>
+              </a:moveTo>
+              <a:lnTo>
+                <a:pt x="0" y="369335"/>
+              </a:lnTo>
+              <a:lnTo>
+                <a:pt x="120435" y="369335"/>
+              </a:lnTo>
+            </a:path>
+          </a:pathLst>
+        </a:custGeom>
+        <a:noFill/>
+        <a:ln w="25400" cap="flat" cmpd="sng" algn="ctr">
+          <a:solidFill>
+            <a:schemeClr val="accent3">
+              <a:hueOff val="0"/>
+              <a:satOff val="0"/>
+              <a:lumOff val="0"/>
+              <a:alphaOff val="0"/>
+            </a:schemeClr>
+          </a:solidFill>
+          <a:prstDash val="solid"/>
+        </a:ln>
+        <a:effectLst/>
+      </dsp:spPr>
+      <dsp:style>
+        <a:lnRef idx="2">
+          <a:scrgbClr r="0" g="0" b="0"/>
+        </a:lnRef>
+        <a:fillRef idx="0">
+          <a:scrgbClr r="0" g="0" b="0"/>
+        </a:fillRef>
+        <a:effectRef idx="0">
+          <a:scrgbClr r="0" g="0" b="0"/>
+        </a:effectRef>
+        <a:fontRef idx="minor"/>
+      </dsp:style>
+    </dsp:sp>
+    <dsp:sp modelId="{9B0EB7B6-9FA2-424D-9A14-6E827EDDAB3B}">
+      <dsp:nvSpPr>
+        <dsp:cNvPr id="0" name=""/>
+        <dsp:cNvSpPr/>
+      </dsp:nvSpPr>
+      <dsp:spPr>
+        <a:xfrm>
+          <a:off x="3417972" y="404754"/>
+          <a:ext cx="586120" cy="168609"/>
+        </a:xfrm>
+        <a:custGeom>
+          <a:avLst/>
+          <a:gdLst/>
+          <a:ahLst/>
+          <a:cxnLst/>
+          <a:rect l="0" t="0" r="0" b="0"/>
+          <a:pathLst>
+            <a:path>
+              <a:moveTo>
+                <a:pt x="586120" y="0"/>
+              </a:moveTo>
+              <a:lnTo>
+                <a:pt x="586120" y="84304"/>
+              </a:lnTo>
+              <a:lnTo>
+                <a:pt x="0" y="84304"/>
+              </a:lnTo>
+              <a:lnTo>
+                <a:pt x="0" y="168609"/>
+              </a:lnTo>
+            </a:path>
+          </a:pathLst>
+        </a:custGeom>
+        <a:noFill/>
+        <a:ln w="25400" cap="flat" cmpd="sng" algn="ctr">
+          <a:solidFill>
+            <a:schemeClr val="accent2">
+              <a:hueOff val="0"/>
+              <a:satOff val="0"/>
+              <a:lumOff val="0"/>
+              <a:alphaOff val="0"/>
+            </a:schemeClr>
+          </a:solidFill>
+          <a:prstDash val="solid"/>
+        </a:ln>
+        <a:effectLst/>
+      </dsp:spPr>
+      <dsp:style>
+        <a:lnRef idx="2">
+          <a:scrgbClr r="0" g="0" b="0"/>
+        </a:lnRef>
+        <a:fillRef idx="0">
+          <a:scrgbClr r="0" g="0" b="0"/>
+        </a:fillRef>
+        <a:effectRef idx="0">
+          <a:scrgbClr r="0" g="0" b="0"/>
+        </a:effectRef>
+        <a:fontRef idx="minor"/>
+      </dsp:style>
+    </dsp:sp>
+    <dsp:sp modelId="{650E87E8-621C-4149-9D94-6E3FFDD6B5BB}">
+      <dsp:nvSpPr>
+        <dsp:cNvPr id="0" name=""/>
+        <dsp:cNvSpPr/>
+      </dsp:nvSpPr>
+      <dsp:spPr>
+        <a:xfrm>
+          <a:off x="2125297" y="974816"/>
+          <a:ext cx="120435" cy="1509459"/>
+        </a:xfrm>
+        <a:custGeom>
+          <a:avLst/>
+          <a:gdLst/>
+          <a:ahLst/>
+          <a:cxnLst/>
+          <a:rect l="0" t="0" r="0" b="0"/>
+          <a:pathLst>
+            <a:path>
+              <a:moveTo>
+                <a:pt x="0" y="0"/>
+              </a:moveTo>
+              <a:lnTo>
+                <a:pt x="0" y="1509459"/>
+              </a:lnTo>
+              <a:lnTo>
+                <a:pt x="120435" y="1509459"/>
+              </a:lnTo>
+            </a:path>
+          </a:pathLst>
+        </a:custGeom>
+        <a:noFill/>
+        <a:ln w="25400" cap="flat" cmpd="sng" algn="ctr">
+          <a:solidFill>
+            <a:schemeClr val="accent3">
+              <a:hueOff val="0"/>
+              <a:satOff val="0"/>
+              <a:lumOff val="0"/>
+              <a:alphaOff val="0"/>
+            </a:schemeClr>
+          </a:solidFill>
+          <a:prstDash val="solid"/>
+        </a:ln>
+        <a:effectLst/>
+      </dsp:spPr>
+      <dsp:style>
+        <a:lnRef idx="2">
+          <a:scrgbClr r="0" g="0" b="0"/>
+        </a:lnRef>
+        <a:fillRef idx="0">
+          <a:scrgbClr r="0" g="0" b="0"/>
+        </a:fillRef>
+        <a:effectRef idx="0">
+          <a:scrgbClr r="0" g="0" b="0"/>
+        </a:effectRef>
+        <a:fontRef idx="minor"/>
+      </dsp:style>
+    </dsp:sp>
+    <dsp:sp modelId="{C39109E8-17E1-45AE-8ABF-1215EBDFB392}">
+      <dsp:nvSpPr>
+        <dsp:cNvPr id="0" name=""/>
+        <dsp:cNvSpPr/>
+      </dsp:nvSpPr>
+      <dsp:spPr>
+        <a:xfrm>
+          <a:off x="2125297" y="974816"/>
+          <a:ext cx="120435" cy="939397"/>
+        </a:xfrm>
+        <a:custGeom>
+          <a:avLst/>
+          <a:gdLst/>
+          <a:ahLst/>
+          <a:cxnLst/>
+          <a:rect l="0" t="0" r="0" b="0"/>
+          <a:pathLst>
+            <a:path>
+              <a:moveTo>
+                <a:pt x="0" y="0"/>
+              </a:moveTo>
+              <a:lnTo>
+                <a:pt x="0" y="939397"/>
+              </a:lnTo>
+              <a:lnTo>
+                <a:pt x="120435" y="939397"/>
+              </a:lnTo>
+            </a:path>
+          </a:pathLst>
+        </a:custGeom>
+        <a:noFill/>
+        <a:ln w="25400" cap="flat" cmpd="sng" algn="ctr">
+          <a:solidFill>
+            <a:schemeClr val="accent3">
+              <a:hueOff val="0"/>
+              <a:satOff val="0"/>
+              <a:lumOff val="0"/>
+              <a:alphaOff val="0"/>
+            </a:schemeClr>
+          </a:solidFill>
+          <a:prstDash val="solid"/>
+        </a:ln>
+        <a:effectLst/>
+      </dsp:spPr>
+      <dsp:style>
+        <a:lnRef idx="2">
+          <a:scrgbClr r="0" g="0" b="0"/>
+        </a:lnRef>
+        <a:fillRef idx="0">
+          <a:scrgbClr r="0" g="0" b="0"/>
+        </a:fillRef>
+        <a:effectRef idx="0">
+          <a:scrgbClr r="0" g="0" b="0"/>
+        </a:effectRef>
+        <a:fontRef idx="minor"/>
+      </dsp:style>
+    </dsp:sp>
+    <dsp:sp modelId="{AD458D70-D8F1-4979-8528-0D5125864EBB}">
+      <dsp:nvSpPr>
+        <dsp:cNvPr id="0" name=""/>
+        <dsp:cNvSpPr/>
+      </dsp:nvSpPr>
+      <dsp:spPr>
+        <a:xfrm>
+          <a:off x="2125297" y="974816"/>
+          <a:ext cx="120435" cy="369335"/>
+        </a:xfrm>
+        <a:custGeom>
+          <a:avLst/>
+          <a:gdLst/>
+          <a:ahLst/>
+          <a:cxnLst/>
+          <a:rect l="0" t="0" r="0" b="0"/>
+          <a:pathLst>
+            <a:path>
+              <a:moveTo>
+                <a:pt x="0" y="0"/>
+              </a:moveTo>
+              <a:lnTo>
+                <a:pt x="0" y="369335"/>
+              </a:lnTo>
+              <a:lnTo>
+                <a:pt x="120435" y="369335"/>
+              </a:lnTo>
+            </a:path>
+          </a:pathLst>
+        </a:custGeom>
+        <a:noFill/>
+        <a:ln w="25400" cap="flat" cmpd="sng" algn="ctr">
+          <a:solidFill>
+            <a:schemeClr val="accent3">
+              <a:hueOff val="0"/>
+              <a:satOff val="0"/>
+              <a:lumOff val="0"/>
+              <a:alphaOff val="0"/>
+            </a:schemeClr>
+          </a:solidFill>
+          <a:prstDash val="solid"/>
+        </a:ln>
+        <a:effectLst/>
+      </dsp:spPr>
+      <dsp:style>
+        <a:lnRef idx="2">
+          <a:scrgbClr r="0" g="0" b="0"/>
+        </a:lnRef>
+        <a:fillRef idx="0">
+          <a:scrgbClr r="0" g="0" b="0"/>
+        </a:fillRef>
+        <a:effectRef idx="0">
+          <a:scrgbClr r="0" g="0" b="0"/>
+        </a:effectRef>
+        <a:fontRef idx="minor"/>
+      </dsp:style>
+    </dsp:sp>
+    <dsp:sp modelId="{DFCBF7C6-DAFF-45A3-BAED-B0B40216AF92}">
+      <dsp:nvSpPr>
+        <dsp:cNvPr id="0" name=""/>
+        <dsp:cNvSpPr/>
+      </dsp:nvSpPr>
+      <dsp:spPr>
+        <a:xfrm>
+          <a:off x="2446458" y="404754"/>
+          <a:ext cx="1557634" cy="168609"/>
+        </a:xfrm>
+        <a:custGeom>
+          <a:avLst/>
+          <a:gdLst/>
+          <a:ahLst/>
+          <a:cxnLst/>
+          <a:rect l="0" t="0" r="0" b="0"/>
+          <a:pathLst>
+            <a:path>
+              <a:moveTo>
+                <a:pt x="1557634" y="0"/>
+              </a:moveTo>
+              <a:lnTo>
+                <a:pt x="1557634" y="84304"/>
+              </a:lnTo>
+              <a:lnTo>
+                <a:pt x="0" y="84304"/>
+              </a:lnTo>
+              <a:lnTo>
+                <a:pt x="0" y="168609"/>
+              </a:lnTo>
+            </a:path>
+          </a:pathLst>
+        </a:custGeom>
+        <a:noFill/>
+        <a:ln w="25400" cap="flat" cmpd="sng" algn="ctr">
+          <a:solidFill>
+            <a:schemeClr val="accent2">
+              <a:hueOff val="0"/>
+              <a:satOff val="0"/>
+              <a:lumOff val="0"/>
+              <a:alphaOff val="0"/>
+            </a:schemeClr>
+          </a:solidFill>
+          <a:prstDash val="solid"/>
+        </a:ln>
+        <a:effectLst/>
+      </dsp:spPr>
+      <dsp:style>
+        <a:lnRef idx="2">
+          <a:scrgbClr r="0" g="0" b="0"/>
+        </a:lnRef>
+        <a:fillRef idx="0">
+          <a:scrgbClr r="0" g="0" b="0"/>
+        </a:fillRef>
+        <a:effectRef idx="0">
+          <a:scrgbClr r="0" g="0" b="0"/>
+        </a:effectRef>
+        <a:fontRef idx="minor"/>
+      </dsp:style>
+    </dsp:sp>
+    <dsp:sp modelId="{FD977AC6-BC73-4655-A16C-096332AE402A}">
+      <dsp:nvSpPr>
+        <dsp:cNvPr id="0" name=""/>
+        <dsp:cNvSpPr/>
+      </dsp:nvSpPr>
+      <dsp:spPr>
+        <a:xfrm>
+          <a:off x="1153783" y="974816"/>
+          <a:ext cx="120435" cy="2079521"/>
+        </a:xfrm>
+        <a:custGeom>
+          <a:avLst/>
+          <a:gdLst/>
+          <a:ahLst/>
+          <a:cxnLst/>
+          <a:rect l="0" t="0" r="0" b="0"/>
+          <a:pathLst>
+            <a:path>
+              <a:moveTo>
+                <a:pt x="0" y="0"/>
+              </a:moveTo>
+              <a:lnTo>
+                <a:pt x="0" y="2079521"/>
+              </a:lnTo>
+              <a:lnTo>
+                <a:pt x="120435" y="2079521"/>
+              </a:lnTo>
+            </a:path>
+          </a:pathLst>
+        </a:custGeom>
+        <a:noFill/>
+        <a:ln w="25400" cap="flat" cmpd="sng" algn="ctr">
+          <a:solidFill>
+            <a:schemeClr val="accent3">
+              <a:hueOff val="0"/>
+              <a:satOff val="0"/>
+              <a:lumOff val="0"/>
+              <a:alphaOff val="0"/>
+            </a:schemeClr>
+          </a:solidFill>
+          <a:prstDash val="solid"/>
+        </a:ln>
+        <a:effectLst/>
+      </dsp:spPr>
+      <dsp:style>
+        <a:lnRef idx="2">
+          <a:scrgbClr r="0" g="0" b="0"/>
+        </a:lnRef>
+        <a:fillRef idx="0">
+          <a:scrgbClr r="0" g="0" b="0"/>
+        </a:fillRef>
+        <a:effectRef idx="0">
+          <a:scrgbClr r="0" g="0" b="0"/>
+        </a:effectRef>
+        <a:fontRef idx="minor"/>
+      </dsp:style>
+    </dsp:sp>
+    <dsp:sp modelId="{01337580-63FD-445C-8042-CD6808332B7A}">
+      <dsp:nvSpPr>
+        <dsp:cNvPr id="0" name=""/>
+        <dsp:cNvSpPr/>
+      </dsp:nvSpPr>
+      <dsp:spPr>
+        <a:xfrm>
+          <a:off x="1153783" y="974816"/>
+          <a:ext cx="120435" cy="1509459"/>
+        </a:xfrm>
+        <a:custGeom>
+          <a:avLst/>
+          <a:gdLst/>
+          <a:ahLst/>
+          <a:cxnLst/>
+          <a:rect l="0" t="0" r="0" b="0"/>
+          <a:pathLst>
+            <a:path>
+              <a:moveTo>
+                <a:pt x="0" y="0"/>
+              </a:moveTo>
+              <a:lnTo>
+                <a:pt x="0" y="1509459"/>
+              </a:lnTo>
+              <a:lnTo>
+                <a:pt x="120435" y="1509459"/>
+              </a:lnTo>
+            </a:path>
+          </a:pathLst>
+        </a:custGeom>
+        <a:noFill/>
+        <a:ln w="25400" cap="flat" cmpd="sng" algn="ctr">
+          <a:solidFill>
+            <a:schemeClr val="accent3">
+              <a:hueOff val="0"/>
+              <a:satOff val="0"/>
+              <a:lumOff val="0"/>
+              <a:alphaOff val="0"/>
+            </a:schemeClr>
+          </a:solidFill>
+          <a:prstDash val="solid"/>
+        </a:ln>
+        <a:effectLst/>
+      </dsp:spPr>
+      <dsp:style>
+        <a:lnRef idx="2">
+          <a:scrgbClr r="0" g="0" b="0"/>
+        </a:lnRef>
+        <a:fillRef idx="0">
+          <a:scrgbClr r="0" g="0" b="0"/>
+        </a:fillRef>
+        <a:effectRef idx="0">
+          <a:scrgbClr r="0" g="0" b="0"/>
+        </a:effectRef>
+        <a:fontRef idx="minor"/>
+      </dsp:style>
+    </dsp:sp>
+    <dsp:sp modelId="{D187F29F-A207-4857-ABA3-3C20A88B3E18}">
+      <dsp:nvSpPr>
+        <dsp:cNvPr id="0" name=""/>
+        <dsp:cNvSpPr/>
+      </dsp:nvSpPr>
+      <dsp:spPr>
+        <a:xfrm>
+          <a:off x="1153783" y="974816"/>
+          <a:ext cx="120435" cy="939397"/>
+        </a:xfrm>
+        <a:custGeom>
+          <a:avLst/>
+          <a:gdLst/>
+          <a:ahLst/>
+          <a:cxnLst/>
+          <a:rect l="0" t="0" r="0" b="0"/>
+          <a:pathLst>
+            <a:path>
+              <a:moveTo>
+                <a:pt x="0" y="0"/>
+              </a:moveTo>
+              <a:lnTo>
+                <a:pt x="0" y="939397"/>
+              </a:lnTo>
+              <a:lnTo>
+                <a:pt x="120435" y="939397"/>
+              </a:lnTo>
+            </a:path>
+          </a:pathLst>
+        </a:custGeom>
+        <a:noFill/>
+        <a:ln w="25400" cap="flat" cmpd="sng" algn="ctr">
+          <a:solidFill>
+            <a:schemeClr val="accent3">
+              <a:hueOff val="0"/>
+              <a:satOff val="0"/>
+              <a:lumOff val="0"/>
+              <a:alphaOff val="0"/>
+            </a:schemeClr>
+          </a:solidFill>
+          <a:prstDash val="solid"/>
+        </a:ln>
+        <a:effectLst/>
+      </dsp:spPr>
+      <dsp:style>
+        <a:lnRef idx="2">
+          <a:scrgbClr r="0" g="0" b="0"/>
+        </a:lnRef>
+        <a:fillRef idx="0">
+          <a:scrgbClr r="0" g="0" b="0"/>
+        </a:fillRef>
+        <a:effectRef idx="0">
+          <a:scrgbClr r="0" g="0" b="0"/>
+        </a:effectRef>
+        <a:fontRef idx="minor"/>
+      </dsp:style>
+    </dsp:sp>
+    <dsp:sp modelId="{C15FBDD1-0D3C-4AC6-921D-1155A29049F7}">
+      <dsp:nvSpPr>
+        <dsp:cNvPr id="0" name=""/>
+        <dsp:cNvSpPr/>
+      </dsp:nvSpPr>
+      <dsp:spPr>
+        <a:xfrm>
+          <a:off x="1153783" y="974816"/>
+          <a:ext cx="120435" cy="369335"/>
+        </a:xfrm>
+        <a:custGeom>
+          <a:avLst/>
+          <a:gdLst/>
+          <a:ahLst/>
+          <a:cxnLst/>
+          <a:rect l="0" t="0" r="0" b="0"/>
+          <a:pathLst>
+            <a:path>
+              <a:moveTo>
+                <a:pt x="0" y="0"/>
+              </a:moveTo>
+              <a:lnTo>
+                <a:pt x="0" y="369335"/>
+              </a:lnTo>
+              <a:lnTo>
+                <a:pt x="120435" y="369335"/>
+              </a:lnTo>
+            </a:path>
+          </a:pathLst>
+        </a:custGeom>
+        <a:noFill/>
+        <a:ln w="25400" cap="flat" cmpd="sng" algn="ctr">
+          <a:solidFill>
+            <a:schemeClr val="accent3">
+              <a:hueOff val="0"/>
+              <a:satOff val="0"/>
+              <a:lumOff val="0"/>
+              <a:alphaOff val="0"/>
+            </a:schemeClr>
+          </a:solidFill>
+          <a:prstDash val="solid"/>
+        </a:ln>
+        <a:effectLst/>
+      </dsp:spPr>
+      <dsp:style>
+        <a:lnRef idx="2">
+          <a:scrgbClr r="0" g="0" b="0"/>
+        </a:lnRef>
+        <a:fillRef idx="0">
+          <a:scrgbClr r="0" g="0" b="0"/>
+        </a:fillRef>
+        <a:effectRef idx="0">
+          <a:scrgbClr r="0" g="0" b="0"/>
+        </a:effectRef>
+        <a:fontRef idx="minor"/>
+      </dsp:style>
+    </dsp:sp>
+    <dsp:sp modelId="{F1920FE3-7049-4E21-A700-0B43FBB9508D}">
+      <dsp:nvSpPr>
+        <dsp:cNvPr id="0" name=""/>
+        <dsp:cNvSpPr/>
+      </dsp:nvSpPr>
+      <dsp:spPr>
+        <a:xfrm>
+          <a:off x="1474944" y="404754"/>
+          <a:ext cx="2529148" cy="168609"/>
+        </a:xfrm>
+        <a:custGeom>
+          <a:avLst/>
+          <a:gdLst/>
+          <a:ahLst/>
+          <a:cxnLst/>
+          <a:rect l="0" t="0" r="0" b="0"/>
+          <a:pathLst>
+            <a:path>
+              <a:moveTo>
+                <a:pt x="2529148" y="0"/>
+              </a:moveTo>
+              <a:lnTo>
+                <a:pt x="2529148" y="84304"/>
+              </a:lnTo>
+              <a:lnTo>
+                <a:pt x="0" y="84304"/>
+              </a:lnTo>
+              <a:lnTo>
+                <a:pt x="0" y="168609"/>
+              </a:lnTo>
+            </a:path>
+          </a:pathLst>
+        </a:custGeom>
+        <a:noFill/>
+        <a:ln w="25400" cap="flat" cmpd="sng" algn="ctr">
+          <a:solidFill>
+            <a:schemeClr val="accent2">
+              <a:hueOff val="0"/>
+              <a:satOff val="0"/>
+              <a:lumOff val="0"/>
+              <a:alphaOff val="0"/>
+            </a:schemeClr>
+          </a:solidFill>
+          <a:prstDash val="solid"/>
+        </a:ln>
+        <a:effectLst/>
+      </dsp:spPr>
+      <dsp:style>
+        <a:lnRef idx="2">
+          <a:scrgbClr r="0" g="0" b="0"/>
+        </a:lnRef>
+        <a:fillRef idx="0">
+          <a:scrgbClr r="0" g="0" b="0"/>
+        </a:fillRef>
+        <a:effectRef idx="0">
+          <a:scrgbClr r="0" g="0" b="0"/>
+        </a:effectRef>
+        <a:fontRef idx="minor"/>
+      </dsp:style>
+    </dsp:sp>
+    <dsp:sp modelId="{46748428-C268-4C97-8B30-5CC6E2DE439A}">
+      <dsp:nvSpPr>
+        <dsp:cNvPr id="0" name=""/>
+        <dsp:cNvSpPr/>
+      </dsp:nvSpPr>
+      <dsp:spPr>
+        <a:xfrm>
+          <a:off x="3602640" y="3302"/>
+          <a:ext cx="802904" cy="401452"/>
+        </a:xfrm>
+        <a:prstGeom prst="rect">
+          <a:avLst/>
+        </a:prstGeom>
+        <a:solidFill>
+          <a:schemeClr val="accent1">
+            <a:hueOff val="0"/>
+            <a:satOff val="0"/>
+            <a:lumOff val="0"/>
+            <a:alphaOff val="0"/>
+          </a:schemeClr>
+        </a:solidFill>
+        <a:ln w="25400" cap="flat" cmpd="sng" algn="ctr">
+          <a:solidFill>
+            <a:schemeClr val="lt1">
+              <a:hueOff val="0"/>
+              <a:satOff val="0"/>
+              <a:lumOff val="0"/>
+              <a:alphaOff val="0"/>
+            </a:schemeClr>
+          </a:solidFill>
+          <a:prstDash val="solid"/>
+        </a:ln>
+        <a:effectLst/>
+      </dsp:spPr>
+      <dsp:style>
+        <a:lnRef idx="2">
+          <a:scrgbClr r="0" g="0" b="0"/>
+        </a:lnRef>
+        <a:fillRef idx="1">
+          <a:scrgbClr r="0" g="0" b="0"/>
+        </a:fillRef>
+        <a:effectRef idx="0">
+          <a:scrgbClr r="0" g="0" b="0"/>
+        </a:effectRef>
+        <a:fontRef idx="minor">
+          <a:schemeClr val="lt1"/>
+        </a:fontRef>
+      </dsp:style>
+      <dsp:txBody>
+        <a:bodyPr spcFirstLastPara="0" vert="horz" wrap="square" lIns="7620" tIns="7620" rIns="7620" bIns="7620" numCol="1" spcCol="1270" anchor="ctr" anchorCtr="0">
+          <a:noAutofit/>
+        </a:bodyPr>
+        <a:lstStyle/>
+        <a:p>
+          <a:pPr lvl="0" algn="ctr" defTabSz="533400">
+            <a:lnSpc>
+              <a:spcPct val="90000"/>
+            </a:lnSpc>
+            <a:spcBef>
+              <a:spcPct val="0"/>
+            </a:spcBef>
+            <a:spcAft>
+              <a:spcPct val="35000"/>
+            </a:spcAft>
+          </a:pPr>
+          <a:r>
+            <a:rPr lang="zh-CN" altLang="en-US" sz="1200" kern="1200" dirty="0" smtClean="0"/>
+            <a:t>需求确认书</a:t>
+          </a:r>
+          <a:endParaRPr lang="zh-CN" altLang="en-US" sz="1200" kern="1200" dirty="0"/>
+        </a:p>
+      </dsp:txBody>
+      <dsp:txXfrm>
+        <a:off x="3602640" y="3302"/>
+        <a:ext cx="802904" cy="401452"/>
+      </dsp:txXfrm>
+    </dsp:sp>
+    <dsp:sp modelId="{7C47B049-7C22-4E84-A2FD-EF0351A4280F}">
+      <dsp:nvSpPr>
+        <dsp:cNvPr id="0" name=""/>
+        <dsp:cNvSpPr/>
+      </dsp:nvSpPr>
+      <dsp:spPr>
+        <a:xfrm>
+          <a:off x="1073492" y="573364"/>
+          <a:ext cx="802904" cy="401452"/>
+        </a:xfrm>
+        <a:prstGeom prst="rect">
+          <a:avLst/>
+        </a:prstGeom>
+        <a:solidFill>
+          <a:schemeClr val="accent2">
+            <a:hueOff val="0"/>
+            <a:satOff val="0"/>
+            <a:lumOff val="0"/>
+            <a:alphaOff val="0"/>
+          </a:schemeClr>
+        </a:solidFill>
+        <a:ln w="25400" cap="flat" cmpd="sng" algn="ctr">
+          <a:solidFill>
+            <a:schemeClr val="lt1">
+              <a:hueOff val="0"/>
+              <a:satOff val="0"/>
+              <a:lumOff val="0"/>
+              <a:alphaOff val="0"/>
+            </a:schemeClr>
+          </a:solidFill>
+          <a:prstDash val="solid"/>
+        </a:ln>
+        <a:effectLst/>
+      </dsp:spPr>
+      <dsp:style>
+        <a:lnRef idx="2">
+          <a:scrgbClr r="0" g="0" b="0"/>
+        </a:lnRef>
+        <a:fillRef idx="1">
+          <a:scrgbClr r="0" g="0" b="0"/>
+        </a:fillRef>
+        <a:effectRef idx="0">
+          <a:scrgbClr r="0" g="0" b="0"/>
+        </a:effectRef>
+        <a:fontRef idx="minor">
+          <a:schemeClr val="lt1"/>
+        </a:fontRef>
+      </dsp:style>
+      <dsp:txBody>
+        <a:bodyPr spcFirstLastPara="0" vert="horz" wrap="square" lIns="7620" tIns="7620" rIns="7620" bIns="7620" numCol="1" spcCol="1270" anchor="ctr" anchorCtr="0">
+          <a:noAutofit/>
+        </a:bodyPr>
+        <a:lstStyle/>
+        <a:p>
+          <a:pPr lvl="0" algn="ctr" defTabSz="533400">
+            <a:lnSpc>
+              <a:spcPct val="90000"/>
+            </a:lnSpc>
+            <a:spcBef>
+              <a:spcPct val="0"/>
+            </a:spcBef>
+            <a:spcAft>
+              <a:spcPct val="35000"/>
+            </a:spcAft>
+          </a:pPr>
+          <a:r>
+            <a:rPr lang="zh-CN" altLang="en-US" sz="1200" kern="1200" dirty="0" smtClean="0"/>
+            <a:t>概述</a:t>
+          </a:r>
+          <a:endParaRPr lang="zh-CN" altLang="en-US" sz="1200" kern="1200" dirty="0"/>
+        </a:p>
+      </dsp:txBody>
+      <dsp:txXfrm>
+        <a:off x="1073492" y="573364"/>
+        <a:ext cx="802904" cy="401452"/>
+      </dsp:txXfrm>
+    </dsp:sp>
+    <dsp:sp modelId="{2694F914-DEB2-4C09-B348-B71DD5BF5974}">
+      <dsp:nvSpPr>
+        <dsp:cNvPr id="0" name=""/>
+        <dsp:cNvSpPr/>
+      </dsp:nvSpPr>
+      <dsp:spPr>
+        <a:xfrm>
+          <a:off x="1274218" y="1143426"/>
+          <a:ext cx="802904" cy="401452"/>
+        </a:xfrm>
+        <a:prstGeom prst="rect">
+          <a:avLst/>
+        </a:prstGeom>
+        <a:solidFill>
+          <a:schemeClr val="accent3">
+            <a:hueOff val="0"/>
+            <a:satOff val="0"/>
+            <a:lumOff val="0"/>
+            <a:alphaOff val="0"/>
+          </a:schemeClr>
+        </a:solidFill>
+        <a:ln w="25400" cap="flat" cmpd="sng" algn="ctr">
+          <a:solidFill>
+            <a:schemeClr val="lt1">
+              <a:hueOff val="0"/>
+              <a:satOff val="0"/>
+              <a:lumOff val="0"/>
+              <a:alphaOff val="0"/>
+            </a:schemeClr>
+          </a:solidFill>
+          <a:prstDash val="solid"/>
+        </a:ln>
+        <a:effectLst/>
+      </dsp:spPr>
+      <dsp:style>
+        <a:lnRef idx="2">
+          <a:scrgbClr r="0" g="0" b="0"/>
+        </a:lnRef>
+        <a:fillRef idx="1">
+          <a:scrgbClr r="0" g="0" b="0"/>
+        </a:fillRef>
+        <a:effectRef idx="0">
+          <a:scrgbClr r="0" g="0" b="0"/>
+        </a:effectRef>
+        <a:fontRef idx="minor">
+          <a:schemeClr val="lt1"/>
+        </a:fontRef>
+      </dsp:style>
+      <dsp:txBody>
+        <a:bodyPr spcFirstLastPara="0" vert="horz" wrap="square" lIns="7620" tIns="7620" rIns="7620" bIns="7620" numCol="1" spcCol="1270" anchor="ctr" anchorCtr="0">
+          <a:noAutofit/>
+        </a:bodyPr>
+        <a:lstStyle/>
+        <a:p>
+          <a:pPr lvl="0" algn="ctr" defTabSz="533400">
+            <a:lnSpc>
+              <a:spcPct val="90000"/>
+            </a:lnSpc>
+            <a:spcBef>
+              <a:spcPct val="0"/>
+            </a:spcBef>
+            <a:spcAft>
+              <a:spcPct val="35000"/>
+            </a:spcAft>
+          </a:pPr>
+          <a:r>
+            <a:rPr lang="zh-CN" altLang="en-US" sz="1200" kern="1200" dirty="0" smtClean="0"/>
+            <a:t>编写目的</a:t>
+          </a:r>
+          <a:endParaRPr lang="zh-CN" altLang="en-US" sz="1200" kern="1200" dirty="0"/>
+        </a:p>
+      </dsp:txBody>
+      <dsp:txXfrm>
+        <a:off x="1274218" y="1143426"/>
+        <a:ext cx="802904" cy="401452"/>
+      </dsp:txXfrm>
+    </dsp:sp>
+    <dsp:sp modelId="{6C8EA6E3-3282-413B-AB8D-D4D70283B9BB}">
+      <dsp:nvSpPr>
+        <dsp:cNvPr id="0" name=""/>
+        <dsp:cNvSpPr/>
+      </dsp:nvSpPr>
+      <dsp:spPr>
+        <a:xfrm>
+          <a:off x="1274218" y="1713488"/>
+          <a:ext cx="802904" cy="401452"/>
+        </a:xfrm>
+        <a:prstGeom prst="rect">
+          <a:avLst/>
+        </a:prstGeom>
+        <a:solidFill>
+          <a:schemeClr val="accent3">
+            <a:hueOff val="0"/>
+            <a:satOff val="0"/>
+            <a:lumOff val="0"/>
+            <a:alphaOff val="0"/>
+          </a:schemeClr>
+        </a:solidFill>
+        <a:ln w="25400" cap="flat" cmpd="sng" algn="ctr">
+          <a:solidFill>
+            <a:schemeClr val="lt1">
+              <a:hueOff val="0"/>
+              <a:satOff val="0"/>
+              <a:lumOff val="0"/>
+              <a:alphaOff val="0"/>
+            </a:schemeClr>
+          </a:solidFill>
+          <a:prstDash val="solid"/>
+        </a:ln>
+        <a:effectLst/>
+      </dsp:spPr>
+      <dsp:style>
+        <a:lnRef idx="2">
+          <a:scrgbClr r="0" g="0" b="0"/>
+        </a:lnRef>
+        <a:fillRef idx="1">
+          <a:scrgbClr r="0" g="0" b="0"/>
+        </a:fillRef>
+        <a:effectRef idx="0">
+          <a:scrgbClr r="0" g="0" b="0"/>
+        </a:effectRef>
+        <a:fontRef idx="minor">
+          <a:schemeClr val="lt1"/>
+        </a:fontRef>
+      </dsp:style>
+      <dsp:txBody>
+        <a:bodyPr spcFirstLastPara="0" vert="horz" wrap="square" lIns="7620" tIns="7620" rIns="7620" bIns="7620" numCol="1" spcCol="1270" anchor="ctr" anchorCtr="0">
+          <a:noAutofit/>
+        </a:bodyPr>
+        <a:lstStyle/>
+        <a:p>
+          <a:pPr lvl="0" algn="ctr" defTabSz="533400">
+            <a:lnSpc>
+              <a:spcPct val="90000"/>
+            </a:lnSpc>
+            <a:spcBef>
+              <a:spcPct val="0"/>
+            </a:spcBef>
+            <a:spcAft>
+              <a:spcPct val="35000"/>
+            </a:spcAft>
+          </a:pPr>
+          <a:r>
+            <a:rPr lang="zh-CN" altLang="en-US" sz="1200" kern="1200" dirty="0" smtClean="0"/>
+            <a:t>项目假设与约束</a:t>
+          </a:r>
+          <a:endParaRPr lang="zh-CN" altLang="en-US" sz="1200" kern="1200" dirty="0"/>
+        </a:p>
+      </dsp:txBody>
+      <dsp:txXfrm>
+        <a:off x="1274218" y="1713488"/>
+        <a:ext cx="802904" cy="401452"/>
+      </dsp:txXfrm>
+    </dsp:sp>
+    <dsp:sp modelId="{2299655A-3F92-4DFE-8A15-AE3A73998244}">
+      <dsp:nvSpPr>
+        <dsp:cNvPr id="0" name=""/>
+        <dsp:cNvSpPr/>
+      </dsp:nvSpPr>
+      <dsp:spPr>
+        <a:xfrm>
+          <a:off x="1274218" y="2283549"/>
+          <a:ext cx="802904" cy="401452"/>
+        </a:xfrm>
+        <a:prstGeom prst="rect">
+          <a:avLst/>
+        </a:prstGeom>
+        <a:solidFill>
+          <a:schemeClr val="accent3">
+            <a:hueOff val="0"/>
+            <a:satOff val="0"/>
+            <a:lumOff val="0"/>
+            <a:alphaOff val="0"/>
+          </a:schemeClr>
+        </a:solidFill>
+        <a:ln w="25400" cap="flat" cmpd="sng" algn="ctr">
+          <a:solidFill>
+            <a:schemeClr val="lt1">
+              <a:hueOff val="0"/>
+              <a:satOff val="0"/>
+              <a:lumOff val="0"/>
+              <a:alphaOff val="0"/>
+            </a:schemeClr>
+          </a:solidFill>
+          <a:prstDash val="solid"/>
+        </a:ln>
+        <a:effectLst/>
+      </dsp:spPr>
+      <dsp:style>
+        <a:lnRef idx="2">
+          <a:scrgbClr r="0" g="0" b="0"/>
+        </a:lnRef>
+        <a:fillRef idx="1">
+          <a:scrgbClr r="0" g="0" b="0"/>
+        </a:fillRef>
+        <a:effectRef idx="0">
+          <a:scrgbClr r="0" g="0" b="0"/>
+        </a:effectRef>
+        <a:fontRef idx="minor">
+          <a:schemeClr val="lt1"/>
+        </a:fontRef>
+      </dsp:style>
+      <dsp:txBody>
+        <a:bodyPr spcFirstLastPara="0" vert="horz" wrap="square" lIns="7620" tIns="7620" rIns="7620" bIns="7620" numCol="1" spcCol="1270" anchor="ctr" anchorCtr="0">
+          <a:noAutofit/>
+        </a:bodyPr>
+        <a:lstStyle/>
+        <a:p>
+          <a:pPr lvl="0" algn="ctr" defTabSz="533400">
+            <a:lnSpc>
+              <a:spcPct val="90000"/>
+            </a:lnSpc>
+            <a:spcBef>
+              <a:spcPct val="0"/>
+            </a:spcBef>
+            <a:spcAft>
+              <a:spcPct val="35000"/>
+            </a:spcAft>
+          </a:pPr>
+          <a:r>
+            <a:rPr lang="zh-CN" altLang="en-US" sz="1200" kern="1200" dirty="0" smtClean="0"/>
+            <a:t>项目背景</a:t>
+          </a:r>
+          <a:endParaRPr lang="zh-CN" altLang="en-US" sz="1200" kern="1200" dirty="0"/>
+        </a:p>
+      </dsp:txBody>
+      <dsp:txXfrm>
+        <a:off x="1274218" y="2283549"/>
+        <a:ext cx="802904" cy="401452"/>
+      </dsp:txXfrm>
+    </dsp:sp>
+    <dsp:sp modelId="{818491BF-A258-4756-9F23-952C6CAA94C3}">
+      <dsp:nvSpPr>
+        <dsp:cNvPr id="0" name=""/>
+        <dsp:cNvSpPr/>
+      </dsp:nvSpPr>
+      <dsp:spPr>
+        <a:xfrm>
+          <a:off x="1274218" y="2853611"/>
+          <a:ext cx="802904" cy="401452"/>
+        </a:xfrm>
+        <a:prstGeom prst="rect">
+          <a:avLst/>
+        </a:prstGeom>
+        <a:solidFill>
+          <a:schemeClr val="accent3">
+            <a:hueOff val="0"/>
+            <a:satOff val="0"/>
+            <a:lumOff val="0"/>
+            <a:alphaOff val="0"/>
+          </a:schemeClr>
+        </a:solidFill>
+        <a:ln w="25400" cap="flat" cmpd="sng" algn="ctr">
+          <a:solidFill>
+            <a:schemeClr val="lt1">
+              <a:hueOff val="0"/>
+              <a:satOff val="0"/>
+              <a:lumOff val="0"/>
+              <a:alphaOff val="0"/>
+            </a:schemeClr>
+          </a:solidFill>
+          <a:prstDash val="solid"/>
+        </a:ln>
+        <a:effectLst/>
+      </dsp:spPr>
+      <dsp:style>
+        <a:lnRef idx="2">
+          <a:scrgbClr r="0" g="0" b="0"/>
+        </a:lnRef>
+        <a:fillRef idx="1">
+          <a:scrgbClr r="0" g="0" b="0"/>
+        </a:fillRef>
+        <a:effectRef idx="0">
+          <a:scrgbClr r="0" g="0" b="0"/>
+        </a:effectRef>
+        <a:fontRef idx="minor">
+          <a:schemeClr val="lt1"/>
+        </a:fontRef>
+      </dsp:style>
+      <dsp:txBody>
+        <a:bodyPr spcFirstLastPara="0" vert="horz" wrap="square" lIns="7620" tIns="7620" rIns="7620" bIns="7620" numCol="1" spcCol="1270" anchor="ctr" anchorCtr="0">
+          <a:noAutofit/>
+        </a:bodyPr>
+        <a:lstStyle/>
+        <a:p>
+          <a:pPr lvl="0" algn="ctr" defTabSz="533400">
+            <a:lnSpc>
+              <a:spcPct val="90000"/>
+            </a:lnSpc>
+            <a:spcBef>
+              <a:spcPct val="0"/>
+            </a:spcBef>
+            <a:spcAft>
+              <a:spcPct val="35000"/>
+            </a:spcAft>
+          </a:pPr>
+          <a:r>
+            <a:rPr lang="zh-CN" altLang="en-US" sz="1200" kern="1200" dirty="0" smtClean="0"/>
+            <a:t>项目管理团队</a:t>
+          </a:r>
+          <a:endParaRPr lang="zh-CN" altLang="en-US" sz="1200" kern="1200" dirty="0"/>
+        </a:p>
+      </dsp:txBody>
+      <dsp:txXfrm>
+        <a:off x="1274218" y="2853611"/>
+        <a:ext cx="802904" cy="401452"/>
+      </dsp:txXfrm>
+    </dsp:sp>
+    <dsp:sp modelId="{D8A9F92F-0385-4FBB-96AC-7DEF4A80689B}">
+      <dsp:nvSpPr>
+        <dsp:cNvPr id="0" name=""/>
+        <dsp:cNvSpPr/>
+      </dsp:nvSpPr>
+      <dsp:spPr>
+        <a:xfrm>
+          <a:off x="2045006" y="573364"/>
+          <a:ext cx="802904" cy="401452"/>
+        </a:xfrm>
+        <a:prstGeom prst="rect">
+          <a:avLst/>
+        </a:prstGeom>
+        <a:solidFill>
+          <a:schemeClr val="accent2">
+            <a:hueOff val="0"/>
+            <a:satOff val="0"/>
+            <a:lumOff val="0"/>
+            <a:alphaOff val="0"/>
+          </a:schemeClr>
+        </a:solidFill>
+        <a:ln w="25400" cap="flat" cmpd="sng" algn="ctr">
+          <a:solidFill>
+            <a:schemeClr val="lt1">
+              <a:hueOff val="0"/>
+              <a:satOff val="0"/>
+              <a:lumOff val="0"/>
+              <a:alphaOff val="0"/>
+            </a:schemeClr>
+          </a:solidFill>
+          <a:prstDash val="solid"/>
+        </a:ln>
+        <a:effectLst/>
+      </dsp:spPr>
+      <dsp:style>
+        <a:lnRef idx="2">
+          <a:scrgbClr r="0" g="0" b="0"/>
+        </a:lnRef>
+        <a:fillRef idx="1">
+          <a:scrgbClr r="0" g="0" b="0"/>
+        </a:fillRef>
+        <a:effectRef idx="0">
+          <a:scrgbClr r="0" g="0" b="0"/>
+        </a:effectRef>
+        <a:fontRef idx="minor">
+          <a:schemeClr val="lt1"/>
+        </a:fontRef>
+      </dsp:style>
+      <dsp:txBody>
+        <a:bodyPr spcFirstLastPara="0" vert="horz" wrap="square" lIns="7620" tIns="7620" rIns="7620" bIns="7620" numCol="1" spcCol="1270" anchor="ctr" anchorCtr="0">
+          <a:noAutofit/>
+        </a:bodyPr>
+        <a:lstStyle/>
+        <a:p>
+          <a:pPr lvl="0" algn="ctr" defTabSz="533400">
+            <a:lnSpc>
+              <a:spcPct val="90000"/>
+            </a:lnSpc>
+            <a:spcBef>
+              <a:spcPct val="0"/>
+            </a:spcBef>
+            <a:spcAft>
+              <a:spcPct val="35000"/>
+            </a:spcAft>
+          </a:pPr>
+          <a:r>
+            <a:rPr lang="zh-CN" altLang="en-US" sz="1200" kern="1200" dirty="0" smtClean="0"/>
+            <a:t>项目前景与范围</a:t>
+          </a:r>
+          <a:endParaRPr lang="zh-CN" altLang="en-US" sz="1200" kern="1200" dirty="0"/>
+        </a:p>
+      </dsp:txBody>
+      <dsp:txXfrm>
+        <a:off x="2045006" y="573364"/>
+        <a:ext cx="802904" cy="401452"/>
+      </dsp:txXfrm>
+    </dsp:sp>
+    <dsp:sp modelId="{136E9108-7D6F-400C-BA0C-17DA38B715EB}">
+      <dsp:nvSpPr>
+        <dsp:cNvPr id="0" name=""/>
+        <dsp:cNvSpPr/>
+      </dsp:nvSpPr>
+      <dsp:spPr>
+        <a:xfrm>
+          <a:off x="2245732" y="1143426"/>
+          <a:ext cx="802904" cy="401452"/>
+        </a:xfrm>
+        <a:prstGeom prst="rect">
+          <a:avLst/>
+        </a:prstGeom>
+        <a:solidFill>
+          <a:schemeClr val="accent3">
+            <a:hueOff val="0"/>
+            <a:satOff val="0"/>
+            <a:lumOff val="0"/>
+            <a:alphaOff val="0"/>
+          </a:schemeClr>
+        </a:solidFill>
+        <a:ln w="25400" cap="flat" cmpd="sng" algn="ctr">
+          <a:solidFill>
+            <a:schemeClr val="lt1">
+              <a:hueOff val="0"/>
+              <a:satOff val="0"/>
+              <a:lumOff val="0"/>
+              <a:alphaOff val="0"/>
+            </a:schemeClr>
+          </a:solidFill>
+          <a:prstDash val="solid"/>
+        </a:ln>
+        <a:effectLst/>
+      </dsp:spPr>
+      <dsp:style>
+        <a:lnRef idx="2">
+          <a:scrgbClr r="0" g="0" b="0"/>
+        </a:lnRef>
+        <a:fillRef idx="1">
+          <a:scrgbClr r="0" g="0" b="0"/>
+        </a:fillRef>
+        <a:effectRef idx="0">
+          <a:scrgbClr r="0" g="0" b="0"/>
+        </a:effectRef>
+        <a:fontRef idx="minor">
+          <a:schemeClr val="lt1"/>
+        </a:fontRef>
+      </dsp:style>
+      <dsp:txBody>
+        <a:bodyPr spcFirstLastPara="0" vert="horz" wrap="square" lIns="7620" tIns="7620" rIns="7620" bIns="7620" numCol="1" spcCol="1270" anchor="ctr" anchorCtr="0">
+          <a:noAutofit/>
+        </a:bodyPr>
+        <a:lstStyle/>
+        <a:p>
+          <a:pPr lvl="0" algn="ctr" defTabSz="533400">
+            <a:lnSpc>
+              <a:spcPct val="90000"/>
+            </a:lnSpc>
+            <a:spcBef>
+              <a:spcPct val="0"/>
+            </a:spcBef>
+            <a:spcAft>
+              <a:spcPct val="35000"/>
+            </a:spcAft>
+          </a:pPr>
+          <a:r>
+            <a:rPr lang="zh-CN" altLang="en-US" sz="1200" kern="1200" dirty="0" smtClean="0"/>
+            <a:t>项目前景</a:t>
+          </a:r>
+          <a:endParaRPr lang="zh-CN" altLang="en-US" sz="1200" kern="1200" dirty="0"/>
+        </a:p>
+      </dsp:txBody>
+      <dsp:txXfrm>
+        <a:off x="2245732" y="1143426"/>
+        <a:ext cx="802904" cy="401452"/>
+      </dsp:txXfrm>
+    </dsp:sp>
+    <dsp:sp modelId="{84421463-4917-4185-BC50-334D745611F9}">
+      <dsp:nvSpPr>
+        <dsp:cNvPr id="0" name=""/>
+        <dsp:cNvSpPr/>
+      </dsp:nvSpPr>
+      <dsp:spPr>
+        <a:xfrm>
+          <a:off x="2245732" y="1713488"/>
+          <a:ext cx="802904" cy="401452"/>
+        </a:xfrm>
+        <a:prstGeom prst="rect">
+          <a:avLst/>
+        </a:prstGeom>
+        <a:solidFill>
+          <a:schemeClr val="accent3">
+            <a:hueOff val="0"/>
+            <a:satOff val="0"/>
+            <a:lumOff val="0"/>
+            <a:alphaOff val="0"/>
+          </a:schemeClr>
+        </a:solidFill>
+        <a:ln w="25400" cap="flat" cmpd="sng" algn="ctr">
+          <a:solidFill>
+            <a:schemeClr val="lt1">
+              <a:hueOff val="0"/>
+              <a:satOff val="0"/>
+              <a:lumOff val="0"/>
+              <a:alphaOff val="0"/>
+            </a:schemeClr>
+          </a:solidFill>
+          <a:prstDash val="solid"/>
+        </a:ln>
+        <a:effectLst/>
+      </dsp:spPr>
+      <dsp:style>
+        <a:lnRef idx="2">
+          <a:scrgbClr r="0" g="0" b="0"/>
+        </a:lnRef>
+        <a:fillRef idx="1">
+          <a:scrgbClr r="0" g="0" b="0"/>
+        </a:fillRef>
+        <a:effectRef idx="0">
+          <a:scrgbClr r="0" g="0" b="0"/>
+        </a:effectRef>
+        <a:fontRef idx="minor">
+          <a:schemeClr val="lt1"/>
+        </a:fontRef>
+      </dsp:style>
+      <dsp:txBody>
+        <a:bodyPr spcFirstLastPara="0" vert="horz" wrap="square" lIns="7620" tIns="7620" rIns="7620" bIns="7620" numCol="1" spcCol="1270" anchor="ctr" anchorCtr="0">
+          <a:noAutofit/>
+        </a:bodyPr>
+        <a:lstStyle/>
+        <a:p>
+          <a:pPr lvl="0" algn="ctr" defTabSz="533400">
+            <a:lnSpc>
+              <a:spcPct val="90000"/>
+            </a:lnSpc>
+            <a:spcBef>
+              <a:spcPct val="0"/>
+            </a:spcBef>
+            <a:spcAft>
+              <a:spcPct val="35000"/>
+            </a:spcAft>
+          </a:pPr>
+          <a:r>
+            <a:rPr lang="zh-CN" altLang="en-US" sz="1200" kern="1200" dirty="0" smtClean="0"/>
+            <a:t>项目范围</a:t>
+          </a:r>
+          <a:endParaRPr lang="zh-CN" altLang="en-US" sz="1200" kern="1200" dirty="0"/>
+        </a:p>
+      </dsp:txBody>
+      <dsp:txXfrm>
+        <a:off x="2245732" y="1713488"/>
+        <a:ext cx="802904" cy="401452"/>
+      </dsp:txXfrm>
+    </dsp:sp>
+    <dsp:sp modelId="{E60FA152-0A84-4421-AAC1-7C58EDE451F5}">
+      <dsp:nvSpPr>
+        <dsp:cNvPr id="0" name=""/>
+        <dsp:cNvSpPr/>
+      </dsp:nvSpPr>
+      <dsp:spPr>
+        <a:xfrm>
+          <a:off x="2245732" y="2283549"/>
+          <a:ext cx="802904" cy="401452"/>
+        </a:xfrm>
+        <a:prstGeom prst="rect">
+          <a:avLst/>
+        </a:prstGeom>
+        <a:solidFill>
+          <a:schemeClr val="accent3">
+            <a:hueOff val="0"/>
+            <a:satOff val="0"/>
+            <a:lumOff val="0"/>
+            <a:alphaOff val="0"/>
+          </a:schemeClr>
+        </a:solidFill>
+        <a:ln w="25400" cap="flat" cmpd="sng" algn="ctr">
+          <a:solidFill>
+            <a:schemeClr val="lt1">
+              <a:hueOff val="0"/>
+              <a:satOff val="0"/>
+              <a:lumOff val="0"/>
+              <a:alphaOff val="0"/>
+            </a:schemeClr>
+          </a:solidFill>
+          <a:prstDash val="solid"/>
+        </a:ln>
+        <a:effectLst/>
+      </dsp:spPr>
+      <dsp:style>
+        <a:lnRef idx="2">
+          <a:scrgbClr r="0" g="0" b="0"/>
+        </a:lnRef>
+        <a:fillRef idx="1">
+          <a:scrgbClr r="0" g="0" b="0"/>
+        </a:fillRef>
+        <a:effectRef idx="0">
+          <a:scrgbClr r="0" g="0" b="0"/>
+        </a:effectRef>
+        <a:fontRef idx="minor">
+          <a:schemeClr val="lt1"/>
+        </a:fontRef>
+      </dsp:style>
+      <dsp:txBody>
+        <a:bodyPr spcFirstLastPara="0" vert="horz" wrap="square" lIns="7620" tIns="7620" rIns="7620" bIns="7620" numCol="1" spcCol="1270" anchor="ctr" anchorCtr="0">
+          <a:noAutofit/>
+        </a:bodyPr>
+        <a:lstStyle/>
+        <a:p>
+          <a:pPr lvl="0" algn="ctr" defTabSz="533400">
+            <a:lnSpc>
+              <a:spcPct val="90000"/>
+            </a:lnSpc>
+            <a:spcBef>
+              <a:spcPct val="0"/>
+            </a:spcBef>
+            <a:spcAft>
+              <a:spcPct val="35000"/>
+            </a:spcAft>
+          </a:pPr>
+          <a:r>
+            <a:rPr lang="zh-CN" altLang="en-US" sz="1200" kern="1200" dirty="0" smtClean="0"/>
+            <a:t>超出范围</a:t>
+          </a:r>
+          <a:endParaRPr lang="zh-CN" altLang="en-US" sz="1200" kern="1200" dirty="0"/>
+        </a:p>
+      </dsp:txBody>
+      <dsp:txXfrm>
+        <a:off x="2245732" y="2283549"/>
+        <a:ext cx="802904" cy="401452"/>
+      </dsp:txXfrm>
+    </dsp:sp>
+    <dsp:sp modelId="{A5BD32CD-6F52-476E-9295-AE4484F3BC48}">
+      <dsp:nvSpPr>
+        <dsp:cNvPr id="0" name=""/>
+        <dsp:cNvSpPr/>
+      </dsp:nvSpPr>
+      <dsp:spPr>
+        <a:xfrm>
+          <a:off x="3016520" y="573364"/>
+          <a:ext cx="802904" cy="401452"/>
+        </a:xfrm>
+        <a:prstGeom prst="rect">
+          <a:avLst/>
+        </a:prstGeom>
+        <a:solidFill>
+          <a:schemeClr val="accent2">
+            <a:hueOff val="0"/>
+            <a:satOff val="0"/>
+            <a:lumOff val="0"/>
+            <a:alphaOff val="0"/>
+          </a:schemeClr>
+        </a:solidFill>
+        <a:ln w="25400" cap="flat" cmpd="sng" algn="ctr">
+          <a:solidFill>
+            <a:schemeClr val="lt1">
+              <a:hueOff val="0"/>
+              <a:satOff val="0"/>
+              <a:lumOff val="0"/>
+              <a:alphaOff val="0"/>
+            </a:schemeClr>
+          </a:solidFill>
+          <a:prstDash val="solid"/>
+        </a:ln>
+        <a:effectLst/>
+      </dsp:spPr>
+      <dsp:style>
+        <a:lnRef idx="2">
+          <a:scrgbClr r="0" g="0" b="0"/>
+        </a:lnRef>
+        <a:fillRef idx="1">
+          <a:scrgbClr r="0" g="0" b="0"/>
+        </a:fillRef>
+        <a:effectRef idx="0">
+          <a:scrgbClr r="0" g="0" b="0"/>
+        </a:effectRef>
+        <a:fontRef idx="minor">
+          <a:schemeClr val="lt1"/>
+        </a:fontRef>
+      </dsp:style>
+      <dsp:txBody>
+        <a:bodyPr spcFirstLastPara="0" vert="horz" wrap="square" lIns="7620" tIns="7620" rIns="7620" bIns="7620" numCol="1" spcCol="1270" anchor="ctr" anchorCtr="0">
+          <a:noAutofit/>
+        </a:bodyPr>
+        <a:lstStyle/>
+        <a:p>
+          <a:pPr lvl="0" algn="ctr" defTabSz="533400">
+            <a:lnSpc>
+              <a:spcPct val="90000"/>
+            </a:lnSpc>
+            <a:spcBef>
+              <a:spcPct val="0"/>
+            </a:spcBef>
+            <a:spcAft>
+              <a:spcPct val="35000"/>
+            </a:spcAft>
+          </a:pPr>
+          <a:r>
+            <a:rPr lang="zh-CN" altLang="en-US" sz="1200" kern="1200" dirty="0" smtClean="0"/>
+            <a:t>需求概述</a:t>
+          </a:r>
+          <a:endParaRPr lang="zh-CN" altLang="en-US" sz="1200" kern="1200" dirty="0"/>
+        </a:p>
+      </dsp:txBody>
+      <dsp:txXfrm>
+        <a:off x="3016520" y="573364"/>
+        <a:ext cx="802904" cy="401452"/>
+      </dsp:txXfrm>
+    </dsp:sp>
+    <dsp:sp modelId="{877F005C-F016-4BCA-A23C-308CD910DF65}">
+      <dsp:nvSpPr>
+        <dsp:cNvPr id="0" name=""/>
+        <dsp:cNvSpPr/>
+      </dsp:nvSpPr>
+      <dsp:spPr>
+        <a:xfrm>
+          <a:off x="3217246" y="1143426"/>
+          <a:ext cx="802904" cy="401452"/>
+        </a:xfrm>
+        <a:prstGeom prst="rect">
+          <a:avLst/>
+        </a:prstGeom>
+        <a:solidFill>
+          <a:schemeClr val="accent3">
+            <a:hueOff val="0"/>
+            <a:satOff val="0"/>
+            <a:lumOff val="0"/>
+            <a:alphaOff val="0"/>
+          </a:schemeClr>
+        </a:solidFill>
+        <a:ln w="25400" cap="flat" cmpd="sng" algn="ctr">
+          <a:solidFill>
+            <a:schemeClr val="lt1">
+              <a:hueOff val="0"/>
+              <a:satOff val="0"/>
+              <a:lumOff val="0"/>
+              <a:alphaOff val="0"/>
+            </a:schemeClr>
+          </a:solidFill>
+          <a:prstDash val="solid"/>
+        </a:ln>
+        <a:effectLst/>
+      </dsp:spPr>
+      <dsp:style>
+        <a:lnRef idx="2">
+          <a:scrgbClr r="0" g="0" b="0"/>
+        </a:lnRef>
+        <a:fillRef idx="1">
+          <a:scrgbClr r="0" g="0" b="0"/>
+        </a:fillRef>
+        <a:effectRef idx="0">
+          <a:scrgbClr r="0" g="0" b="0"/>
+        </a:effectRef>
+        <a:fontRef idx="minor">
+          <a:schemeClr val="lt1"/>
+        </a:fontRef>
+      </dsp:style>
+      <dsp:txBody>
+        <a:bodyPr spcFirstLastPara="0" vert="horz" wrap="square" lIns="7620" tIns="7620" rIns="7620" bIns="7620" numCol="1" spcCol="1270" anchor="ctr" anchorCtr="0">
+          <a:noAutofit/>
+        </a:bodyPr>
+        <a:lstStyle/>
+        <a:p>
+          <a:pPr lvl="0" algn="ctr" defTabSz="533400">
+            <a:lnSpc>
+              <a:spcPct val="90000"/>
+            </a:lnSpc>
+            <a:spcBef>
+              <a:spcPct val="0"/>
+            </a:spcBef>
+            <a:spcAft>
+              <a:spcPct val="35000"/>
+            </a:spcAft>
+          </a:pPr>
+          <a:r>
+            <a:rPr lang="zh-CN" altLang="en-US" sz="1200" kern="1200" dirty="0" smtClean="0"/>
+            <a:t>用户</a:t>
+          </a:r>
+          <a:r>
+            <a:rPr lang="en-US" altLang="zh-CN" sz="1200" kern="1200" dirty="0" smtClean="0"/>
+            <a:t>(</a:t>
+          </a:r>
+          <a:r>
+            <a:rPr lang="zh-CN" altLang="en-US" sz="1200" kern="1200" dirty="0" smtClean="0"/>
+            <a:t>角色</a:t>
+          </a:r>
+          <a:r>
+            <a:rPr lang="en-US" altLang="zh-CN" sz="1200" kern="1200" dirty="0" smtClean="0"/>
+            <a:t>)</a:t>
+          </a:r>
+          <a:r>
+            <a:rPr lang="zh-CN" altLang="en-US" sz="1200" kern="1200" dirty="0" smtClean="0"/>
+            <a:t>分析</a:t>
+          </a:r>
+          <a:endParaRPr lang="zh-CN" altLang="en-US" sz="1200" kern="1200" dirty="0"/>
+        </a:p>
+      </dsp:txBody>
+      <dsp:txXfrm>
+        <a:off x="3217246" y="1143426"/>
+        <a:ext cx="802904" cy="401452"/>
+      </dsp:txXfrm>
+    </dsp:sp>
+    <dsp:sp modelId="{2BEFA9A0-EDB1-4E61-AA67-41CA6A8158E1}">
+      <dsp:nvSpPr>
+        <dsp:cNvPr id="0" name=""/>
+        <dsp:cNvSpPr/>
+      </dsp:nvSpPr>
+      <dsp:spPr>
+        <a:xfrm>
+          <a:off x="3217246" y="1713488"/>
+          <a:ext cx="802904" cy="401452"/>
+        </a:xfrm>
+        <a:prstGeom prst="rect">
+          <a:avLst/>
+        </a:prstGeom>
+        <a:solidFill>
+          <a:schemeClr val="accent3">
+            <a:hueOff val="0"/>
+            <a:satOff val="0"/>
+            <a:lumOff val="0"/>
+            <a:alphaOff val="0"/>
+          </a:schemeClr>
+        </a:solidFill>
+        <a:ln w="25400" cap="flat" cmpd="sng" algn="ctr">
+          <a:solidFill>
+            <a:schemeClr val="lt1">
+              <a:hueOff val="0"/>
+              <a:satOff val="0"/>
+              <a:lumOff val="0"/>
+              <a:alphaOff val="0"/>
+            </a:schemeClr>
+          </a:solidFill>
+          <a:prstDash val="solid"/>
+        </a:ln>
+        <a:effectLst/>
+      </dsp:spPr>
+      <dsp:style>
+        <a:lnRef idx="2">
+          <a:scrgbClr r="0" g="0" b="0"/>
+        </a:lnRef>
+        <a:fillRef idx="1">
+          <a:scrgbClr r="0" g="0" b="0"/>
+        </a:fillRef>
+        <a:effectRef idx="0">
+          <a:scrgbClr r="0" g="0" b="0"/>
+        </a:effectRef>
+        <a:fontRef idx="minor">
+          <a:schemeClr val="lt1"/>
+        </a:fontRef>
+      </dsp:style>
+      <dsp:txBody>
+        <a:bodyPr spcFirstLastPara="0" vert="horz" wrap="square" lIns="7620" tIns="7620" rIns="7620" bIns="7620" numCol="1" spcCol="1270" anchor="ctr" anchorCtr="0">
+          <a:noAutofit/>
+        </a:bodyPr>
+        <a:lstStyle/>
+        <a:p>
+          <a:pPr lvl="0" algn="ctr" defTabSz="533400">
+            <a:lnSpc>
+              <a:spcPct val="90000"/>
+            </a:lnSpc>
+            <a:spcBef>
+              <a:spcPct val="0"/>
+            </a:spcBef>
+            <a:spcAft>
+              <a:spcPct val="35000"/>
+            </a:spcAft>
+          </a:pPr>
+          <a:r>
+            <a:rPr lang="zh-CN" altLang="en-US" sz="1200" kern="1200" dirty="0" smtClean="0"/>
+            <a:t>产品特性</a:t>
+          </a:r>
+          <a:endParaRPr lang="zh-CN" altLang="en-US" sz="1200" kern="1200" dirty="0"/>
+        </a:p>
+      </dsp:txBody>
+      <dsp:txXfrm>
+        <a:off x="3217246" y="1713488"/>
+        <a:ext cx="802904" cy="401452"/>
+      </dsp:txXfrm>
+    </dsp:sp>
+    <dsp:sp modelId="{A69FDD33-371F-4C07-870D-A3E33B5966F6}">
+      <dsp:nvSpPr>
+        <dsp:cNvPr id="0" name=""/>
+        <dsp:cNvSpPr/>
+      </dsp:nvSpPr>
+      <dsp:spPr>
+        <a:xfrm>
+          <a:off x="3217246" y="2283549"/>
+          <a:ext cx="802904" cy="401452"/>
+        </a:xfrm>
+        <a:prstGeom prst="rect">
+          <a:avLst/>
+        </a:prstGeom>
+        <a:solidFill>
+          <a:schemeClr val="accent3">
+            <a:hueOff val="0"/>
+            <a:satOff val="0"/>
+            <a:lumOff val="0"/>
+            <a:alphaOff val="0"/>
+          </a:schemeClr>
+        </a:solidFill>
+        <a:ln w="25400" cap="flat" cmpd="sng" algn="ctr">
+          <a:solidFill>
+            <a:schemeClr val="lt1">
+              <a:hueOff val="0"/>
+              <a:satOff val="0"/>
+              <a:lumOff val="0"/>
+              <a:alphaOff val="0"/>
+            </a:schemeClr>
+          </a:solidFill>
+          <a:prstDash val="solid"/>
+        </a:ln>
+        <a:effectLst/>
+      </dsp:spPr>
+      <dsp:style>
+        <a:lnRef idx="2">
+          <a:scrgbClr r="0" g="0" b="0"/>
+        </a:lnRef>
+        <a:fillRef idx="1">
+          <a:scrgbClr r="0" g="0" b="0"/>
+        </a:fillRef>
+        <a:effectRef idx="0">
+          <a:scrgbClr r="0" g="0" b="0"/>
+        </a:effectRef>
+        <a:fontRef idx="minor">
+          <a:schemeClr val="lt1"/>
+        </a:fontRef>
+      </dsp:style>
+      <dsp:txBody>
+        <a:bodyPr spcFirstLastPara="0" vert="horz" wrap="square" lIns="7620" tIns="7620" rIns="7620" bIns="7620" numCol="1" spcCol="1270" anchor="ctr" anchorCtr="0">
+          <a:noAutofit/>
+        </a:bodyPr>
+        <a:lstStyle/>
+        <a:p>
+          <a:pPr lvl="0" algn="ctr" defTabSz="533400">
+            <a:lnSpc>
+              <a:spcPct val="90000"/>
+            </a:lnSpc>
+            <a:spcBef>
+              <a:spcPct val="0"/>
+            </a:spcBef>
+            <a:spcAft>
+              <a:spcPct val="35000"/>
+            </a:spcAft>
+          </a:pPr>
+          <a:r>
+            <a:rPr lang="zh-CN" altLang="en-US" sz="1200" kern="1200" dirty="0" smtClean="0"/>
+            <a:t>功能列表</a:t>
+          </a:r>
+          <a:endParaRPr lang="zh-CN" altLang="en-US" sz="1200" kern="1200" dirty="0"/>
+        </a:p>
+      </dsp:txBody>
+      <dsp:txXfrm>
+        <a:off x="3217246" y="2283549"/>
+        <a:ext cx="802904" cy="401452"/>
+      </dsp:txXfrm>
+    </dsp:sp>
+    <dsp:sp modelId="{1530DA7C-A6FF-4061-A445-FCBFEC0C8BE7}">
+      <dsp:nvSpPr>
+        <dsp:cNvPr id="0" name=""/>
+        <dsp:cNvSpPr/>
+      </dsp:nvSpPr>
+      <dsp:spPr>
+        <a:xfrm>
+          <a:off x="3217246" y="2853611"/>
+          <a:ext cx="802904" cy="401452"/>
+        </a:xfrm>
+        <a:prstGeom prst="rect">
+          <a:avLst/>
+        </a:prstGeom>
+        <a:solidFill>
+          <a:schemeClr val="accent3">
+            <a:hueOff val="0"/>
+            <a:satOff val="0"/>
+            <a:lumOff val="0"/>
+            <a:alphaOff val="0"/>
+          </a:schemeClr>
+        </a:solidFill>
+        <a:ln w="25400" cap="flat" cmpd="sng" algn="ctr">
+          <a:solidFill>
+            <a:schemeClr val="lt1">
+              <a:hueOff val="0"/>
+              <a:satOff val="0"/>
+              <a:lumOff val="0"/>
+              <a:alphaOff val="0"/>
+            </a:schemeClr>
+          </a:solidFill>
+          <a:prstDash val="solid"/>
+        </a:ln>
+        <a:effectLst/>
+      </dsp:spPr>
+      <dsp:style>
+        <a:lnRef idx="2">
+          <a:scrgbClr r="0" g="0" b="0"/>
+        </a:lnRef>
+        <a:fillRef idx="1">
+          <a:scrgbClr r="0" g="0" b="0"/>
+        </a:fillRef>
+        <a:effectRef idx="0">
+          <a:scrgbClr r="0" g="0" b="0"/>
+        </a:effectRef>
+        <a:fontRef idx="minor">
+          <a:schemeClr val="lt1"/>
+        </a:fontRef>
+      </dsp:style>
+      <dsp:txBody>
+        <a:bodyPr spcFirstLastPara="0" vert="horz" wrap="square" lIns="7620" tIns="7620" rIns="7620" bIns="7620" numCol="1" spcCol="1270" anchor="ctr" anchorCtr="0">
+          <a:noAutofit/>
+        </a:bodyPr>
+        <a:lstStyle/>
+        <a:p>
+          <a:pPr lvl="0" algn="ctr" defTabSz="533400">
+            <a:lnSpc>
+              <a:spcPct val="90000"/>
+            </a:lnSpc>
+            <a:spcBef>
+              <a:spcPct val="0"/>
+            </a:spcBef>
+            <a:spcAft>
+              <a:spcPct val="35000"/>
+            </a:spcAft>
+          </a:pPr>
+          <a:r>
+            <a:rPr lang="zh-CN" altLang="en-US" sz="1200" kern="1200" dirty="0" smtClean="0"/>
+            <a:t>权限列表</a:t>
+          </a:r>
+          <a:endParaRPr lang="zh-CN" altLang="en-US" sz="1200" kern="1200" dirty="0"/>
+        </a:p>
+      </dsp:txBody>
+      <dsp:txXfrm>
+        <a:off x="3217246" y="2853611"/>
+        <a:ext cx="802904" cy="401452"/>
+      </dsp:txXfrm>
+    </dsp:sp>
+    <dsp:sp modelId="{1441A4CF-179D-4700-9EB7-339A8338CB2F}">
+      <dsp:nvSpPr>
+        <dsp:cNvPr id="0" name=""/>
+        <dsp:cNvSpPr/>
+      </dsp:nvSpPr>
+      <dsp:spPr>
+        <a:xfrm>
+          <a:off x="4188760" y="573364"/>
+          <a:ext cx="802904" cy="401452"/>
+        </a:xfrm>
+        <a:prstGeom prst="rect">
+          <a:avLst/>
+        </a:prstGeom>
+        <a:solidFill>
+          <a:schemeClr val="accent2">
+            <a:hueOff val="0"/>
+            <a:satOff val="0"/>
+            <a:lumOff val="0"/>
+            <a:alphaOff val="0"/>
+          </a:schemeClr>
+        </a:solidFill>
+        <a:ln w="25400" cap="flat" cmpd="sng" algn="ctr">
+          <a:solidFill>
+            <a:schemeClr val="lt1">
+              <a:hueOff val="0"/>
+              <a:satOff val="0"/>
+              <a:lumOff val="0"/>
+              <a:alphaOff val="0"/>
+            </a:schemeClr>
+          </a:solidFill>
+          <a:prstDash val="solid"/>
+        </a:ln>
+        <a:effectLst/>
+      </dsp:spPr>
+      <dsp:style>
+        <a:lnRef idx="2">
+          <a:scrgbClr r="0" g="0" b="0"/>
+        </a:lnRef>
+        <a:fillRef idx="1">
+          <a:scrgbClr r="0" g="0" b="0"/>
+        </a:fillRef>
+        <a:effectRef idx="0">
+          <a:scrgbClr r="0" g="0" b="0"/>
+        </a:effectRef>
+        <a:fontRef idx="minor">
+          <a:schemeClr val="lt1"/>
+        </a:fontRef>
+      </dsp:style>
+      <dsp:txBody>
+        <a:bodyPr spcFirstLastPara="0" vert="horz" wrap="square" lIns="7620" tIns="7620" rIns="7620" bIns="7620" numCol="1" spcCol="1270" anchor="ctr" anchorCtr="0">
+          <a:noAutofit/>
+        </a:bodyPr>
+        <a:lstStyle/>
+        <a:p>
+          <a:pPr lvl="0" algn="ctr" defTabSz="533400">
+            <a:lnSpc>
+              <a:spcPct val="90000"/>
+            </a:lnSpc>
+            <a:spcBef>
+              <a:spcPct val="0"/>
+            </a:spcBef>
+            <a:spcAft>
+              <a:spcPct val="35000"/>
+            </a:spcAft>
+          </a:pPr>
+          <a:r>
+            <a:rPr lang="zh-CN" altLang="en-US" sz="1200" kern="1200" dirty="0" smtClean="0"/>
+            <a:t>功能性需求</a:t>
+          </a:r>
+          <a:endParaRPr lang="zh-CN" altLang="en-US" sz="1200" kern="1200" dirty="0"/>
+        </a:p>
+      </dsp:txBody>
+      <dsp:txXfrm>
+        <a:off x="4188760" y="573364"/>
+        <a:ext cx="802904" cy="401452"/>
+      </dsp:txXfrm>
+    </dsp:sp>
+    <dsp:sp modelId="{C0121A04-05AA-4B48-AFA8-ACE93F1028E7}">
+      <dsp:nvSpPr>
+        <dsp:cNvPr id="0" name=""/>
+        <dsp:cNvSpPr/>
+      </dsp:nvSpPr>
+      <dsp:spPr>
+        <a:xfrm>
+          <a:off x="4188760" y="1143426"/>
+          <a:ext cx="802904" cy="401452"/>
+        </a:xfrm>
+        <a:prstGeom prst="rect">
+          <a:avLst/>
+        </a:prstGeom>
+        <a:solidFill>
+          <a:schemeClr val="accent3">
+            <a:hueOff val="0"/>
+            <a:satOff val="0"/>
+            <a:lumOff val="0"/>
+            <a:alphaOff val="0"/>
+          </a:schemeClr>
+        </a:solidFill>
+        <a:ln w="25400" cap="flat" cmpd="sng" algn="ctr">
+          <a:solidFill>
+            <a:schemeClr val="lt1">
+              <a:hueOff val="0"/>
+              <a:satOff val="0"/>
+              <a:lumOff val="0"/>
+              <a:alphaOff val="0"/>
+            </a:schemeClr>
+          </a:solidFill>
+          <a:prstDash val="solid"/>
+        </a:ln>
+        <a:effectLst/>
+      </dsp:spPr>
+      <dsp:style>
+        <a:lnRef idx="2">
+          <a:scrgbClr r="0" g="0" b="0"/>
+        </a:lnRef>
+        <a:fillRef idx="1">
+          <a:scrgbClr r="0" g="0" b="0"/>
+        </a:fillRef>
+        <a:effectRef idx="0">
+          <a:scrgbClr r="0" g="0" b="0"/>
+        </a:effectRef>
+        <a:fontRef idx="minor">
+          <a:schemeClr val="lt1"/>
+        </a:fontRef>
+      </dsp:style>
+      <dsp:txBody>
+        <a:bodyPr spcFirstLastPara="0" vert="horz" wrap="square" lIns="7620" tIns="7620" rIns="7620" bIns="7620" numCol="1" spcCol="1270" anchor="ctr" anchorCtr="0">
+          <a:noAutofit/>
+        </a:bodyPr>
+        <a:lstStyle/>
+        <a:p>
+          <a:pPr lvl="0" algn="ctr" defTabSz="533400">
+            <a:lnSpc>
+              <a:spcPct val="90000"/>
+            </a:lnSpc>
+            <a:spcBef>
+              <a:spcPct val="0"/>
+            </a:spcBef>
+            <a:spcAft>
+              <a:spcPct val="35000"/>
+            </a:spcAft>
+          </a:pPr>
+          <a:r>
+            <a:rPr lang="zh-CN" altLang="en-US" sz="1200" kern="1200" dirty="0" smtClean="0"/>
+            <a:t>场景</a:t>
+          </a:r>
+          <a:endParaRPr lang="zh-CN" altLang="en-US" sz="1200" kern="1200" dirty="0"/>
+        </a:p>
+      </dsp:txBody>
+      <dsp:txXfrm>
+        <a:off x="4188760" y="1143426"/>
+        <a:ext cx="802904" cy="401452"/>
+      </dsp:txXfrm>
+    </dsp:sp>
+    <dsp:sp modelId="{8412E902-9DBA-4049-999F-2458BBB25DDC}">
+      <dsp:nvSpPr>
+        <dsp:cNvPr id="0" name=""/>
+        <dsp:cNvSpPr/>
+      </dsp:nvSpPr>
+      <dsp:spPr>
+        <a:xfrm>
+          <a:off x="4389486" y="1713488"/>
+          <a:ext cx="802904" cy="401452"/>
+        </a:xfrm>
+        <a:prstGeom prst="rect">
+          <a:avLst/>
+        </a:prstGeom>
+        <a:solidFill>
+          <a:schemeClr val="accent4">
+            <a:hueOff val="0"/>
+            <a:satOff val="0"/>
+            <a:lumOff val="0"/>
+            <a:alphaOff val="0"/>
+          </a:schemeClr>
+        </a:solidFill>
+        <a:ln w="25400" cap="flat" cmpd="sng" algn="ctr">
+          <a:solidFill>
+            <a:schemeClr val="lt1">
+              <a:hueOff val="0"/>
+              <a:satOff val="0"/>
+              <a:lumOff val="0"/>
+              <a:alphaOff val="0"/>
+            </a:schemeClr>
+          </a:solidFill>
+          <a:prstDash val="solid"/>
+        </a:ln>
+        <a:effectLst/>
+      </dsp:spPr>
+      <dsp:style>
+        <a:lnRef idx="2">
+          <a:scrgbClr r="0" g="0" b="0"/>
+        </a:lnRef>
+        <a:fillRef idx="1">
+          <a:scrgbClr r="0" g="0" b="0"/>
+        </a:fillRef>
+        <a:effectRef idx="0">
+          <a:scrgbClr r="0" g="0" b="0"/>
+        </a:effectRef>
+        <a:fontRef idx="minor">
+          <a:schemeClr val="lt1"/>
+        </a:fontRef>
+      </dsp:style>
+      <dsp:txBody>
+        <a:bodyPr spcFirstLastPara="0" vert="horz" wrap="square" lIns="7620" tIns="7620" rIns="7620" bIns="7620" numCol="1" spcCol="1270" anchor="ctr" anchorCtr="0">
+          <a:noAutofit/>
+        </a:bodyPr>
+        <a:lstStyle/>
+        <a:p>
+          <a:pPr lvl="0" algn="ctr" defTabSz="533400">
+            <a:lnSpc>
+              <a:spcPct val="90000"/>
+            </a:lnSpc>
+            <a:spcBef>
+              <a:spcPct val="0"/>
+            </a:spcBef>
+            <a:spcAft>
+              <a:spcPct val="35000"/>
+            </a:spcAft>
+          </a:pPr>
+          <a:r>
+            <a:rPr lang="zh-CN" altLang="en-US" sz="1200" kern="1200" dirty="0" smtClean="0"/>
+            <a:t>用例</a:t>
+          </a:r>
+          <a:r>
+            <a:rPr lang="en-US" altLang="zh-CN" sz="1200" kern="1200" dirty="0" smtClean="0"/>
+            <a:t>1</a:t>
+          </a:r>
+        </a:p>
+      </dsp:txBody>
+      <dsp:txXfrm>
+        <a:off x="4389486" y="1713488"/>
+        <a:ext cx="802904" cy="401452"/>
+      </dsp:txXfrm>
+    </dsp:sp>
+    <dsp:sp modelId="{2DBB1969-D363-4474-B285-6BB2B3A7FD54}">
+      <dsp:nvSpPr>
+        <dsp:cNvPr id="0" name=""/>
+        <dsp:cNvSpPr/>
+      </dsp:nvSpPr>
+      <dsp:spPr>
+        <a:xfrm>
+          <a:off x="4389486" y="2283549"/>
+          <a:ext cx="802904" cy="401452"/>
+        </a:xfrm>
+        <a:prstGeom prst="rect">
+          <a:avLst/>
+        </a:prstGeom>
+        <a:solidFill>
+          <a:schemeClr val="accent4">
+            <a:hueOff val="0"/>
+            <a:satOff val="0"/>
+            <a:lumOff val="0"/>
+            <a:alphaOff val="0"/>
+          </a:schemeClr>
+        </a:solidFill>
+        <a:ln w="25400" cap="flat" cmpd="sng" algn="ctr">
+          <a:solidFill>
+            <a:schemeClr val="lt1">
+              <a:hueOff val="0"/>
+              <a:satOff val="0"/>
+              <a:lumOff val="0"/>
+              <a:alphaOff val="0"/>
+            </a:schemeClr>
+          </a:solidFill>
+          <a:prstDash val="solid"/>
+        </a:ln>
+        <a:effectLst/>
+      </dsp:spPr>
+      <dsp:style>
+        <a:lnRef idx="2">
+          <a:scrgbClr r="0" g="0" b="0"/>
+        </a:lnRef>
+        <a:fillRef idx="1">
+          <a:scrgbClr r="0" g="0" b="0"/>
+        </a:fillRef>
+        <a:effectRef idx="0">
+          <a:scrgbClr r="0" g="0" b="0"/>
+        </a:effectRef>
+        <a:fontRef idx="minor">
+          <a:schemeClr val="lt1"/>
+        </a:fontRef>
+      </dsp:style>
+      <dsp:txBody>
+        <a:bodyPr spcFirstLastPara="0" vert="horz" wrap="square" lIns="7620" tIns="7620" rIns="7620" bIns="7620" numCol="1" spcCol="1270" anchor="ctr" anchorCtr="0">
+          <a:noAutofit/>
+        </a:bodyPr>
+        <a:lstStyle/>
+        <a:p>
+          <a:pPr lvl="0" algn="ctr" defTabSz="533400">
+            <a:lnSpc>
+              <a:spcPct val="90000"/>
+            </a:lnSpc>
+            <a:spcBef>
+              <a:spcPct val="0"/>
+            </a:spcBef>
+            <a:spcAft>
+              <a:spcPct val="35000"/>
+            </a:spcAft>
+          </a:pPr>
+          <a:r>
+            <a:rPr lang="zh-CN" altLang="en-US" sz="1200" kern="1200" dirty="0" smtClean="0"/>
+            <a:t>用例</a:t>
+          </a:r>
+          <a:r>
+            <a:rPr lang="en-US" altLang="zh-CN" sz="1200" kern="1200" dirty="0" smtClean="0"/>
+            <a:t>2</a:t>
+          </a:r>
+          <a:endParaRPr lang="zh-CN" altLang="en-US" sz="1200" kern="1200" dirty="0"/>
+        </a:p>
+      </dsp:txBody>
+      <dsp:txXfrm>
+        <a:off x="4389486" y="2283549"/>
+        <a:ext cx="802904" cy="401452"/>
+      </dsp:txXfrm>
+    </dsp:sp>
+    <dsp:sp modelId="{2055BEE0-6890-406C-8847-12EEC727E7FD}">
+      <dsp:nvSpPr>
+        <dsp:cNvPr id="0" name=""/>
+        <dsp:cNvSpPr/>
+      </dsp:nvSpPr>
+      <dsp:spPr>
+        <a:xfrm>
+          <a:off x="5160274" y="573364"/>
+          <a:ext cx="802904" cy="401452"/>
+        </a:xfrm>
+        <a:prstGeom prst="rect">
+          <a:avLst/>
+        </a:prstGeom>
+        <a:solidFill>
+          <a:schemeClr val="accent2">
+            <a:hueOff val="0"/>
+            <a:satOff val="0"/>
+            <a:lumOff val="0"/>
+            <a:alphaOff val="0"/>
+          </a:schemeClr>
+        </a:solidFill>
+        <a:ln w="25400" cap="flat" cmpd="sng" algn="ctr">
+          <a:solidFill>
+            <a:schemeClr val="lt1">
+              <a:hueOff val="0"/>
+              <a:satOff val="0"/>
+              <a:lumOff val="0"/>
+              <a:alphaOff val="0"/>
+            </a:schemeClr>
+          </a:solidFill>
+          <a:prstDash val="solid"/>
+        </a:ln>
+        <a:effectLst/>
+      </dsp:spPr>
+      <dsp:style>
+        <a:lnRef idx="2">
+          <a:scrgbClr r="0" g="0" b="0"/>
+        </a:lnRef>
+        <a:fillRef idx="1">
+          <a:scrgbClr r="0" g="0" b="0"/>
+        </a:fillRef>
+        <a:effectRef idx="0">
+          <a:scrgbClr r="0" g="0" b="0"/>
+        </a:effectRef>
+        <a:fontRef idx="minor">
+          <a:schemeClr val="lt1"/>
+        </a:fontRef>
+      </dsp:style>
+      <dsp:txBody>
+        <a:bodyPr spcFirstLastPara="0" vert="horz" wrap="square" lIns="7620" tIns="7620" rIns="7620" bIns="7620" numCol="1" spcCol="1270" anchor="ctr" anchorCtr="0">
+          <a:noAutofit/>
+        </a:bodyPr>
+        <a:lstStyle/>
+        <a:p>
+          <a:pPr lvl="0" algn="ctr" defTabSz="533400">
+            <a:lnSpc>
+              <a:spcPct val="90000"/>
+            </a:lnSpc>
+            <a:spcBef>
+              <a:spcPct val="0"/>
+            </a:spcBef>
+            <a:spcAft>
+              <a:spcPct val="35000"/>
+            </a:spcAft>
+          </a:pPr>
+          <a:r>
+            <a:rPr lang="zh-CN" altLang="en-US" sz="1200" kern="1200" dirty="0" smtClean="0"/>
+            <a:t>非功能性需求</a:t>
+          </a:r>
+          <a:endParaRPr lang="zh-CN" altLang="en-US" sz="1200" kern="1200" dirty="0"/>
+        </a:p>
+      </dsp:txBody>
+      <dsp:txXfrm>
+        <a:off x="5160274" y="573364"/>
+        <a:ext cx="802904" cy="401452"/>
+      </dsp:txXfrm>
+    </dsp:sp>
+    <dsp:sp modelId="{F6447634-95CC-451F-9F65-9CAE6E472BB0}">
+      <dsp:nvSpPr>
+        <dsp:cNvPr id="0" name=""/>
+        <dsp:cNvSpPr/>
+      </dsp:nvSpPr>
+      <dsp:spPr>
+        <a:xfrm>
+          <a:off x="5361000" y="1143426"/>
+          <a:ext cx="802904" cy="401452"/>
+        </a:xfrm>
+        <a:prstGeom prst="rect">
+          <a:avLst/>
+        </a:prstGeom>
+        <a:solidFill>
+          <a:schemeClr val="accent3">
+            <a:hueOff val="0"/>
+            <a:satOff val="0"/>
+            <a:lumOff val="0"/>
+            <a:alphaOff val="0"/>
+          </a:schemeClr>
+        </a:solidFill>
+        <a:ln w="25400" cap="flat" cmpd="sng" algn="ctr">
+          <a:solidFill>
+            <a:schemeClr val="lt1">
+              <a:hueOff val="0"/>
+              <a:satOff val="0"/>
+              <a:lumOff val="0"/>
+              <a:alphaOff val="0"/>
+            </a:schemeClr>
+          </a:solidFill>
+          <a:prstDash val="solid"/>
+        </a:ln>
+        <a:effectLst/>
+      </dsp:spPr>
+      <dsp:style>
+        <a:lnRef idx="2">
+          <a:scrgbClr r="0" g="0" b="0"/>
+        </a:lnRef>
+        <a:fillRef idx="1">
+          <a:scrgbClr r="0" g="0" b="0"/>
+        </a:fillRef>
+        <a:effectRef idx="0">
+          <a:scrgbClr r="0" g="0" b="0"/>
+        </a:effectRef>
+        <a:fontRef idx="minor">
+          <a:schemeClr val="lt1"/>
+        </a:fontRef>
+      </dsp:style>
+      <dsp:txBody>
+        <a:bodyPr spcFirstLastPara="0" vert="horz" wrap="square" lIns="7620" tIns="7620" rIns="7620" bIns="7620" numCol="1" spcCol="1270" anchor="ctr" anchorCtr="0">
+          <a:noAutofit/>
+        </a:bodyPr>
+        <a:lstStyle/>
+        <a:p>
+          <a:pPr lvl="0" algn="ctr" defTabSz="533400">
+            <a:lnSpc>
+              <a:spcPct val="90000"/>
+            </a:lnSpc>
+            <a:spcBef>
+              <a:spcPct val="0"/>
+            </a:spcBef>
+            <a:spcAft>
+              <a:spcPct val="35000"/>
+            </a:spcAft>
+          </a:pPr>
+          <a:r>
+            <a:rPr lang="zh-CN" altLang="en-US" sz="1200" kern="1200" dirty="0" smtClean="0"/>
+            <a:t>指标参数</a:t>
+          </a:r>
+          <a:endParaRPr lang="zh-CN" altLang="en-US" sz="1200" kern="1200" dirty="0"/>
+        </a:p>
+      </dsp:txBody>
+      <dsp:txXfrm>
+        <a:off x="5361000" y="1143426"/>
+        <a:ext cx="802904" cy="401452"/>
+      </dsp:txXfrm>
+    </dsp:sp>
+    <dsp:sp modelId="{BFA24D2D-E9B5-4C52-BAF1-031B23B414AF}">
+      <dsp:nvSpPr>
+        <dsp:cNvPr id="0" name=""/>
+        <dsp:cNvSpPr/>
+      </dsp:nvSpPr>
+      <dsp:spPr>
+        <a:xfrm>
+          <a:off x="5361000" y="1713488"/>
+          <a:ext cx="802904" cy="401452"/>
+        </a:xfrm>
+        <a:prstGeom prst="rect">
+          <a:avLst/>
+        </a:prstGeom>
+        <a:solidFill>
+          <a:schemeClr val="accent3">
+            <a:hueOff val="0"/>
+            <a:satOff val="0"/>
+            <a:lumOff val="0"/>
+            <a:alphaOff val="0"/>
+          </a:schemeClr>
+        </a:solidFill>
+        <a:ln w="25400" cap="flat" cmpd="sng" algn="ctr">
+          <a:solidFill>
+            <a:schemeClr val="lt1">
+              <a:hueOff val="0"/>
+              <a:satOff val="0"/>
+              <a:lumOff val="0"/>
+              <a:alphaOff val="0"/>
+            </a:schemeClr>
+          </a:solidFill>
+          <a:prstDash val="solid"/>
+        </a:ln>
+        <a:effectLst/>
+      </dsp:spPr>
+      <dsp:style>
+        <a:lnRef idx="2">
+          <a:scrgbClr r="0" g="0" b="0"/>
+        </a:lnRef>
+        <a:fillRef idx="1">
+          <a:scrgbClr r="0" g="0" b="0"/>
+        </a:fillRef>
+        <a:effectRef idx="0">
+          <a:scrgbClr r="0" g="0" b="0"/>
+        </a:effectRef>
+        <a:fontRef idx="minor">
+          <a:schemeClr val="lt1"/>
+        </a:fontRef>
+      </dsp:style>
+      <dsp:txBody>
+        <a:bodyPr spcFirstLastPara="0" vert="horz" wrap="square" lIns="7620" tIns="7620" rIns="7620" bIns="7620" numCol="1" spcCol="1270" anchor="ctr" anchorCtr="0">
+          <a:noAutofit/>
+        </a:bodyPr>
+        <a:lstStyle/>
+        <a:p>
+          <a:pPr lvl="0" algn="ctr" defTabSz="533400">
+            <a:lnSpc>
+              <a:spcPct val="90000"/>
+            </a:lnSpc>
+            <a:spcBef>
+              <a:spcPct val="0"/>
+            </a:spcBef>
+            <a:spcAft>
+              <a:spcPct val="35000"/>
+            </a:spcAft>
+          </a:pPr>
+          <a:r>
+            <a:rPr lang="zh-CN" altLang="en-US" sz="1200" kern="1200" dirty="0" smtClean="0"/>
+            <a:t>扩展性</a:t>
+          </a:r>
+          <a:endParaRPr lang="en-US" altLang="zh-CN" sz="1200" kern="1200" dirty="0" smtClean="0"/>
+        </a:p>
+      </dsp:txBody>
+      <dsp:txXfrm>
+        <a:off x="5361000" y="1713488"/>
+        <a:ext cx="802904" cy="401452"/>
+      </dsp:txXfrm>
+    </dsp:sp>
+    <dsp:sp modelId="{E94D85CE-3661-4C79-BE8D-6BD2FD8B959D}">
+      <dsp:nvSpPr>
+        <dsp:cNvPr id="0" name=""/>
+        <dsp:cNvSpPr/>
+      </dsp:nvSpPr>
+      <dsp:spPr>
+        <a:xfrm>
+          <a:off x="5361000" y="2283549"/>
+          <a:ext cx="802904" cy="401452"/>
+        </a:xfrm>
+        <a:prstGeom prst="rect">
+          <a:avLst/>
+        </a:prstGeom>
+        <a:solidFill>
+          <a:schemeClr val="accent3">
+            <a:hueOff val="0"/>
+            <a:satOff val="0"/>
+            <a:lumOff val="0"/>
+            <a:alphaOff val="0"/>
+          </a:schemeClr>
+        </a:solidFill>
+        <a:ln w="25400" cap="flat" cmpd="sng" algn="ctr">
+          <a:solidFill>
+            <a:schemeClr val="lt1">
+              <a:hueOff val="0"/>
+              <a:satOff val="0"/>
+              <a:lumOff val="0"/>
+              <a:alphaOff val="0"/>
+            </a:schemeClr>
+          </a:solidFill>
+          <a:prstDash val="solid"/>
+        </a:ln>
+        <a:effectLst/>
+      </dsp:spPr>
+      <dsp:style>
+        <a:lnRef idx="2">
+          <a:scrgbClr r="0" g="0" b="0"/>
+        </a:lnRef>
+        <a:fillRef idx="1">
+          <a:scrgbClr r="0" g="0" b="0"/>
+        </a:fillRef>
+        <a:effectRef idx="0">
+          <a:scrgbClr r="0" g="0" b="0"/>
+        </a:effectRef>
+        <a:fontRef idx="minor">
+          <a:schemeClr val="lt1"/>
+        </a:fontRef>
+      </dsp:style>
+      <dsp:txBody>
+        <a:bodyPr spcFirstLastPara="0" vert="horz" wrap="square" lIns="7620" tIns="7620" rIns="7620" bIns="7620" numCol="1" spcCol="1270" anchor="ctr" anchorCtr="0">
+          <a:noAutofit/>
+        </a:bodyPr>
+        <a:lstStyle/>
+        <a:p>
+          <a:pPr lvl="0" algn="ctr" defTabSz="533400">
+            <a:lnSpc>
+              <a:spcPct val="90000"/>
+            </a:lnSpc>
+            <a:spcBef>
+              <a:spcPct val="0"/>
+            </a:spcBef>
+            <a:spcAft>
+              <a:spcPct val="35000"/>
+            </a:spcAft>
+          </a:pPr>
+          <a:r>
+            <a:rPr lang="zh-CN" altLang="en-US" sz="1200" kern="1200" dirty="0" smtClean="0"/>
+            <a:t>安全性</a:t>
+          </a:r>
+          <a:endParaRPr lang="en-US" altLang="zh-CN" sz="1200" kern="1200" dirty="0" smtClean="0"/>
+        </a:p>
+      </dsp:txBody>
+      <dsp:txXfrm>
+        <a:off x="5361000" y="2283549"/>
+        <a:ext cx="802904" cy="401452"/>
+      </dsp:txXfrm>
+    </dsp:sp>
+    <dsp:sp modelId="{433D32A8-444B-4989-84B8-78C66DF91D31}">
+      <dsp:nvSpPr>
+        <dsp:cNvPr id="0" name=""/>
+        <dsp:cNvSpPr/>
+      </dsp:nvSpPr>
+      <dsp:spPr>
+        <a:xfrm>
+          <a:off x="5361000" y="2853611"/>
+          <a:ext cx="802904" cy="401452"/>
+        </a:xfrm>
+        <a:prstGeom prst="rect">
+          <a:avLst/>
+        </a:prstGeom>
+        <a:solidFill>
+          <a:schemeClr val="accent3">
+            <a:hueOff val="0"/>
+            <a:satOff val="0"/>
+            <a:lumOff val="0"/>
+            <a:alphaOff val="0"/>
+          </a:schemeClr>
+        </a:solidFill>
+        <a:ln w="25400" cap="flat" cmpd="sng" algn="ctr">
+          <a:solidFill>
+            <a:schemeClr val="lt1">
+              <a:hueOff val="0"/>
+              <a:satOff val="0"/>
+              <a:lumOff val="0"/>
+              <a:alphaOff val="0"/>
+            </a:schemeClr>
+          </a:solidFill>
+          <a:prstDash val="solid"/>
+        </a:ln>
+        <a:effectLst/>
+      </dsp:spPr>
+      <dsp:style>
+        <a:lnRef idx="2">
+          <a:scrgbClr r="0" g="0" b="0"/>
+        </a:lnRef>
+        <a:fillRef idx="1">
+          <a:scrgbClr r="0" g="0" b="0"/>
+        </a:fillRef>
+        <a:effectRef idx="0">
+          <a:scrgbClr r="0" g="0" b="0"/>
+        </a:effectRef>
+        <a:fontRef idx="minor">
+          <a:schemeClr val="lt1"/>
+        </a:fontRef>
+      </dsp:style>
+      <dsp:txBody>
+        <a:bodyPr spcFirstLastPara="0" vert="horz" wrap="square" lIns="7620" tIns="7620" rIns="7620" bIns="7620" numCol="1" spcCol="1270" anchor="ctr" anchorCtr="0">
+          <a:noAutofit/>
+        </a:bodyPr>
+        <a:lstStyle/>
+        <a:p>
+          <a:pPr lvl="0" algn="ctr" defTabSz="533400">
+            <a:lnSpc>
+              <a:spcPct val="90000"/>
+            </a:lnSpc>
+            <a:spcBef>
+              <a:spcPct val="0"/>
+            </a:spcBef>
+            <a:spcAft>
+              <a:spcPct val="35000"/>
+            </a:spcAft>
+          </a:pPr>
+          <a:r>
+            <a:rPr lang="zh-CN" altLang="en-US" sz="1200" kern="1200" dirty="0" smtClean="0"/>
+            <a:t>可管理性</a:t>
+          </a:r>
+          <a:endParaRPr lang="en-US" altLang="zh-CN" sz="1200" kern="1200" dirty="0" smtClean="0"/>
+        </a:p>
+      </dsp:txBody>
+      <dsp:txXfrm>
+        <a:off x="5361000" y="2853611"/>
+        <a:ext cx="802904" cy="401452"/>
+      </dsp:txXfrm>
+    </dsp:sp>
+    <dsp:sp modelId="{5979A703-6941-4EF9-B5BF-FDC5DC7ADC7F}">
+      <dsp:nvSpPr>
+        <dsp:cNvPr id="0" name=""/>
+        <dsp:cNvSpPr/>
+      </dsp:nvSpPr>
+      <dsp:spPr>
+        <a:xfrm>
+          <a:off x="5361000" y="3423673"/>
+          <a:ext cx="802904" cy="401452"/>
+        </a:xfrm>
+        <a:prstGeom prst="rect">
+          <a:avLst/>
+        </a:prstGeom>
+        <a:solidFill>
+          <a:schemeClr val="accent3">
+            <a:hueOff val="0"/>
+            <a:satOff val="0"/>
+            <a:lumOff val="0"/>
+            <a:alphaOff val="0"/>
+          </a:schemeClr>
+        </a:solidFill>
+        <a:ln w="25400" cap="flat" cmpd="sng" algn="ctr">
+          <a:solidFill>
+            <a:schemeClr val="lt1">
+              <a:hueOff val="0"/>
+              <a:satOff val="0"/>
+              <a:lumOff val="0"/>
+              <a:alphaOff val="0"/>
+            </a:schemeClr>
+          </a:solidFill>
+          <a:prstDash val="solid"/>
+        </a:ln>
+        <a:effectLst/>
+      </dsp:spPr>
+      <dsp:style>
+        <a:lnRef idx="2">
+          <a:scrgbClr r="0" g="0" b="0"/>
+        </a:lnRef>
+        <a:fillRef idx="1">
+          <a:scrgbClr r="0" g="0" b="0"/>
+        </a:fillRef>
+        <a:effectRef idx="0">
+          <a:scrgbClr r="0" g="0" b="0"/>
+        </a:effectRef>
+        <a:fontRef idx="minor">
+          <a:schemeClr val="lt1"/>
+        </a:fontRef>
+      </dsp:style>
+      <dsp:txBody>
+        <a:bodyPr spcFirstLastPara="0" vert="horz" wrap="square" lIns="7620" tIns="7620" rIns="7620" bIns="7620" numCol="1" spcCol="1270" anchor="ctr" anchorCtr="0">
+          <a:noAutofit/>
+        </a:bodyPr>
+        <a:lstStyle/>
+        <a:p>
+          <a:pPr lvl="0" algn="ctr" defTabSz="533400">
+            <a:lnSpc>
+              <a:spcPct val="90000"/>
+            </a:lnSpc>
+            <a:spcBef>
+              <a:spcPct val="0"/>
+            </a:spcBef>
+            <a:spcAft>
+              <a:spcPct val="35000"/>
+            </a:spcAft>
+          </a:pPr>
+          <a:r>
+            <a:rPr lang="zh-CN" altLang="en-US" sz="1200" kern="1200" dirty="0" smtClean="0"/>
+            <a:t>可支持性</a:t>
+          </a:r>
+          <a:endParaRPr lang="en-US" altLang="zh-CN" sz="1200" kern="1200" dirty="0" smtClean="0"/>
+        </a:p>
+      </dsp:txBody>
+      <dsp:txXfrm>
+        <a:off x="5361000" y="3423673"/>
+        <a:ext cx="802904" cy="401452"/>
+      </dsp:txXfrm>
+    </dsp:sp>
+    <dsp:sp modelId="{6B3D3807-F102-4BBB-9B44-70247DDF586D}">
+      <dsp:nvSpPr>
+        <dsp:cNvPr id="0" name=""/>
+        <dsp:cNvSpPr/>
+      </dsp:nvSpPr>
+      <dsp:spPr>
+        <a:xfrm>
+          <a:off x="5361000" y="3993735"/>
+          <a:ext cx="802904" cy="401452"/>
+        </a:xfrm>
+        <a:prstGeom prst="rect">
+          <a:avLst/>
+        </a:prstGeom>
+        <a:solidFill>
+          <a:schemeClr val="accent3">
+            <a:hueOff val="0"/>
+            <a:satOff val="0"/>
+            <a:lumOff val="0"/>
+            <a:alphaOff val="0"/>
+          </a:schemeClr>
+        </a:solidFill>
+        <a:ln w="25400" cap="flat" cmpd="sng" algn="ctr">
+          <a:solidFill>
+            <a:schemeClr val="lt1">
+              <a:hueOff val="0"/>
+              <a:satOff val="0"/>
+              <a:lumOff val="0"/>
+              <a:alphaOff val="0"/>
+            </a:schemeClr>
+          </a:solidFill>
+          <a:prstDash val="solid"/>
+        </a:ln>
+        <a:effectLst/>
+      </dsp:spPr>
+      <dsp:style>
+        <a:lnRef idx="2">
+          <a:scrgbClr r="0" g="0" b="0"/>
+        </a:lnRef>
+        <a:fillRef idx="1">
+          <a:scrgbClr r="0" g="0" b="0"/>
+        </a:fillRef>
+        <a:effectRef idx="0">
+          <a:scrgbClr r="0" g="0" b="0"/>
+        </a:effectRef>
+        <a:fontRef idx="minor">
+          <a:schemeClr val="lt1"/>
+        </a:fontRef>
+      </dsp:style>
+      <dsp:txBody>
+        <a:bodyPr spcFirstLastPara="0" vert="horz" wrap="square" lIns="7620" tIns="7620" rIns="7620" bIns="7620" numCol="1" spcCol="1270" anchor="ctr" anchorCtr="0">
+          <a:noAutofit/>
+        </a:bodyPr>
+        <a:lstStyle/>
+        <a:p>
+          <a:pPr lvl="0" algn="ctr" defTabSz="533400">
+            <a:lnSpc>
+              <a:spcPct val="90000"/>
+            </a:lnSpc>
+            <a:spcBef>
+              <a:spcPct val="0"/>
+            </a:spcBef>
+            <a:spcAft>
+              <a:spcPct val="35000"/>
+            </a:spcAft>
+          </a:pPr>
+          <a:r>
+            <a:rPr lang="zh-CN" altLang="en-US" sz="1200" kern="1200" dirty="0" smtClean="0"/>
+            <a:t>可用性</a:t>
+          </a:r>
+          <a:r>
+            <a:rPr lang="en-US" altLang="zh-CN" sz="1200" kern="1200" dirty="0" smtClean="0"/>
+            <a:t>/</a:t>
+          </a:r>
+          <a:r>
+            <a:rPr lang="zh-CN" altLang="en-US" sz="1200" kern="1200" dirty="0" smtClean="0"/>
+            <a:t>可靠性</a:t>
+          </a:r>
+          <a:endParaRPr lang="en-US" altLang="zh-CN" sz="1200" kern="1200" dirty="0" smtClean="0"/>
+        </a:p>
+      </dsp:txBody>
+      <dsp:txXfrm>
+        <a:off x="5361000" y="3993735"/>
+        <a:ext cx="802904" cy="401452"/>
+      </dsp:txXfrm>
+    </dsp:sp>
+    <dsp:sp modelId="{7FDF2A48-98A9-4340-AA79-D24551AD8035}">
+      <dsp:nvSpPr>
+        <dsp:cNvPr id="0" name=""/>
+        <dsp:cNvSpPr/>
+      </dsp:nvSpPr>
+      <dsp:spPr>
+        <a:xfrm>
+          <a:off x="5361000" y="4563797"/>
+          <a:ext cx="802904" cy="401452"/>
+        </a:xfrm>
+        <a:prstGeom prst="rect">
+          <a:avLst/>
+        </a:prstGeom>
+        <a:solidFill>
+          <a:schemeClr val="accent3">
+            <a:hueOff val="0"/>
+            <a:satOff val="0"/>
+            <a:lumOff val="0"/>
+            <a:alphaOff val="0"/>
+          </a:schemeClr>
+        </a:solidFill>
+        <a:ln w="25400" cap="flat" cmpd="sng" algn="ctr">
+          <a:solidFill>
+            <a:schemeClr val="lt1">
+              <a:hueOff val="0"/>
+              <a:satOff val="0"/>
+              <a:lumOff val="0"/>
+              <a:alphaOff val="0"/>
+            </a:schemeClr>
+          </a:solidFill>
+          <a:prstDash val="solid"/>
+        </a:ln>
+        <a:effectLst/>
+      </dsp:spPr>
+      <dsp:style>
+        <a:lnRef idx="2">
+          <a:scrgbClr r="0" g="0" b="0"/>
+        </a:lnRef>
+        <a:fillRef idx="1">
+          <a:scrgbClr r="0" g="0" b="0"/>
+        </a:fillRef>
+        <a:effectRef idx="0">
+          <a:scrgbClr r="0" g="0" b="0"/>
+        </a:effectRef>
+        <a:fontRef idx="minor">
+          <a:schemeClr val="lt1"/>
+        </a:fontRef>
+      </dsp:style>
+      <dsp:txBody>
+        <a:bodyPr spcFirstLastPara="0" vert="horz" wrap="square" lIns="7620" tIns="7620" rIns="7620" bIns="7620" numCol="1" spcCol="1270" anchor="ctr" anchorCtr="0">
+          <a:noAutofit/>
+        </a:bodyPr>
+        <a:lstStyle/>
+        <a:p>
+          <a:pPr lvl="0" algn="ctr" defTabSz="533400">
+            <a:lnSpc>
+              <a:spcPct val="90000"/>
+            </a:lnSpc>
+            <a:spcBef>
+              <a:spcPct val="0"/>
+            </a:spcBef>
+            <a:spcAft>
+              <a:spcPct val="35000"/>
+            </a:spcAft>
+          </a:pPr>
+          <a:r>
+            <a:rPr lang="zh-CN" altLang="en-US" sz="1200" kern="1200" dirty="0" smtClean="0"/>
+            <a:t>培训需求</a:t>
+          </a:r>
+          <a:r>
+            <a:rPr lang="en-US" altLang="zh-CN" sz="1200" kern="1200" dirty="0" smtClean="0"/>
+            <a:t>/</a:t>
+          </a:r>
+          <a:r>
+            <a:rPr lang="zh-CN" altLang="en-US" sz="1200" kern="1200" dirty="0" smtClean="0"/>
+            <a:t>运营需求</a:t>
+          </a:r>
+          <a:endParaRPr lang="en-US" altLang="zh-CN" sz="1200" kern="1200" dirty="0" smtClean="0"/>
+        </a:p>
+      </dsp:txBody>
+      <dsp:txXfrm>
+        <a:off x="5361000" y="4563797"/>
+        <a:ext cx="802904" cy="401452"/>
+      </dsp:txXfrm>
+    </dsp:sp>
+    <dsp:sp modelId="{1A449793-029B-4C7E-AE4D-5FC52FC9DFD0}">
+      <dsp:nvSpPr>
+        <dsp:cNvPr id="0" name=""/>
+        <dsp:cNvSpPr/>
+      </dsp:nvSpPr>
+      <dsp:spPr>
+        <a:xfrm>
+          <a:off x="6131788" y="573364"/>
+          <a:ext cx="802904" cy="401452"/>
+        </a:xfrm>
+        <a:prstGeom prst="rect">
+          <a:avLst/>
+        </a:prstGeom>
+        <a:solidFill>
+          <a:schemeClr val="accent2">
+            <a:hueOff val="0"/>
+            <a:satOff val="0"/>
+            <a:lumOff val="0"/>
+            <a:alphaOff val="0"/>
+          </a:schemeClr>
+        </a:solidFill>
+        <a:ln w="25400" cap="flat" cmpd="sng" algn="ctr">
+          <a:solidFill>
+            <a:schemeClr val="lt1">
+              <a:hueOff val="0"/>
+              <a:satOff val="0"/>
+              <a:lumOff val="0"/>
+              <a:alphaOff val="0"/>
+            </a:schemeClr>
+          </a:solidFill>
+          <a:prstDash val="solid"/>
+        </a:ln>
+        <a:effectLst/>
+      </dsp:spPr>
+      <dsp:style>
+        <a:lnRef idx="2">
+          <a:scrgbClr r="0" g="0" b="0"/>
+        </a:lnRef>
+        <a:fillRef idx="1">
+          <a:scrgbClr r="0" g="0" b="0"/>
+        </a:fillRef>
+        <a:effectRef idx="0">
+          <a:scrgbClr r="0" g="0" b="0"/>
+        </a:effectRef>
+        <a:fontRef idx="minor">
+          <a:schemeClr val="lt1"/>
+        </a:fontRef>
+      </dsp:style>
+      <dsp:txBody>
+        <a:bodyPr spcFirstLastPara="0" vert="horz" wrap="square" lIns="7620" tIns="7620" rIns="7620" bIns="7620" numCol="1" spcCol="1270" anchor="ctr" anchorCtr="0">
+          <a:noAutofit/>
+        </a:bodyPr>
+        <a:lstStyle/>
+        <a:p>
+          <a:pPr lvl="0" algn="ctr" defTabSz="533400">
+            <a:lnSpc>
+              <a:spcPct val="90000"/>
+            </a:lnSpc>
+            <a:spcBef>
+              <a:spcPct val="0"/>
+            </a:spcBef>
+            <a:spcAft>
+              <a:spcPct val="35000"/>
+            </a:spcAft>
+          </a:pPr>
+          <a:r>
+            <a:rPr lang="zh-CN" altLang="en-US" sz="1200" kern="1200" dirty="0" smtClean="0"/>
+            <a:t>附录</a:t>
+          </a:r>
+          <a:endParaRPr lang="zh-CN" altLang="en-US" sz="1200" kern="1200" dirty="0"/>
+        </a:p>
+      </dsp:txBody>
+      <dsp:txXfrm>
+        <a:off x="6131788" y="573364"/>
+        <a:ext cx="802904" cy="401452"/>
+      </dsp:txXfrm>
+    </dsp:sp>
+    <dsp:sp modelId="{9B6E60B6-FC90-48BB-BDCD-8EB1F9D105F1}">
+      <dsp:nvSpPr>
+        <dsp:cNvPr id="0" name=""/>
+        <dsp:cNvSpPr/>
+      </dsp:nvSpPr>
+      <dsp:spPr>
+        <a:xfrm>
+          <a:off x="6332514" y="1143426"/>
+          <a:ext cx="802904" cy="401452"/>
+        </a:xfrm>
+        <a:prstGeom prst="rect">
+          <a:avLst/>
+        </a:prstGeom>
+        <a:solidFill>
+          <a:schemeClr val="accent3">
+            <a:hueOff val="0"/>
+            <a:satOff val="0"/>
+            <a:lumOff val="0"/>
+            <a:alphaOff val="0"/>
+          </a:schemeClr>
+        </a:solidFill>
+        <a:ln w="25400" cap="flat" cmpd="sng" algn="ctr">
+          <a:solidFill>
+            <a:schemeClr val="lt1">
+              <a:hueOff val="0"/>
+              <a:satOff val="0"/>
+              <a:lumOff val="0"/>
+              <a:alphaOff val="0"/>
+            </a:schemeClr>
+          </a:solidFill>
+          <a:prstDash val="solid"/>
+        </a:ln>
+        <a:effectLst/>
+      </dsp:spPr>
+      <dsp:style>
+        <a:lnRef idx="2">
+          <a:scrgbClr r="0" g="0" b="0"/>
+        </a:lnRef>
+        <a:fillRef idx="1">
+          <a:scrgbClr r="0" g="0" b="0"/>
+        </a:fillRef>
+        <a:effectRef idx="0">
+          <a:scrgbClr r="0" g="0" b="0"/>
+        </a:effectRef>
+        <a:fontRef idx="minor">
+          <a:schemeClr val="lt1"/>
+        </a:fontRef>
+      </dsp:style>
+      <dsp:txBody>
+        <a:bodyPr spcFirstLastPara="0" vert="horz" wrap="square" lIns="7620" tIns="7620" rIns="7620" bIns="7620" numCol="1" spcCol="1270" anchor="ctr" anchorCtr="0">
+          <a:noAutofit/>
+        </a:bodyPr>
+        <a:lstStyle/>
+        <a:p>
+          <a:pPr lvl="0" algn="ctr" defTabSz="533400">
+            <a:lnSpc>
+              <a:spcPct val="90000"/>
+            </a:lnSpc>
+            <a:spcBef>
+              <a:spcPct val="0"/>
+            </a:spcBef>
+            <a:spcAft>
+              <a:spcPct val="35000"/>
+            </a:spcAft>
+          </a:pPr>
+          <a:r>
+            <a:rPr lang="zh-CN" altLang="en-US" sz="1200" kern="1200" dirty="0" smtClean="0"/>
+            <a:t>修改记录</a:t>
+          </a:r>
+          <a:endParaRPr lang="zh-CN" altLang="en-US" sz="1200" kern="1200" dirty="0"/>
+        </a:p>
+      </dsp:txBody>
+      <dsp:txXfrm>
+        <a:off x="6332514" y="1143426"/>
+        <a:ext cx="802904" cy="401452"/>
+      </dsp:txXfrm>
+    </dsp:sp>
+    <dsp:sp modelId="{1AFC684E-3E01-4C9D-9193-EACE3DB26A3B}">
+      <dsp:nvSpPr>
+        <dsp:cNvPr id="0" name=""/>
+        <dsp:cNvSpPr/>
+      </dsp:nvSpPr>
+      <dsp:spPr>
+        <a:xfrm>
+          <a:off x="6332514" y="1713488"/>
+          <a:ext cx="802904" cy="401452"/>
+        </a:xfrm>
+        <a:prstGeom prst="rect">
+          <a:avLst/>
+        </a:prstGeom>
+        <a:solidFill>
+          <a:schemeClr val="accent3">
+            <a:hueOff val="0"/>
+            <a:satOff val="0"/>
+            <a:lumOff val="0"/>
+            <a:alphaOff val="0"/>
+          </a:schemeClr>
+        </a:solidFill>
+        <a:ln w="25400" cap="flat" cmpd="sng" algn="ctr">
+          <a:solidFill>
+            <a:schemeClr val="lt1">
+              <a:hueOff val="0"/>
+              <a:satOff val="0"/>
+              <a:lumOff val="0"/>
+              <a:alphaOff val="0"/>
+            </a:schemeClr>
+          </a:solidFill>
+          <a:prstDash val="solid"/>
+        </a:ln>
+        <a:effectLst/>
+      </dsp:spPr>
+      <dsp:style>
+        <a:lnRef idx="2">
+          <a:scrgbClr r="0" g="0" b="0"/>
+        </a:lnRef>
+        <a:fillRef idx="1">
+          <a:scrgbClr r="0" g="0" b="0"/>
+        </a:fillRef>
+        <a:effectRef idx="0">
+          <a:scrgbClr r="0" g="0" b="0"/>
+        </a:effectRef>
+        <a:fontRef idx="minor">
+          <a:schemeClr val="lt1"/>
+        </a:fontRef>
+      </dsp:style>
+      <dsp:txBody>
+        <a:bodyPr spcFirstLastPara="0" vert="horz" wrap="square" lIns="7620" tIns="7620" rIns="7620" bIns="7620" numCol="1" spcCol="1270" anchor="ctr" anchorCtr="0">
+          <a:noAutofit/>
+        </a:bodyPr>
+        <a:lstStyle/>
+        <a:p>
+          <a:pPr lvl="0" algn="ctr" defTabSz="533400">
+            <a:lnSpc>
+              <a:spcPct val="90000"/>
+            </a:lnSpc>
+            <a:spcBef>
+              <a:spcPct val="0"/>
+            </a:spcBef>
+            <a:spcAft>
+              <a:spcPct val="35000"/>
+            </a:spcAft>
+          </a:pPr>
+          <a:r>
+            <a:rPr lang="zh-CN" altLang="en-US" sz="1200" kern="1200" dirty="0" smtClean="0"/>
+            <a:t>参考资料</a:t>
+          </a:r>
+          <a:endParaRPr lang="zh-CN" altLang="en-US" sz="1200" kern="1200" dirty="0"/>
+        </a:p>
+      </dsp:txBody>
+      <dsp:txXfrm>
+        <a:off x="6332514" y="1713488"/>
+        <a:ext cx="802904" cy="401452"/>
+      </dsp:txXfrm>
+    </dsp:sp>
   </dsp:spTree>
 </dsp:drawing>
 </file>
@@ -11222,11 +15504,11 @@
 </file>
 
 <file path=ppt/diagrams/quickStyle1.xml><?xml version="1.0" encoding="utf-8"?>
-<dgm:styleDef xmlns:dgm="http://schemas.openxmlformats.org/drawingml/2006/diagram" xmlns:a="http://schemas.openxmlformats.org/drawingml/2006/main" uniqueId="urn:microsoft.com/office/officeart/2005/8/quickstyle/simple5">
+<dgm:styleDef xmlns:dgm="http://schemas.openxmlformats.org/drawingml/2006/diagram" xmlns:a="http://schemas.openxmlformats.org/drawingml/2006/main" uniqueId="urn:microsoft.com/office/officeart/2005/8/quickstyle/simple1">
   <dgm:title val=""/>
   <dgm:desc val=""/>
   <dgm:catLst>
-    <dgm:cat type="simple" pri="10500"/>
+    <dgm:cat type="simple" pri="10100"/>
   </dgm:catLst>
   <dgm:scene3d>
     <a:camera prst="orthographicFront"/>
@@ -11240,13 +15522,13 @@
     <dgm:sp3d/>
     <dgm:txPr/>
     <dgm:style>
-      <a:lnRef idx="0">
+      <a:lnRef idx="2">
         <a:scrgbClr r="0" g="0" b="0"/>
       </a:lnRef>
-      <a:fillRef idx="3">
+      <a:fillRef idx="1">
         <a:scrgbClr r="0" g="0" b="0"/>
       </a:fillRef>
-      <a:effectRef idx="3">
+      <a:effectRef idx="0">
         <a:scrgbClr r="0" g="0" b="0"/>
       </a:effectRef>
       <a:fontRef idx="minor">
@@ -11262,13 +15544,13 @@
     <dgm:sp3d/>
     <dgm:txPr/>
     <dgm:style>
-      <a:lnRef idx="0">
+      <a:lnRef idx="2">
         <a:scrgbClr r="0" g="0" b="0"/>
       </a:lnRef>
-      <a:fillRef idx="3">
+      <a:fillRef idx="1">
         <a:scrgbClr r="0" g="0" b="0"/>
       </a:fillRef>
-      <a:effectRef idx="3">
+      <a:effectRef idx="0">
         <a:scrgbClr r="0" g="0" b="0"/>
       </a:effectRef>
       <a:fontRef idx="minor">
@@ -11284,13 +15566,13 @@
     <dgm:sp3d/>
     <dgm:txPr/>
     <dgm:style>
-      <a:lnRef idx="0">
+      <a:lnRef idx="2">
         <a:scrgbClr r="0" g="0" b="0"/>
       </a:lnRef>
-      <a:fillRef idx="3">
+      <a:fillRef idx="1">
         <a:scrgbClr r="0" g="0" b="0"/>
       </a:fillRef>
-      <a:effectRef idx="3">
+      <a:effectRef idx="0">
         <a:scrgbClr r="0" g="0" b="0"/>
       </a:effectRef>
       <a:fontRef idx="minor">
@@ -11306,13 +15588,13 @@
     <dgm:sp3d/>
     <dgm:txPr/>
     <dgm:style>
-      <a:lnRef idx="1">
+      <a:lnRef idx="2">
         <a:scrgbClr r="0" g="0" b="0"/>
       </a:lnRef>
-      <a:fillRef idx="3">
+      <a:fillRef idx="1">
         <a:scrgbClr r="0" g="0" b="0"/>
       </a:fillRef>
-      <a:effectRef idx="3">
+      <a:effectRef idx="0">
         <a:scrgbClr r="0" g="0" b="0"/>
       </a:effectRef>
       <a:fontRef idx="minor">
@@ -11328,13 +15610,13 @@
     <dgm:sp3d/>
     <dgm:txPr/>
     <dgm:style>
-      <a:lnRef idx="0">
+      <a:lnRef idx="2">
         <a:scrgbClr r="0" g="0" b="0"/>
       </a:lnRef>
-      <a:fillRef idx="3">
+      <a:fillRef idx="1">
         <a:scrgbClr r="0" g="0" b="0"/>
       </a:fillRef>
-      <a:effectRef idx="3">
+      <a:effectRef idx="0">
         <a:scrgbClr r="0" g="0" b="0"/>
       </a:effectRef>
       <a:fontRef idx="minor">
@@ -11350,13 +15632,13 @@
     <dgm:sp3d/>
     <dgm:txPr/>
     <dgm:style>
-      <a:lnRef idx="0">
+      <a:lnRef idx="2">
         <a:scrgbClr r="0" g="0" b="0"/>
       </a:lnRef>
-      <a:fillRef idx="3">
+      <a:fillRef idx="1">
         <a:scrgbClr r="0" g="0" b="0"/>
       </a:fillRef>
-      <a:effectRef idx="3">
+      <a:effectRef idx="0">
         <a:scrgbClr r="0" g="0" b="0"/>
       </a:effectRef>
       <a:fontRef idx="minor">
@@ -11372,13 +15654,13 @@
     <dgm:sp3d/>
     <dgm:txPr/>
     <dgm:style>
-      <a:lnRef idx="0">
+      <a:lnRef idx="2">
         <a:scrgbClr r="0" g="0" b="0"/>
       </a:lnRef>
-      <a:fillRef idx="3">
+      <a:fillRef idx="1">
         <a:scrgbClr r="0" g="0" b="0"/>
       </a:fillRef>
-      <a:effectRef idx="3">
+      <a:effectRef idx="0">
         <a:scrgbClr r="0" g="0" b="0"/>
       </a:effectRef>
       <a:fontRef idx="minor">
@@ -11394,13 +15676,13 @@
     <dgm:sp3d/>
     <dgm:txPr/>
     <dgm:style>
-      <a:lnRef idx="0">
+      <a:lnRef idx="2">
         <a:scrgbClr r="0" g="0" b="0"/>
       </a:lnRef>
-      <a:fillRef idx="3">
+      <a:fillRef idx="1">
         <a:scrgbClr r="0" g="0" b="0"/>
       </a:fillRef>
-      <a:effectRef idx="3">
+      <a:effectRef idx="0">
         <a:scrgbClr r="0" g="0" b="0"/>
       </a:effectRef>
       <a:fontRef idx="minor">
@@ -11416,13 +15698,13 @@
     <dgm:sp3d/>
     <dgm:txPr/>
     <dgm:style>
-      <a:lnRef idx="0">
+      <a:lnRef idx="2">
         <a:scrgbClr r="0" g="0" b="0"/>
       </a:lnRef>
       <a:fillRef idx="1">
         <a:scrgbClr r="0" g="0" b="0"/>
       </a:fillRef>
-      <a:effectRef idx="3">
+      <a:effectRef idx="0">
         <a:scrgbClr r="0" g="0" b="0"/>
       </a:effectRef>
       <a:fontRef idx="minor"/>
@@ -11436,13 +15718,13 @@
     <dgm:sp3d/>
     <dgm:txPr/>
     <dgm:style>
-      <a:lnRef idx="0">
+      <a:lnRef idx="2">
         <a:scrgbClr r="0" g="0" b="0"/>
       </a:lnRef>
       <a:fillRef idx="1">
         <a:scrgbClr r="0" g="0" b="0"/>
       </a:fillRef>
-      <a:effectRef idx="3">
+      <a:effectRef idx="0">
         <a:scrgbClr r="0" g="0" b="0"/>
       </a:effectRef>
       <a:fontRef idx="minor"/>
@@ -11456,13 +15738,13 @@
     <dgm:sp3d/>
     <dgm:txPr/>
     <dgm:style>
-      <a:lnRef idx="0">
+      <a:lnRef idx="2">
         <a:scrgbClr r="0" g="0" b="0"/>
       </a:lnRef>
       <a:fillRef idx="1">
         <a:scrgbClr r="0" g="0" b="0"/>
       </a:fillRef>
-      <a:effectRef idx="3">
+      <a:effectRef idx="0">
         <a:scrgbClr r="0" g="0" b="0"/>
       </a:effectRef>
       <a:fontRef idx="minor"/>
@@ -11479,10 +15761,10 @@
       <a:lnRef idx="0">
         <a:scrgbClr r="0" g="0" b="0"/>
       </a:lnRef>
-      <a:fillRef idx="3">
+      <a:fillRef idx="1">
         <a:scrgbClr r="0" g="0" b="0"/>
       </a:fillRef>
-      <a:effectRef idx="3">
+      <a:effectRef idx="0">
         <a:scrgbClr r="0" g="0" b="0"/>
       </a:effectRef>
       <a:fontRef idx="minor">
@@ -11501,10 +15783,10 @@
       <a:lnRef idx="0">
         <a:scrgbClr r="0" g="0" b="0"/>
       </a:lnRef>
-      <a:fillRef idx="3">
+      <a:fillRef idx="1">
         <a:scrgbClr r="0" g="0" b="0"/>
       </a:fillRef>
-      <a:effectRef idx="3">
+      <a:effectRef idx="0">
         <a:scrgbClr r="0" g="0" b="0"/>
       </a:effectRef>
       <a:fontRef idx="minor">
@@ -11523,10 +15805,10 @@
       <a:lnRef idx="0">
         <a:scrgbClr r="0" g="0" b="0"/>
       </a:lnRef>
-      <a:fillRef idx="3">
+      <a:fillRef idx="1">
         <a:scrgbClr r="0" g="0" b="0"/>
       </a:fillRef>
-      <a:effectRef idx="3">
+      <a:effectRef idx="0">
         <a:scrgbClr r="0" g="0" b="0"/>
       </a:effectRef>
       <a:fontRef idx="minor">
@@ -11562,13 +15844,13 @@
     <dgm:sp3d/>
     <dgm:txPr/>
     <dgm:style>
-      <a:lnRef idx="1">
+      <a:lnRef idx="2">
         <a:scrgbClr r="0" g="0" b="0"/>
       </a:lnRef>
-      <a:fillRef idx="0">
+      <a:fillRef idx="1">
         <a:scrgbClr r="0" g="0" b="0"/>
       </a:fillRef>
-      <a:effectRef idx="1">
+      <a:effectRef idx="0">
         <a:scrgbClr r="0" g="0" b="0"/>
       </a:effectRef>
       <a:fontRef idx="minor"/>
@@ -11582,13 +15864,13 @@
     <dgm:sp3d/>
     <dgm:txPr/>
     <dgm:style>
-      <a:lnRef idx="0">
+      <a:lnRef idx="2">
         <a:scrgbClr r="0" g="0" b="0"/>
       </a:lnRef>
-      <a:fillRef idx="3">
+      <a:fillRef idx="1">
         <a:scrgbClr r="0" g="0" b="0"/>
       </a:fillRef>
-      <a:effectRef idx="3">
+      <a:effectRef idx="0">
         <a:scrgbClr r="0" g="0" b="0"/>
       </a:effectRef>
       <a:fontRef idx="minor">
@@ -11604,13 +15886,13 @@
     <dgm:sp3d/>
     <dgm:txPr/>
     <dgm:style>
-      <a:lnRef idx="0">
+      <a:lnRef idx="2">
         <a:scrgbClr r="0" g="0" b="0"/>
       </a:lnRef>
-      <a:fillRef idx="3">
+      <a:fillRef idx="1">
         <a:scrgbClr r="0" g="0" b="0"/>
       </a:fillRef>
-      <a:effectRef idx="3">
+      <a:effectRef idx="0">
         <a:scrgbClr r="0" g="0" b="0"/>
       </a:effectRef>
       <a:fontRef idx="minor">
@@ -11626,13 +15908,13 @@
     <dgm:sp3d/>
     <dgm:txPr/>
     <dgm:style>
-      <a:lnRef idx="0">
+      <a:lnRef idx="2">
         <a:scrgbClr r="0" g="0" b="0"/>
       </a:lnRef>
-      <a:fillRef idx="3">
+      <a:fillRef idx="1">
         <a:scrgbClr r="0" g="0" b="0"/>
       </a:fillRef>
-      <a:effectRef idx="3">
+      <a:effectRef idx="0">
         <a:scrgbClr r="0" g="0" b="0"/>
       </a:effectRef>
       <a:fontRef idx="minor">
@@ -11648,13 +15930,13 @@
     <dgm:sp3d/>
     <dgm:txPr/>
     <dgm:style>
-      <a:lnRef idx="0">
+      <a:lnRef idx="2">
         <a:scrgbClr r="0" g="0" b="0"/>
       </a:lnRef>
-      <a:fillRef idx="3">
+      <a:fillRef idx="1">
         <a:scrgbClr r="0" g="0" b="0"/>
       </a:fillRef>
-      <a:effectRef idx="3">
+      <a:effectRef idx="0">
         <a:scrgbClr r="0" g="0" b="0"/>
       </a:effectRef>
       <a:fontRef idx="minor">
@@ -11670,13 +15952,13 @@
     <dgm:sp3d/>
     <dgm:txPr/>
     <dgm:style>
-      <a:lnRef idx="0">
+      <a:lnRef idx="2">
         <a:scrgbClr r="0" g="0" b="0"/>
       </a:lnRef>
-      <a:fillRef idx="3">
+      <a:fillRef idx="1">
         <a:scrgbClr r="0" g="0" b="0"/>
       </a:fillRef>
-      <a:effectRef idx="3">
+      <a:effectRef idx="0">
         <a:scrgbClr r="0" g="0" b="0"/>
       </a:effectRef>
       <a:fontRef idx="minor">
@@ -11692,13 +15974,13 @@
     <dgm:sp3d/>
     <dgm:txPr/>
     <dgm:style>
-      <a:lnRef idx="0">
+      <a:lnRef idx="2">
         <a:scrgbClr r="0" g="0" b="0"/>
       </a:lnRef>
-      <a:fillRef idx="3">
+      <a:fillRef idx="1">
         <a:scrgbClr r="0" g="0" b="0"/>
       </a:fillRef>
-      <a:effectRef idx="3">
+      <a:effectRef idx="0">
         <a:scrgbClr r="0" g="0" b="0"/>
       </a:effectRef>
       <a:fontRef idx="minor">
@@ -11714,13 +15996,13 @@
     <dgm:sp3d/>
     <dgm:txPr/>
     <dgm:style>
-      <a:lnRef idx="0">
+      <a:lnRef idx="2">
         <a:scrgbClr r="0" g="0" b="0"/>
       </a:lnRef>
-      <a:fillRef idx="3">
+      <a:fillRef idx="1">
         <a:scrgbClr r="0" g="0" b="0"/>
       </a:fillRef>
-      <a:effectRef idx="3">
+      <a:effectRef idx="0">
         <a:scrgbClr r="0" g="0" b="0"/>
       </a:effectRef>
       <a:fontRef idx="minor">
@@ -11736,13 +16018,13 @@
     <dgm:sp3d/>
     <dgm:txPr/>
     <dgm:style>
-      <a:lnRef idx="0">
+      <a:lnRef idx="2">
         <a:scrgbClr r="0" g="0" b="0"/>
       </a:lnRef>
-      <a:fillRef idx="3">
+      <a:fillRef idx="1">
         <a:scrgbClr r="0" g="0" b="0"/>
       </a:fillRef>
-      <a:effectRef idx="3">
+      <a:effectRef idx="0">
         <a:scrgbClr r="0" g="0" b="0"/>
       </a:effectRef>
       <a:fontRef idx="minor">
@@ -11758,13 +16040,13 @@
     <dgm:sp3d/>
     <dgm:txPr/>
     <dgm:style>
-      <a:lnRef idx="0">
+      <a:lnRef idx="2">
         <a:scrgbClr r="0" g="0" b="0"/>
       </a:lnRef>
-      <a:fillRef idx="3">
+      <a:fillRef idx="1">
         <a:scrgbClr r="0" g="0" b="0"/>
       </a:fillRef>
-      <a:effectRef idx="3">
+      <a:effectRef idx="0">
         <a:scrgbClr r="0" g="0" b="0"/>
       </a:effectRef>
       <a:fontRef idx="minor">
@@ -11860,13 +16142,13 @@
     <dgm:sp3d/>
     <dgm:txPr/>
     <dgm:style>
-      <a:lnRef idx="1">
+      <a:lnRef idx="2">
         <a:scrgbClr r="0" g="0" b="0"/>
       </a:lnRef>
       <a:fillRef idx="1">
         <a:scrgbClr r="0" g="0" b="0"/>
       </a:fillRef>
-      <a:effectRef idx="2">
+      <a:effectRef idx="0">
         <a:scrgbClr r="0" g="0" b="0"/>
       </a:effectRef>
       <a:fontRef idx="minor"/>
@@ -11880,13 +16162,13 @@
     <dgm:sp3d/>
     <dgm:txPr/>
     <dgm:style>
-      <a:lnRef idx="1">
+      <a:lnRef idx="2">
         <a:scrgbClr r="0" g="0" b="0"/>
       </a:lnRef>
       <a:fillRef idx="1">
         <a:scrgbClr r="0" g="0" b="0"/>
       </a:fillRef>
-      <a:effectRef idx="2">
+      <a:effectRef idx="0">
         <a:scrgbClr r="0" g="0" b="0"/>
       </a:effectRef>
       <a:fontRef idx="minor"/>
@@ -11900,13 +16182,13 @@
     <dgm:sp3d/>
     <dgm:txPr/>
     <dgm:style>
-      <a:lnRef idx="1">
+      <a:lnRef idx="2">
         <a:scrgbClr r="0" g="0" b="0"/>
       </a:lnRef>
       <a:fillRef idx="1">
         <a:scrgbClr r="0" g="0" b="0"/>
       </a:fillRef>
-      <a:effectRef idx="2">
+      <a:effectRef idx="0">
         <a:scrgbClr r="0" g="0" b="0"/>
       </a:effectRef>
       <a:fontRef idx="minor"/>
@@ -11940,13 +16222,13 @@
     <dgm:sp3d/>
     <dgm:txPr/>
     <dgm:style>
-      <a:lnRef idx="1">
+      <a:lnRef idx="2">
         <a:scrgbClr r="0" g="0" b="0"/>
       </a:lnRef>
       <a:fillRef idx="1">
         <a:scrgbClr r="0" g="0" b="0"/>
       </a:fillRef>
-      <a:effectRef idx="2">
+      <a:effectRef idx="0">
         <a:scrgbClr r="0" g="0" b="0"/>
       </a:effectRef>
       <a:fontRef idx="minor"/>
@@ -11960,13 +16242,13 @@
     <dgm:sp3d/>
     <dgm:txPr/>
     <dgm:style>
-      <a:lnRef idx="1">
+      <a:lnRef idx="2">
         <a:scrgbClr r="0" g="0" b="0"/>
       </a:lnRef>
       <a:fillRef idx="1">
         <a:scrgbClr r="0" g="0" b="0"/>
       </a:fillRef>
-      <a:effectRef idx="2">
+      <a:effectRef idx="0">
         <a:scrgbClr r="0" g="0" b="0"/>
       </a:effectRef>
       <a:fontRef idx="minor"/>
@@ -11980,13 +16262,13 @@
     <dgm:sp3d/>
     <dgm:txPr/>
     <dgm:style>
-      <a:lnRef idx="1">
+      <a:lnRef idx="2">
         <a:scrgbClr r="0" g="0" b="0"/>
       </a:lnRef>
       <a:fillRef idx="1">
         <a:scrgbClr r="0" g="0" b="0"/>
       </a:fillRef>
-      <a:effectRef idx="3">
+      <a:effectRef idx="0">
         <a:scrgbClr r="0" g="0" b="0"/>
       </a:effectRef>
       <a:fontRef idx="minor"/>
@@ -12000,13 +16282,13 @@
     <dgm:sp3d/>
     <dgm:txPr/>
     <dgm:style>
-      <a:lnRef idx="1">
+      <a:lnRef idx="2">
         <a:scrgbClr r="0" g="0" b="0"/>
       </a:lnRef>
       <a:fillRef idx="1">
         <a:scrgbClr r="0" g="0" b="0"/>
       </a:fillRef>
-      <a:effectRef idx="3">
+      <a:effectRef idx="0">
         <a:scrgbClr r="0" g="0" b="0"/>
       </a:effectRef>
       <a:fontRef idx="minor"/>
@@ -12020,13 +16302,13 @@
     <dgm:sp3d/>
     <dgm:txPr/>
     <dgm:style>
-      <a:lnRef idx="1">
+      <a:lnRef idx="2">
         <a:scrgbClr r="0" g="0" b="0"/>
       </a:lnRef>
       <a:fillRef idx="1">
         <a:scrgbClr r="0" g="0" b="0"/>
       </a:fillRef>
-      <a:effectRef idx="2">
+      <a:effectRef idx="0">
         <a:scrgbClr r="0" g="0" b="0"/>
       </a:effectRef>
       <a:fontRef idx="minor"/>
@@ -12040,13 +16322,13 @@
     <dgm:sp3d/>
     <dgm:txPr/>
     <dgm:style>
-      <a:lnRef idx="1">
+      <a:lnRef idx="2">
         <a:scrgbClr r="0" g="0" b="0"/>
       </a:lnRef>
       <a:fillRef idx="1">
         <a:scrgbClr r="0" g="0" b="0"/>
       </a:fillRef>
-      <a:effectRef idx="2">
+      <a:effectRef idx="0">
         <a:scrgbClr r="0" g="0" b="0"/>
       </a:effectRef>
       <a:fontRef idx="minor"/>
@@ -12060,13 +16342,13 @@
     <dgm:sp3d/>
     <dgm:txPr/>
     <dgm:style>
-      <a:lnRef idx="1">
+      <a:lnRef idx="2">
         <a:scrgbClr r="0" g="0" b="0"/>
       </a:lnRef>
       <a:fillRef idx="1">
         <a:scrgbClr r="0" g="0" b="0"/>
       </a:fillRef>
-      <a:effectRef idx="2">
+      <a:effectRef idx="0">
         <a:scrgbClr r="0" g="0" b="0"/>
       </a:effectRef>
       <a:fontRef idx="minor"/>
@@ -12080,13 +16362,13 @@
     <dgm:sp3d/>
     <dgm:txPr/>
     <dgm:style>
-      <a:lnRef idx="1">
+      <a:lnRef idx="2">
         <a:scrgbClr r="0" g="0" b="0"/>
       </a:lnRef>
       <a:fillRef idx="1">
         <a:scrgbClr r="0" g="0" b="0"/>
       </a:fillRef>
-      <a:effectRef idx="2">
+      <a:effectRef idx="0">
         <a:scrgbClr r="0" g="0" b="0"/>
       </a:effectRef>
       <a:fontRef idx="minor"/>
@@ -12100,13 +16382,13 @@
     <dgm:sp3d/>
     <dgm:txPr/>
     <dgm:style>
-      <a:lnRef idx="1">
+      <a:lnRef idx="2">
         <a:scrgbClr r="0" g="0" b="0"/>
       </a:lnRef>
       <a:fillRef idx="1">
         <a:scrgbClr r="0" g="0" b="0"/>
       </a:fillRef>
-      <a:effectRef idx="2">
+      <a:effectRef idx="0">
         <a:scrgbClr r="0" g="0" b="0"/>
       </a:effectRef>
       <a:fontRef idx="minor"/>
@@ -12120,13 +16402,13 @@
     <dgm:sp3d/>
     <dgm:txPr/>
     <dgm:style>
-      <a:lnRef idx="1">
+      <a:lnRef idx="2">
         <a:scrgbClr r="0" g="0" b="0"/>
       </a:lnRef>
       <a:fillRef idx="1">
         <a:scrgbClr r="0" g="0" b="0"/>
       </a:fillRef>
-      <a:effectRef idx="2">
+      <a:effectRef idx="0">
         <a:scrgbClr r="0" g="0" b="0"/>
       </a:effectRef>
       <a:fontRef idx="minor"/>
@@ -12140,13 +16422,13 @@
     <dgm:sp3d/>
     <dgm:txPr/>
     <dgm:style>
-      <a:lnRef idx="1">
+      <a:lnRef idx="2">
         <a:scrgbClr r="0" g="0" b="0"/>
       </a:lnRef>
       <a:fillRef idx="1">
         <a:scrgbClr r="0" g="0" b="0"/>
       </a:fillRef>
-      <a:effectRef idx="2">
+      <a:effectRef idx="0">
         <a:scrgbClr r="0" g="0" b="0"/>
       </a:effectRef>
       <a:fontRef idx="minor"/>
@@ -12166,7 +16448,7 @@
       <a:fillRef idx="1">
         <a:scrgbClr r="0" g="0" b="0"/>
       </a:fillRef>
-      <a:effectRef idx="2">
+      <a:effectRef idx="0">
         <a:scrgbClr r="0" g="0" b="0"/>
       </a:effectRef>
       <a:fontRef idx="minor"/>
@@ -12186,7 +16468,7 @@
       <a:fillRef idx="1">
         <a:scrgbClr r="0" g="0" b="0"/>
       </a:fillRef>
-      <a:effectRef idx="3">
+      <a:effectRef idx="0">
         <a:scrgbClr r="0" g="0" b="0"/>
       </a:effectRef>
       <a:fontRef idx="minor"/>
@@ -12220,13 +16502,13 @@
     <dgm:sp3d/>
     <dgm:txPr/>
     <dgm:style>
-      <a:lnRef idx="0">
+      <a:lnRef idx="2">
         <a:scrgbClr r="0" g="0" b="0"/>
       </a:lnRef>
-      <a:fillRef idx="3">
+      <a:fillRef idx="1">
         <a:scrgbClr r="0" g="0" b="0"/>
       </a:fillRef>
-      <a:effectRef idx="3">
+      <a:effectRef idx="0">
         <a:scrgbClr r="0" g="0" b="0"/>
       </a:effectRef>
       <a:fontRef idx="minor"/>
@@ -14405,7 +18687,7 @@
           <a:p>
             <a:fld id="{8B2801E3-CA6A-4A79-87E4-A028D49854B5}" type="datetimeFigureOut">
               <a:rPr lang="zh-CN" altLang="en-US" smtClean="0"/>
-              <a:t>2011/8/3</a:t>
+              <a:t>2011/8/15</a:t>
             </a:fld>
             <a:endParaRPr lang="zh-CN" altLang="en-US"/>
           </a:p>
@@ -15350,7 +19632,7 @@
           <a:p>
             <a:fld id="{530820CF-B880-4189-942D-D702A7CBA730}" type="datetimeFigureOut">
               <a:rPr lang="zh-CN" altLang="en-US" smtClean="0"/>
-              <a:t>2011/8/3</a:t>
+              <a:t>2011/8/15</a:t>
             </a:fld>
             <a:endParaRPr lang="zh-CN" altLang="en-US"/>
           </a:p>
@@ -15583,7 +19865,7 @@
           <a:p>
             <a:fld id="{530820CF-B880-4189-942D-D702A7CBA730}" type="datetimeFigureOut">
               <a:rPr lang="zh-CN" altLang="en-US" smtClean="0"/>
-              <a:t>2011/8/3</a:t>
+              <a:t>2011/8/15</a:t>
             </a:fld>
             <a:endParaRPr lang="zh-CN" altLang="en-US"/>
           </a:p>
@@ -15821,7 +20103,7 @@
           <a:p>
             <a:fld id="{530820CF-B880-4189-942D-D702A7CBA730}" type="datetimeFigureOut">
               <a:rPr lang="zh-CN" altLang="en-US" smtClean="0"/>
-              <a:t>2011/8/3</a:t>
+              <a:t>2011/8/15</a:t>
             </a:fld>
             <a:endParaRPr lang="zh-CN" altLang="en-US"/>
           </a:p>
@@ -16328,7 +20610,7 @@
           <a:p>
             <a:fld id="{530820CF-B880-4189-942D-D702A7CBA730}" type="datetimeFigureOut">
               <a:rPr lang="zh-CN" altLang="en-US" smtClean="0"/>
-              <a:t>2011/8/3</a:t>
+              <a:t>2011/8/15</a:t>
             </a:fld>
             <a:endParaRPr lang="zh-CN" altLang="en-US"/>
           </a:p>
@@ -16581,7 +20863,7 @@
           <a:p>
             <a:fld id="{530820CF-B880-4189-942D-D702A7CBA730}" type="datetimeFigureOut">
               <a:rPr lang="zh-CN" altLang="en-US" smtClean="0"/>
-              <a:t>2011/8/3</a:t>
+              <a:t>2011/8/15</a:t>
             </a:fld>
             <a:endParaRPr lang="zh-CN" altLang="en-US"/>
           </a:p>
@@ -16946,7 +21228,7 @@
           <a:p>
             <a:fld id="{530820CF-B880-4189-942D-D702A7CBA730}" type="datetimeFigureOut">
               <a:rPr lang="zh-CN" altLang="en-US" smtClean="0"/>
-              <a:t>2011/8/3</a:t>
+              <a:t>2011/8/15</a:t>
             </a:fld>
             <a:endParaRPr lang="zh-CN" altLang="en-US"/>
           </a:p>
@@ -17489,7 +21771,7 @@
           <a:p>
             <a:fld id="{530820CF-B880-4189-942D-D702A7CBA730}" type="datetimeFigureOut">
               <a:rPr lang="zh-CN" altLang="en-US" smtClean="0"/>
-              <a:t>2011/8/3</a:t>
+              <a:t>2011/8/15</a:t>
             </a:fld>
             <a:endParaRPr lang="zh-CN" altLang="en-US"/>
           </a:p>
@@ -17614,7 +21896,7 @@
           <a:p>
             <a:fld id="{530820CF-B880-4189-942D-D702A7CBA730}" type="datetimeFigureOut">
               <a:rPr lang="zh-CN" altLang="en-US" smtClean="0"/>
-              <a:t>2011/8/3</a:t>
+              <a:t>2011/8/15</a:t>
             </a:fld>
             <a:endParaRPr lang="zh-CN" altLang="en-US"/>
           </a:p>
@@ -17716,7 +21998,7 @@
           <a:p>
             <a:fld id="{530820CF-B880-4189-942D-D702A7CBA730}" type="datetimeFigureOut">
               <a:rPr lang="zh-CN" altLang="en-US" smtClean="0"/>
-              <a:t>2011/8/3</a:t>
+              <a:t>2011/8/15</a:t>
             </a:fld>
             <a:endParaRPr lang="zh-CN" altLang="en-US"/>
           </a:p>
@@ -18049,7 +22331,7 @@
           <a:p>
             <a:fld id="{530820CF-B880-4189-942D-D702A7CBA730}" type="datetimeFigureOut">
               <a:rPr lang="zh-CN" altLang="en-US" smtClean="0"/>
-              <a:t>2011/8/3</a:t>
+              <a:t>2011/8/15</a:t>
             </a:fld>
             <a:endParaRPr lang="zh-CN" altLang="en-US"/>
           </a:p>
@@ -18320,7 +22602,7 @@
           <a:p>
             <a:fld id="{530820CF-B880-4189-942D-D702A7CBA730}" type="datetimeFigureOut">
               <a:rPr lang="zh-CN" altLang="en-US" smtClean="0"/>
-              <a:t>2011/8/3</a:t>
+              <a:t>2011/8/15</a:t>
             </a:fld>
             <a:endParaRPr lang="zh-CN" altLang="en-US"/>
           </a:p>
@@ -18757,7 +23039,7 @@
           <a:p>
             <a:fld id="{530820CF-B880-4189-942D-D702A7CBA730}" type="datetimeFigureOut">
               <a:rPr lang="zh-CN" altLang="en-US" smtClean="0"/>
-              <a:t>2011/8/3</a:t>
+              <a:t>2011/8/15</a:t>
             </a:fld>
             <a:endParaRPr lang="zh-CN" altLang="en-US"/>
           </a:p>
@@ -20690,24 +24972,35 @@
           <a:p>
             <a:r>
               <a:rPr lang="zh-CN" altLang="en-US" dirty="0" smtClean="0"/>
-              <a:t>充分理解干系人需求</a:t>
+              <a:t>不忘愿景</a:t>
             </a:r>
             <a:endParaRPr lang="en-US" altLang="zh-CN" dirty="0" smtClean="0"/>
           </a:p>
           <a:p>
             <a:r>
-              <a:rPr lang="zh-CN" altLang="en-US" dirty="0"/>
-              <a:t>将功能映射</a:t>
-            </a:r>
-            <a:r>
               <a:rPr lang="zh-CN" altLang="en-US" dirty="0" smtClean="0"/>
-              <a:t>到最终用户和业务需求</a:t>
+              <a:t>充</a:t>
+            </a:r>
+            <a:r>
+              <a:rPr lang="zh-CN" altLang="en-US" dirty="0" smtClean="0"/>
+              <a:t>分理解干系人需求</a:t>
             </a:r>
             <a:endParaRPr lang="en-US" altLang="zh-CN" dirty="0" smtClean="0"/>
           </a:p>
           <a:p>
             <a:r>
-              <a:rPr lang="zh-CN" altLang="en-US"/>
+              <a:rPr lang="zh-CN" altLang="en-US" dirty="0"/>
+              <a:t>将功能映射</a:t>
+            </a:r>
+            <a:r>
+              <a:rPr lang="zh-CN" altLang="en-US" dirty="0" smtClean="0"/>
+              <a:t>到最终用户和业务需求</a:t>
+            </a:r>
+            <a:endParaRPr lang="en-US" altLang="zh-CN" dirty="0" smtClean="0"/>
+          </a:p>
+          <a:p>
+            <a:r>
+              <a:rPr lang="zh-CN" altLang="en-US" dirty="0"/>
               <a:t>将约束和假设作为输入</a:t>
             </a:r>
             <a:endParaRPr lang="en-US" altLang="zh-CN" dirty="0" smtClean="0"/>
@@ -28380,7 +32673,7 @@
           <p:nvPr>
             <p:extLst>
               <p:ext uri="{D42A27DB-BD31-4B8C-83A1-F6EECF244321}">
-                <p14:modId xmlns:p14="http://schemas.microsoft.com/office/powerpoint/2010/main" val="1970103383"/>
+                <p14:modId xmlns:p14="http://schemas.microsoft.com/office/powerpoint/2010/main" val="1530614481"/>
               </p:ext>
             </p:extLst>
           </p:nvPr>
